--- a/trunk/com.supeyou.project/doc/SupeYou.scenario.nikolaus.pptx
+++ b/trunk/com.supeyou.project/doc/SupeYou.scenario.nikolaus.pptx
@@ -13827,18 +13827,7 @@
                   </a:schemeClr>
                 </a:solidFill>
               </a:rPr>
-              <a:t>OK, thats easy with Paypal</a:t>
-            </a:r>
-            <a:r>
-              <a:rPr lang="de-DE" sz="1400" dirty="0" smtClean="0">
-                <a:solidFill>
-                  <a:schemeClr val="tx1">
-                    <a:lumMod val="65000"/>
-                    <a:lumOff val="35000"/>
-                  </a:schemeClr>
-                </a:solidFill>
-              </a:rPr>
-              <a:t>. </a:t>
+              <a:t>OK, thats easy with Paypal. </a:t>
             </a:r>
             <a:r>
               <a:rPr lang="de-DE" sz="1400" dirty="0" err="1" smtClean="0">
@@ -13943,11 +13932,7 @@
           <a:p>
             <a:r>
               <a:rPr lang="de-DE" sz="1200" dirty="0" smtClean="0"/>
-              <a:t>nikolaus@willkommen</a:t>
-            </a:r>
-            <a:r>
-              <a:rPr lang="de-DE" sz="1200" dirty="0" smtClean="0"/>
-              <a:t>-in.de</a:t>
+              <a:t>nikolaus@willkommen-in.de</a:t>
             </a:r>
             <a:endParaRPr lang="en-US" sz="1200" dirty="0"/>
           </a:p>
@@ -16016,11 +16001,7 @@
           <a:p>
             <a:r>
               <a:rPr lang="de-DE" sz="11500" dirty="0" smtClean="0"/>
-              <a:t>Next </a:t>
-            </a:r>
-            <a:r>
-              <a:rPr lang="de-DE" sz="11500" dirty="0" smtClean="0"/>
-              <a:t>week…</a:t>
+              <a:t>Next week…</a:t>
             </a:r>
             <a:endParaRPr lang="en-US" sz="11500" dirty="0"/>
           </a:p>
@@ -17710,18 +17691,7 @@
                   </a:schemeClr>
                 </a:solidFill>
               </a:rPr>
-              <a:t>3.506 </a:t>
-            </a:r>
-            <a:r>
-              <a:rPr lang="de-DE" sz="2400" b="1" dirty="0" smtClean="0">
-                <a:solidFill>
-                  <a:schemeClr val="tx1">
-                    <a:lumMod val="50000"/>
-                    <a:lumOff val="50000"/>
-                  </a:schemeClr>
-                </a:solidFill>
-              </a:rPr>
-              <a:t>€</a:t>
+              <a:t>3.506 €</a:t>
             </a:r>
             <a:r>
               <a:rPr lang="de-DE" sz="2000" dirty="0" smtClean="0">
@@ -18204,17 +18174,7 @@
                   </a:schemeClr>
                 </a:solidFill>
               </a:rPr>
-              <a:t>2</a:t>
-            </a:r>
-            <a:r>
-              <a:rPr lang="de-DE" sz="1050" dirty="0" smtClean="0">
-                <a:solidFill>
-                  <a:schemeClr val="bg1">
-                    <a:lumMod val="50000"/>
-                  </a:schemeClr>
-                </a:solidFill>
-              </a:rPr>
-              <a:t>.470€</a:t>
+              <a:t>2.470€</a:t>
             </a:r>
             <a:endParaRPr lang="en-US" sz="1050" dirty="0">
               <a:solidFill>
@@ -23112,29 +23072,7 @@
                   </a:schemeClr>
                 </a:solidFill>
               </a:rPr>
-              <a:t>Ah, thats nice. I can show what I have done for </a:t>
-            </a:r>
-            <a:r>
-              <a:rPr lang="de-DE" sz="1400" dirty="0" smtClean="0">
-                <a:solidFill>
-                  <a:schemeClr val="tx1">
-                    <a:lumMod val="65000"/>
-                    <a:lumOff val="35000"/>
-                  </a:schemeClr>
-                </a:solidFill>
-              </a:rPr>
-              <a:t>Nikolaus on </a:t>
-            </a:r>
-            <a:r>
-              <a:rPr lang="de-DE" sz="1400" dirty="0" smtClean="0">
-                <a:solidFill>
-                  <a:schemeClr val="tx1">
-                    <a:lumMod val="65000"/>
-                    <a:lumOff val="35000"/>
-                  </a:schemeClr>
-                </a:solidFill>
-              </a:rPr>
-              <a:t>my business website.</a:t>
+              <a:t>Ah, thats nice. I can show what I have done for Nikolaus on my business website.</a:t>
             </a:r>
             <a:endParaRPr lang="en-US" sz="1400" dirty="0">
               <a:solidFill>
@@ -26635,51 +26573,7 @@
                   </a:schemeClr>
                 </a:solidFill>
               </a:rPr>
-              <a:t>Meine Mission ist es Flüchtlingen zu helfen. Dafür betreue und entwickle ich mit meinem Team die Seite willkommen-in.de. Mit </a:t>
-            </a:r>
-            <a:r>
-              <a:rPr lang="de-DE" sz="1400" dirty="0" smtClean="0">
-                <a:solidFill>
-                  <a:schemeClr val="tx1">
-                    <a:lumMod val="65000"/>
-                    <a:lumOff val="35000"/>
-                  </a:schemeClr>
-                </a:solidFill>
-              </a:rPr>
-              <a:t>der </a:t>
-            </a:r>
-            <a:r>
-              <a:rPr lang="de-DE" sz="1400" dirty="0" smtClean="0">
-                <a:solidFill>
-                  <a:schemeClr val="tx1">
-                    <a:lumMod val="65000"/>
-                    <a:lumOff val="35000"/>
-                  </a:schemeClr>
-                </a:solidFill>
-              </a:rPr>
-              <a:t>Seite wird die unglaubliche Hilfsbereitschaft aus der Bevölkerung für Flüchtlinge an die richtigen Stellen gebracht. </a:t>
-            </a:r>
-            <a:r>
-              <a:rPr lang="de-DE" sz="1400" dirty="0" smtClean="0">
-                <a:solidFill>
-                  <a:schemeClr val="tx1">
-                    <a:lumMod val="65000"/>
-                    <a:lumOff val="35000"/>
-                  </a:schemeClr>
-                </a:solidFill>
-              </a:rPr>
-              <a:t>Für </a:t>
-            </a:r>
-            <a:r>
-              <a:rPr lang="de-DE" sz="1400" dirty="0" smtClean="0">
-                <a:solidFill>
-                  <a:schemeClr val="tx1">
-                    <a:lumMod val="65000"/>
-                    <a:lumOff val="35000"/>
-                  </a:schemeClr>
-                </a:solidFill>
-              </a:rPr>
-              <a:t>weitere Informationen klickt einfach den Link unten.</a:t>
+              <a:t>Meine Mission ist es Flüchtlingen zu helfen. Dafür betreue und entwickle ich mit meinem Team die Seite willkommen-in.de. Mit der Seite wird die unglaubliche Hilfsbereitschaft aus der Bevölkerung für Flüchtlinge an die richtigen Stellen gebracht. Für weitere Informationen klickt einfach den Link unten.</a:t>
             </a:r>
           </a:p>
           <a:p>
@@ -26702,29 +26596,7 @@
                   </a:schemeClr>
                 </a:solidFill>
               </a:rPr>
-              <a:t>Um die Seite weiter zu betreuen braucht mein Team Deine Unterstützung. Ein Euro/Monat und eine </a:t>
-            </a:r>
-            <a:r>
-              <a:rPr lang="de-DE" sz="1400" dirty="0" smtClean="0">
-                <a:solidFill>
-                  <a:schemeClr val="tx1">
-                    <a:lumMod val="65000"/>
-                    <a:lumOff val="35000"/>
-                  </a:schemeClr>
-                </a:solidFill>
-              </a:rPr>
-              <a:t>persönliche Einladung </a:t>
-            </a:r>
-            <a:r>
-              <a:rPr lang="de-DE" sz="1400" dirty="0" smtClean="0">
-                <a:solidFill>
-                  <a:schemeClr val="tx1">
-                    <a:lumMod val="65000"/>
-                    <a:lumOff val="35000"/>
-                  </a:schemeClr>
-                </a:solidFill>
-              </a:rPr>
-              <a:t>an einige Deiner Freunde würden uns helfen mit 100% bei der Sache zu bleiben.</a:t>
+              <a:t>Um die Seite weiter zu betreuen braucht mein Team Deine Unterstützung. Ein Euro/Monat und eine persönliche Einladung an einige Deiner Freunde würden uns helfen mit 100% bei der Sache zu bleiben.</a:t>
             </a:r>
           </a:p>
           <a:p>
@@ -26747,29 +26619,7 @@
                   </a:schemeClr>
                 </a:solidFill>
               </a:rPr>
-              <a:t>Ich garantiere persönlich, dass alle Spenden gemäß meiner Mission eingesetzt </a:t>
-            </a:r>
-            <a:r>
-              <a:rPr lang="de-DE" sz="1400" dirty="0" smtClean="0">
-                <a:solidFill>
-                  <a:schemeClr val="tx1">
-                    <a:lumMod val="65000"/>
-                    <a:lumOff val="35000"/>
-                  </a:schemeClr>
-                </a:solidFill>
-              </a:rPr>
-              <a:t>werden und werde </a:t>
-            </a:r>
-            <a:r>
-              <a:rPr lang="de-DE" sz="1400" dirty="0" smtClean="0">
-                <a:solidFill>
-                  <a:schemeClr val="tx1">
-                    <a:lumMod val="65000"/>
-                    <a:lumOff val="35000"/>
-                  </a:schemeClr>
-                </a:solidFill>
-              </a:rPr>
-              <a:t>die Verwendung detailliert veröffentlichen.</a:t>
+              <a:t>Ich garantiere persönlich, dass alle Spenden gemäß meiner Mission eingesetzt werden und werde die Verwendung detailliert veröffentlichen.</a:t>
             </a:r>
           </a:p>
           <a:p>
@@ -28807,51 +28657,7 @@
                   </a:schemeClr>
                 </a:solidFill>
               </a:rPr>
-              <a:t> unten, um </a:t>
-            </a:r>
-            <a:r>
-              <a:rPr lang="de-DE" sz="1200" dirty="0" smtClean="0">
-                <a:solidFill>
-                  <a:schemeClr val="tx1">
-                    <a:lumMod val="50000"/>
-                    <a:lumOff val="50000"/>
-                  </a:schemeClr>
-                </a:solidFill>
-              </a:rPr>
-              <a:t>uns zu helfen </a:t>
-            </a:r>
-            <a:r>
-              <a:rPr lang="de-DE" sz="1200" dirty="0" smtClean="0">
-                <a:solidFill>
-                  <a:schemeClr val="tx1">
-                    <a:lumMod val="50000"/>
-                    <a:lumOff val="50000"/>
-                  </a:schemeClr>
-                </a:solidFill>
-              </a:rPr>
-              <a:t>und Eure Freunde zum </a:t>
-            </a:r>
-            <a:r>
-              <a:rPr lang="de-DE" sz="1200" dirty="0" smtClean="0">
-                <a:solidFill>
-                  <a:schemeClr val="tx1">
-                    <a:lumMod val="50000"/>
-                    <a:lumOff val="50000"/>
-                  </a:schemeClr>
-                </a:solidFill>
-              </a:rPr>
-              <a:t>Helfen aufzurufen</a:t>
-            </a:r>
-            <a:r>
-              <a:rPr lang="de-DE" sz="1200" dirty="0" smtClean="0">
-                <a:solidFill>
-                  <a:schemeClr val="tx1">
-                    <a:lumMod val="50000"/>
-                    <a:lumOff val="50000"/>
-                  </a:schemeClr>
-                </a:solidFill>
-              </a:rPr>
-              <a:t>. </a:t>
+              <a:t> unten, um uns zu helfen und Eure Freunde zum Helfen aufzurufen. </a:t>
             </a:r>
           </a:p>
           <a:p>
@@ -28895,51 +28701,7 @@
                   </a:schemeClr>
                 </a:solidFill>
               </a:rPr>
-              <a:t> und jeden Euro für willkommen-in.de einzusetzen. </a:t>
-            </a:r>
-            <a:r>
-              <a:rPr lang="de-DE" sz="1200" dirty="0" smtClean="0">
-                <a:solidFill>
-                  <a:schemeClr val="tx1">
-                    <a:lumMod val="50000"/>
-                    <a:lumOff val="50000"/>
-                  </a:schemeClr>
-                </a:solidFill>
-              </a:rPr>
-              <a:t>Überflüssiges Geld leiten wir an Hilfsorganisationen </a:t>
-            </a:r>
-            <a:r>
-              <a:rPr lang="de-DE" sz="1200" dirty="0" smtClean="0">
-                <a:solidFill>
-                  <a:schemeClr val="tx1">
-                    <a:lumMod val="50000"/>
-                    <a:lumOff val="50000"/>
-                  </a:schemeClr>
-                </a:solidFill>
-              </a:rPr>
-              <a:t>für Flüchtlinge weiter. </a:t>
-            </a:r>
-            <a:r>
-              <a:rPr lang="de-DE" sz="1200" dirty="0" smtClean="0">
-                <a:solidFill>
-                  <a:schemeClr val="tx1">
-                    <a:lumMod val="50000"/>
-                    <a:lumOff val="50000"/>
-                  </a:schemeClr>
-                </a:solidFill>
-              </a:rPr>
-              <a:t>Es </a:t>
-            </a:r>
-            <a:r>
-              <a:rPr lang="de-DE" sz="1200" dirty="0" smtClean="0">
-                <a:solidFill>
-                  <a:schemeClr val="tx1">
-                    <a:lumMod val="50000"/>
-                    <a:lumOff val="50000"/>
-                  </a:schemeClr>
-                </a:solidFill>
-              </a:rPr>
-              <a:t>spielt keine Rolle an welches Teammitglied eine Spende geht. Wir arbeiten als Team und entscheiden gemeinsam wie das Geld am besten eingesetzt wird.</a:t>
+              <a:t> und jeden Euro für willkommen-in.de einzusetzen. Überflüssiges Geld leiten wir an Hilfsorganisationen für Flüchtlinge weiter. Es spielt keine Rolle an welches Teammitglied eine Spende geht. Wir arbeiten als Team und entscheiden gemeinsam wie das Geld am besten eingesetzt wird.</a:t>
             </a:r>
             <a:endParaRPr lang="en-US" sz="1200" dirty="0">
               <a:solidFill>

--- a/trunk/com.supeyou.project/doc/SupeYou.scenario.nikolaus.pptx
+++ b/trunk/com.supeyou.project/doc/SupeYou.scenario.nikolaus.pptx
@@ -350,7 +350,7 @@
               <a:pPr>
                 <a:defRPr/>
               </a:pPr>
-              <a:t>13.08.2015</a:t>
+              <a:t>18.08.2015</a:t>
             </a:fld>
             <a:endParaRPr lang="de-CH"/>
           </a:p>
@@ -547,7 +547,7 @@
               <a:pPr>
                 <a:defRPr/>
               </a:pPr>
-              <a:t>13.08.2015</a:t>
+              <a:t>18.08.2015</a:t>
             </a:fld>
             <a:endParaRPr lang="de-CH"/>
           </a:p>
@@ -754,7 +754,7 @@
               <a:pPr>
                 <a:defRPr/>
               </a:pPr>
-              <a:t>13.08.2015</a:t>
+              <a:t>18.08.2015</a:t>
             </a:fld>
             <a:endParaRPr lang="de-CH"/>
           </a:p>
@@ -951,7 +951,7 @@
               <a:pPr>
                 <a:defRPr/>
               </a:pPr>
-              <a:t>13.08.2015</a:t>
+              <a:t>18.08.2015</a:t>
             </a:fld>
             <a:endParaRPr lang="de-CH"/>
           </a:p>
@@ -1224,7 +1224,7 @@
               <a:pPr>
                 <a:defRPr/>
               </a:pPr>
-              <a:t>13.08.2015</a:t>
+              <a:t>18.08.2015</a:t>
             </a:fld>
             <a:endParaRPr lang="de-CH"/>
           </a:p>
@@ -1539,7 +1539,7 @@
               <a:pPr>
                 <a:defRPr/>
               </a:pPr>
-              <a:t>13.08.2015</a:t>
+              <a:t>18.08.2015</a:t>
             </a:fld>
             <a:endParaRPr lang="de-CH"/>
           </a:p>
@@ -1988,7 +1988,7 @@
               <a:pPr>
                 <a:defRPr/>
               </a:pPr>
-              <a:t>13.08.2015</a:t>
+              <a:t>18.08.2015</a:t>
             </a:fld>
             <a:endParaRPr lang="de-CH"/>
           </a:p>
@@ -2133,7 +2133,7 @@
               <a:pPr>
                 <a:defRPr/>
               </a:pPr>
-              <a:t>13.08.2015</a:t>
+              <a:t>18.08.2015</a:t>
             </a:fld>
             <a:endParaRPr lang="de-CH"/>
           </a:p>
@@ -2255,7 +2255,7 @@
               <a:pPr>
                 <a:defRPr/>
               </a:pPr>
-              <a:t>13.08.2015</a:t>
+              <a:t>18.08.2015</a:t>
             </a:fld>
             <a:endParaRPr lang="de-CH"/>
           </a:p>
@@ -2559,7 +2559,7 @@
               <a:pPr>
                 <a:defRPr/>
               </a:pPr>
-              <a:t>13.08.2015</a:t>
+              <a:t>18.08.2015</a:t>
             </a:fld>
             <a:endParaRPr lang="de-CH"/>
           </a:p>
@@ -2842,7 +2842,7 @@
               <a:pPr>
                 <a:defRPr/>
               </a:pPr>
-              <a:t>13.08.2015</a:t>
+              <a:t>18.08.2015</a:t>
             </a:fld>
             <a:endParaRPr lang="de-CH"/>
           </a:p>
@@ -3140,7 +3140,7 @@
               <a:pPr>
                 <a:defRPr/>
               </a:pPr>
-              <a:t>13.08.2015</a:t>
+              <a:t>18.08.2015</a:t>
             </a:fld>
             <a:endParaRPr lang="de-CH"/>
           </a:p>
@@ -28445,11 +28445,11 @@
   <p:clrMapOvr>
     <a:masterClrMapping/>
   </p:clrMapOvr>
-  <mc:AlternateContent xmlns:mc="http://schemas.openxmlformats.org/markup-compatibility/2006">
-    <mc:Choice xmlns:p14="http://schemas.microsoft.com/office/powerpoint/2010/main" Requires="p14">
+  <mc:AlternateContent xmlns:mc="http://schemas.openxmlformats.org/markup-compatibility/2006" xmlns:p14="http://schemas.microsoft.com/office/powerpoint/2010/main">
+    <mc:Choice Requires="p14">
       <p:transition spd="slow" p14:dur="2000"/>
     </mc:Choice>
-    <mc:Fallback>
+    <mc:Fallback xmlns="">
       <p:transition spd="slow"/>
     </mc:Fallback>
   </mc:AlternateContent>
@@ -29253,11 +29253,11 @@
   <p:clrMapOvr>
     <a:masterClrMapping/>
   </p:clrMapOvr>
-  <mc:AlternateContent xmlns:mc="http://schemas.openxmlformats.org/markup-compatibility/2006">
-    <mc:Choice xmlns:p14="http://schemas.microsoft.com/office/powerpoint/2010/main" Requires="p14">
+  <mc:AlternateContent xmlns:mc="http://schemas.openxmlformats.org/markup-compatibility/2006" xmlns:p14="http://schemas.microsoft.com/office/powerpoint/2010/main">
+    <mc:Choice Requires="p14">
       <p:transition spd="slow" p14:dur="2000"/>
     </mc:Choice>
-    <mc:Fallback>
+    <mc:Fallback xmlns="">
       <p:transition spd="slow"/>
     </mc:Fallback>
   </mc:AlternateContent>
@@ -31637,10 +31637,10 @@
         </p:nvGrpSpPr>
         <p:grpSpPr>
           <a:xfrm>
-            <a:off x="573433" y="3600811"/>
-            <a:ext cx="3206479" cy="2492485"/>
-            <a:chOff x="573433" y="3600811"/>
-            <a:chExt cx="3206479" cy="2492485"/>
+            <a:off x="539552" y="3595665"/>
+            <a:ext cx="3378218" cy="2498326"/>
+            <a:chOff x="539552" y="3595665"/>
+            <a:chExt cx="3378218" cy="2498326"/>
           </a:xfrm>
         </p:grpSpPr>
         <p:pic>
@@ -31695,8 +31695,8 @@
           </p:nvCxnSpPr>
           <p:spPr>
             <a:xfrm rot="5400000">
-              <a:off x="865597" y="4206380"/>
-              <a:ext cx="435740" cy="745634"/>
+              <a:off x="867153" y="4207936"/>
+              <a:ext cx="435740" cy="742522"/>
             </a:xfrm>
             <a:prstGeom prst="curvedConnector3">
               <a:avLst/>
@@ -31743,8 +31743,8 @@
           </p:nvSpPr>
           <p:spPr>
             <a:xfrm>
-              <a:off x="1322711" y="3864695"/>
-              <a:ext cx="210561" cy="161583"/>
+              <a:off x="1187624" y="3864695"/>
+              <a:ext cx="519941" cy="161583"/>
             </a:xfrm>
             <a:prstGeom prst="rect">
               <a:avLst/>
@@ -31758,14 +31758,14 @@
             <a:lstStyle/>
             <a:p>
               <a:r>
-                <a:rPr lang="de-DE" sz="1050" dirty="0">
+                <a:rPr lang="de-DE" sz="1050" dirty="0" smtClean="0">
                   <a:solidFill>
                     <a:schemeClr val="bg1">
                       <a:lumMod val="50000"/>
                     </a:schemeClr>
                   </a:solidFill>
                 </a:rPr>
-                <a:t>0</a:t>
+                <a:t>12.869</a:t>
               </a:r>
               <a:r>
                 <a:rPr lang="de-DE" sz="1050" dirty="0" smtClean="0">
@@ -31874,14 +31874,15 @@
           <p:nvCxnSpPr>
             <p:cNvPr id="33" name="Gekrümmte Verbindung 32"/>
             <p:cNvCxnSpPr>
+              <a:stCxn id="32" idx="2"/>
               <a:endCxn id="53" idx="0"/>
             </p:cNvCxnSpPr>
             <p:nvPr/>
           </p:nvCxnSpPr>
           <p:spPr>
-            <a:xfrm rot="5400000">
-              <a:off x="516766" y="5348339"/>
-              <a:ext cx="385031" cy="2737"/>
+            <a:xfrm rot="16200000" flipH="1">
+              <a:off x="516717" y="5333558"/>
+              <a:ext cx="402598" cy="14731"/>
             </a:xfrm>
             <a:prstGeom prst="curvedConnector3">
               <a:avLst/>
@@ -31928,8 +31929,8 @@
           </p:nvSpPr>
           <p:spPr>
             <a:xfrm>
-              <a:off x="605369" y="4797067"/>
-              <a:ext cx="210561" cy="161583"/>
+              <a:off x="539552" y="4797067"/>
+              <a:ext cx="348420" cy="161583"/>
             </a:xfrm>
             <a:prstGeom prst="rect">
               <a:avLst/>
@@ -31950,7 +31951,17 @@
                     </a:schemeClr>
                   </a:solidFill>
                 </a:rPr>
-                <a:t>5€</a:t>
+                <a:t>130</a:t>
+              </a:r>
+              <a:r>
+                <a:rPr lang="de-DE" sz="1050" dirty="0" smtClean="0">
+                  <a:solidFill>
+                    <a:schemeClr val="bg1">
+                      <a:lumMod val="50000"/>
+                    </a:schemeClr>
+                  </a:solidFill>
+                </a:rPr>
+                <a:t>€</a:t>
               </a:r>
               <a:endParaRPr lang="en-US" sz="1050" dirty="0">
                 <a:solidFill>
@@ -32011,8 +32022,8 @@
           </p:nvSpPr>
           <p:spPr>
             <a:xfrm>
-              <a:off x="1282167" y="4797067"/>
-              <a:ext cx="210561" cy="161583"/>
+              <a:off x="1216350" y="4797067"/>
+              <a:ext cx="348420" cy="161583"/>
             </a:xfrm>
             <a:prstGeom prst="rect">
               <a:avLst/>
@@ -32033,7 +32044,17 @@
                     </a:schemeClr>
                   </a:solidFill>
                 </a:rPr>
-                <a:t>0€</a:t>
+                <a:t>256</a:t>
+              </a:r>
+              <a:r>
+                <a:rPr lang="de-DE" sz="1050" dirty="0" smtClean="0">
+                  <a:solidFill>
+                    <a:schemeClr val="bg1">
+                      <a:lumMod val="50000"/>
+                    </a:schemeClr>
+                  </a:solidFill>
+                </a:rPr>
+                <a:t>€</a:t>
               </a:r>
               <a:endParaRPr lang="en-US" sz="1050" dirty="0">
                 <a:solidFill>
@@ -32095,7 +32116,7 @@
           <p:spPr>
             <a:xfrm>
               <a:off x="2128022" y="4797067"/>
-              <a:ext cx="279491" cy="161583"/>
+              <a:ext cx="417349" cy="161583"/>
             </a:xfrm>
             <a:prstGeom prst="rect">
               <a:avLst/>
@@ -32116,7 +32137,27 @@
                     </a:schemeClr>
                   </a:solidFill>
                 </a:rPr>
-                <a:t>10€</a:t>
+                <a:t>570</a:t>
+              </a:r>
+              <a:r>
+                <a:rPr lang="de-DE" sz="1050" dirty="0" smtClean="0">
+                  <a:solidFill>
+                    <a:schemeClr val="bg1">
+                      <a:lumMod val="50000"/>
+                    </a:schemeClr>
+                  </a:solidFill>
+                </a:rPr>
+                <a:t>0</a:t>
+              </a:r>
+              <a:r>
+                <a:rPr lang="de-DE" sz="1050" dirty="0" smtClean="0">
+                  <a:solidFill>
+                    <a:schemeClr val="bg1">
+                      <a:lumMod val="50000"/>
+                    </a:schemeClr>
+                  </a:solidFill>
+                </a:rPr>
+                <a:t>€</a:t>
               </a:r>
               <a:endParaRPr lang="en-US" sz="1050" dirty="0">
                 <a:solidFill>
@@ -32139,8 +32180,8 @@
           </p:nvCxnSpPr>
           <p:spPr>
             <a:xfrm rot="5400000">
-              <a:off x="1203996" y="4544779"/>
-              <a:ext cx="435740" cy="68836"/>
+              <a:off x="1205552" y="4546335"/>
+              <a:ext cx="435740" cy="65724"/>
             </a:xfrm>
             <a:prstGeom prst="curvedConnector3">
               <a:avLst/>
@@ -32190,8 +32231,8 @@
           </p:nvCxnSpPr>
           <p:spPr>
             <a:xfrm rot="16200000" flipH="1">
-              <a:off x="1644156" y="4173455"/>
-              <a:ext cx="435740" cy="811484"/>
+              <a:off x="1678620" y="4138990"/>
+              <a:ext cx="435740" cy="880413"/>
             </a:xfrm>
             <a:prstGeom prst="curvedConnector3">
               <a:avLst>
@@ -32281,8 +32322,8 @@
           </p:nvSpPr>
           <p:spPr>
             <a:xfrm>
-              <a:off x="602631" y="5542223"/>
-              <a:ext cx="210561" cy="161583"/>
+              <a:off x="551172" y="5542223"/>
+              <a:ext cx="348420" cy="161583"/>
             </a:xfrm>
             <a:prstGeom prst="rect">
               <a:avLst/>
@@ -32303,7 +32344,17 @@
                     </a:schemeClr>
                   </a:solidFill>
                 </a:rPr>
-                <a:t>5€</a:t>
+                <a:t>120</a:t>
+              </a:r>
+              <a:r>
+                <a:rPr lang="de-DE" sz="1050" dirty="0" smtClean="0">
+                  <a:solidFill>
+                    <a:schemeClr val="bg1">
+                      <a:lumMod val="50000"/>
+                    </a:schemeClr>
+                  </a:solidFill>
+                </a:rPr>
+                <a:t>€</a:t>
               </a:r>
               <a:endParaRPr lang="en-US" sz="1050" dirty="0">
                 <a:solidFill>
@@ -32364,8 +32415,8 @@
           </p:nvSpPr>
           <p:spPr>
             <a:xfrm>
-              <a:off x="1279429" y="5542223"/>
-              <a:ext cx="279491" cy="161583"/>
+              <a:off x="1199244" y="5542223"/>
+              <a:ext cx="348420" cy="161583"/>
             </a:xfrm>
             <a:prstGeom prst="rect">
               <a:avLst/>
@@ -32386,7 +32437,7 @@
                     </a:schemeClr>
                   </a:solidFill>
                 </a:rPr>
-                <a:t>10€</a:t>
+                <a:t>134€</a:t>
               </a:r>
               <a:endParaRPr lang="en-US" sz="1050" dirty="0">
                 <a:solidFill>
@@ -32552,7 +32603,7 @@
                     </a:schemeClr>
                   </a:solidFill>
                 </a:rPr>
-                <a:t>0</a:t>
+                <a:t>5</a:t>
               </a:r>
               <a:r>
                 <a:rPr lang="de-DE" sz="1050" dirty="0" smtClean="0">
@@ -32624,7 +32675,7 @@
           <p:spPr>
             <a:xfrm>
               <a:off x="1595240" y="5534799"/>
-              <a:ext cx="210561" cy="161583"/>
+              <a:ext cx="348420" cy="161583"/>
             </a:xfrm>
             <a:prstGeom prst="rect">
               <a:avLst/>
@@ -32638,14 +32689,14 @@
             <a:lstStyle/>
             <a:p>
               <a:r>
-                <a:rPr lang="de-DE" sz="1050" dirty="0">
+                <a:rPr lang="de-DE" sz="1050" dirty="0" smtClean="0">
                   <a:solidFill>
                     <a:schemeClr val="bg1">
                       <a:lumMod val="50000"/>
                     </a:schemeClr>
                   </a:solidFill>
                 </a:rPr>
-                <a:t>0</a:t>
+                <a:t>117</a:t>
               </a:r>
               <a:r>
                 <a:rPr lang="de-DE" sz="1050" dirty="0" smtClean="0">
@@ -32717,7 +32768,7 @@
           <p:spPr>
             <a:xfrm>
               <a:off x="2195736" y="5534799"/>
-              <a:ext cx="348420" cy="161583"/>
+              <a:ext cx="417349" cy="161583"/>
             </a:xfrm>
             <a:prstGeom prst="rect">
               <a:avLst/>
@@ -32738,7 +32789,7 @@
                     </a:schemeClr>
                   </a:solidFill>
                 </a:rPr>
-                <a:t>100€</a:t>
+                <a:t>5690€</a:t>
               </a:r>
               <a:endParaRPr lang="en-US" sz="1050" dirty="0">
                 <a:solidFill>
@@ -32760,8 +32811,8 @@
           </p:nvCxnSpPr>
           <p:spPr>
             <a:xfrm rot="5400000">
-              <a:off x="976409" y="5118708"/>
-              <a:ext cx="463405" cy="368776"/>
+              <a:off x="976410" y="5118707"/>
+              <a:ext cx="463405" cy="368778"/>
             </a:xfrm>
             <a:prstGeom prst="curvedConnector3">
               <a:avLst>
@@ -32812,9 +32863,9 @@
             <p:nvPr/>
           </p:nvCxnSpPr>
           <p:spPr>
-            <a:xfrm rot="16200000" flipH="1">
-              <a:off x="1202013" y="5325061"/>
-              <a:ext cx="402598" cy="31726"/>
+            <a:xfrm rot="5400000">
+              <a:off x="1179153" y="5333927"/>
+              <a:ext cx="402598" cy="13995"/>
             </a:xfrm>
             <a:prstGeom prst="curvedConnector3">
               <a:avLst>
@@ -32866,8 +32917,8 @@
           </p:nvCxnSpPr>
           <p:spPr>
             <a:xfrm rot="16200000" flipH="1">
-              <a:off x="1346398" y="5180676"/>
-              <a:ext cx="395174" cy="313072"/>
+              <a:off x="1380862" y="5146211"/>
+              <a:ext cx="395174" cy="382001"/>
             </a:xfrm>
             <a:prstGeom prst="curvedConnector3">
               <a:avLst>
@@ -32919,8 +32970,8 @@
           </p:nvCxnSpPr>
           <p:spPr>
             <a:xfrm rot="16200000" flipH="1">
-              <a:off x="2104038" y="5268891"/>
-              <a:ext cx="395174" cy="136642"/>
+              <a:off x="2121270" y="5251658"/>
+              <a:ext cx="395174" cy="171107"/>
             </a:xfrm>
             <a:prstGeom prst="curvedConnector3">
               <a:avLst>
@@ -33114,8 +33165,8 @@
           </p:nvSpPr>
           <p:spPr>
             <a:xfrm>
-              <a:off x="2922049" y="3882262"/>
-              <a:ext cx="279491" cy="161583"/>
+              <a:off x="2843808" y="3882262"/>
+              <a:ext cx="417349" cy="161583"/>
             </a:xfrm>
             <a:prstGeom prst="rect">
               <a:avLst/>
@@ -33136,7 +33187,17 @@
                     </a:schemeClr>
                   </a:solidFill>
                 </a:rPr>
-                <a:t>15€</a:t>
+                <a:t>5456</a:t>
+              </a:r>
+              <a:r>
+                <a:rPr lang="de-DE" sz="1050" dirty="0" smtClean="0">
+                  <a:solidFill>
+                    <a:schemeClr val="bg1">
+                      <a:lumMod val="50000"/>
+                    </a:schemeClr>
+                  </a:solidFill>
+                </a:rPr>
+                <a:t>€</a:t>
               </a:r>
               <a:endParaRPr lang="en-US" sz="1050" dirty="0">
                 <a:solidFill>
@@ -33322,8 +33383,8 @@
           </p:nvSpPr>
           <p:spPr>
             <a:xfrm>
-              <a:off x="3160566" y="4814634"/>
-              <a:ext cx="210561" cy="161583"/>
+              <a:off x="3059832" y="4814634"/>
+              <a:ext cx="417349" cy="161583"/>
             </a:xfrm>
             <a:prstGeom prst="rect">
               <a:avLst/>
@@ -33337,14 +33398,14 @@
             <a:lstStyle/>
             <a:p>
               <a:r>
-                <a:rPr lang="de-DE" sz="1050" dirty="0">
+                <a:rPr lang="de-DE" sz="1050" dirty="0" smtClean="0">
                   <a:solidFill>
                     <a:schemeClr val="bg1">
                       <a:lumMod val="50000"/>
                     </a:schemeClr>
                   </a:solidFill>
                 </a:rPr>
-                <a:t>0</a:t>
+                <a:t>5451</a:t>
               </a:r>
               <a:r>
                 <a:rPr lang="de-DE" sz="1050" dirty="0" smtClean="0">
@@ -33377,8 +33438,8 @@
           </p:nvCxnSpPr>
           <p:spPr>
             <a:xfrm rot="16200000" flipH="1">
-              <a:off x="2938827" y="4487614"/>
-              <a:ext cx="435740" cy="218300"/>
+              <a:off x="2940157" y="4486284"/>
+              <a:ext cx="435740" cy="220960"/>
             </a:xfrm>
             <a:prstGeom prst="curvedConnector3">
               <a:avLst/>
@@ -33550,7 +33611,7 @@
           <p:spPr>
             <a:xfrm>
               <a:off x="3096152" y="5534799"/>
-              <a:ext cx="279491" cy="161583"/>
+              <a:ext cx="417349" cy="161583"/>
             </a:xfrm>
             <a:prstGeom prst="rect">
               <a:avLst/>
@@ -33571,7 +33632,7 @@
                     </a:schemeClr>
                   </a:solidFill>
                 </a:rPr>
-                <a:t>10€</a:t>
+                <a:t>4445€</a:t>
               </a:r>
               <a:endParaRPr lang="en-US" sz="1050" dirty="0">
                 <a:solidFill>
@@ -33593,9 +33654,9 @@
             <p:nvPr/>
           </p:nvCxnSpPr>
           <p:spPr>
-            <a:xfrm rot="5400000">
-              <a:off x="3062070" y="5331020"/>
-              <a:ext cx="377607" cy="29950"/>
+            <a:xfrm rot="16200000" flipH="1">
+              <a:off x="3096534" y="5326505"/>
+              <a:ext cx="377607" cy="38979"/>
             </a:xfrm>
             <a:prstGeom prst="curvedConnector3">
               <a:avLst>
@@ -33739,7 +33800,7 @@
           <p:spPr>
             <a:xfrm>
               <a:off x="3500421" y="5542223"/>
-              <a:ext cx="279491" cy="161583"/>
+              <a:ext cx="417349" cy="161583"/>
             </a:xfrm>
             <a:prstGeom prst="rect">
               <a:avLst/>
@@ -33760,7 +33821,17 @@
                     </a:schemeClr>
                   </a:solidFill>
                 </a:rPr>
-                <a:t>20€</a:t>
+                <a:t>1001</a:t>
+              </a:r>
+              <a:r>
+                <a:rPr lang="de-DE" sz="1050" dirty="0" smtClean="0">
+                  <a:solidFill>
+                    <a:schemeClr val="bg1">
+                      <a:lumMod val="50000"/>
+                    </a:schemeClr>
+                  </a:solidFill>
+                </a:rPr>
+                <a:t>€</a:t>
               </a:r>
               <a:endParaRPr lang="en-US" sz="1050" dirty="0">
                 <a:solidFill>
@@ -33783,8 +33854,8 @@
           </p:nvCxnSpPr>
           <p:spPr>
             <a:xfrm rot="16200000" flipH="1">
-              <a:off x="3260492" y="5162547"/>
-              <a:ext cx="385031" cy="374319"/>
+              <a:off x="3294957" y="5128083"/>
+              <a:ext cx="385031" cy="443248"/>
             </a:xfrm>
             <a:prstGeom prst="curvedConnector3">
               <a:avLst>
@@ -34081,14 +34152,15 @@
           <p:nvCxnSpPr>
             <p:cNvPr id="144" name="Gekrümmte Verbindung 143"/>
             <p:cNvCxnSpPr>
+              <a:stCxn id="76" idx="2"/>
               <a:endCxn id="23" idx="0"/>
             </p:cNvCxnSpPr>
             <p:nvPr/>
           </p:nvCxnSpPr>
           <p:spPr>
             <a:xfrm rot="5400000">
-              <a:off x="1679823" y="3348981"/>
-              <a:ext cx="263883" cy="767544"/>
+              <a:off x="1705935" y="3337326"/>
+              <a:ext cx="269029" cy="785708"/>
             </a:xfrm>
             <a:prstGeom prst="curvedConnector3">
               <a:avLst>
@@ -34133,14 +34205,15 @@
           <p:nvCxnSpPr>
             <p:cNvPr id="147" name="Gekrümmte Verbindung 146"/>
             <p:cNvCxnSpPr>
+              <a:stCxn id="76" idx="2"/>
               <a:endCxn id="89" idx="0"/>
             </p:cNvCxnSpPr>
             <p:nvPr/>
           </p:nvCxnSpPr>
           <p:spPr>
             <a:xfrm rot="16200000" flipH="1">
-              <a:off x="2487940" y="3308407"/>
-              <a:ext cx="281450" cy="866259"/>
+              <a:off x="2499595" y="3329374"/>
+              <a:ext cx="286596" cy="819180"/>
             </a:xfrm>
             <a:prstGeom prst="curvedConnector3">
               <a:avLst>
@@ -34181,6 +34254,48 @@
             </a:fontRef>
           </p:style>
         </p:cxnSp>
+        <p:sp>
+          <p:nvSpPr>
+            <p:cNvPr id="78" name="Textfeld 77"/>
+            <p:cNvSpPr txBox="1"/>
+            <p:nvPr/>
+          </p:nvSpPr>
+          <p:spPr>
+            <a:xfrm>
+              <a:off x="2239169" y="5786214"/>
+              <a:ext cx="274434" cy="307777"/>
+            </a:xfrm>
+            <a:prstGeom prst="rect">
+              <a:avLst/>
+            </a:prstGeom>
+            <a:noFill/>
+          </p:spPr>
+          <p:txBody>
+            <a:bodyPr wrap="none" rtlCol="0">
+              <a:spAutoFit/>
+            </a:bodyPr>
+            <a:lstStyle/>
+            <a:p>
+              <a:r>
+                <a:rPr lang="de-DE" sz="1400" b="1" dirty="0">
+                  <a:solidFill>
+                    <a:schemeClr val="bg1">
+                      <a:lumMod val="75000"/>
+                    </a:schemeClr>
+                  </a:solidFill>
+                </a:rPr>
+                <a:t>+</a:t>
+              </a:r>
+              <a:endParaRPr lang="en-US" sz="1400" b="1" dirty="0">
+                <a:solidFill>
+                  <a:schemeClr val="bg1">
+                    <a:lumMod val="75000"/>
+                  </a:schemeClr>
+                </a:solidFill>
+              </a:endParaRPr>
+            </a:p>
+          </p:txBody>
+        </p:sp>
       </p:grpSp>
       <p:pic>
         <p:nvPicPr>

--- a/trunk/com.supeyou.project/doc/SupeYou.scenario.nikolaus.pptx
+++ b/trunk/com.supeyou.project/doc/SupeYou.scenario.nikolaus.pptx
@@ -359,7 +359,7 @@
               <a:pPr>
                 <a:defRPr/>
               </a:pPr>
-              <a:t>19.08.2015</a:t>
+              <a:t>20.08.2015</a:t>
             </a:fld>
             <a:endParaRPr lang="de-CH"/>
           </a:p>
@@ -556,7 +556,7 @@
               <a:pPr>
                 <a:defRPr/>
               </a:pPr>
-              <a:t>19.08.2015</a:t>
+              <a:t>20.08.2015</a:t>
             </a:fld>
             <a:endParaRPr lang="de-CH"/>
           </a:p>
@@ -763,7 +763,7 @@
               <a:pPr>
                 <a:defRPr/>
               </a:pPr>
-              <a:t>19.08.2015</a:t>
+              <a:t>20.08.2015</a:t>
             </a:fld>
             <a:endParaRPr lang="de-CH"/>
           </a:p>
@@ -960,7 +960,7 @@
               <a:pPr>
                 <a:defRPr/>
               </a:pPr>
-              <a:t>19.08.2015</a:t>
+              <a:t>20.08.2015</a:t>
             </a:fld>
             <a:endParaRPr lang="de-CH"/>
           </a:p>
@@ -1233,7 +1233,7 @@
               <a:pPr>
                 <a:defRPr/>
               </a:pPr>
-              <a:t>19.08.2015</a:t>
+              <a:t>20.08.2015</a:t>
             </a:fld>
             <a:endParaRPr lang="de-CH"/>
           </a:p>
@@ -1548,7 +1548,7 @@
               <a:pPr>
                 <a:defRPr/>
               </a:pPr>
-              <a:t>19.08.2015</a:t>
+              <a:t>20.08.2015</a:t>
             </a:fld>
             <a:endParaRPr lang="de-CH"/>
           </a:p>
@@ -1997,7 +1997,7 @@
               <a:pPr>
                 <a:defRPr/>
               </a:pPr>
-              <a:t>19.08.2015</a:t>
+              <a:t>20.08.2015</a:t>
             </a:fld>
             <a:endParaRPr lang="de-CH"/>
           </a:p>
@@ -2142,7 +2142,7 @@
               <a:pPr>
                 <a:defRPr/>
               </a:pPr>
-              <a:t>19.08.2015</a:t>
+              <a:t>20.08.2015</a:t>
             </a:fld>
             <a:endParaRPr lang="de-CH"/>
           </a:p>
@@ -2264,7 +2264,7 @@
               <a:pPr>
                 <a:defRPr/>
               </a:pPr>
-              <a:t>19.08.2015</a:t>
+              <a:t>20.08.2015</a:t>
             </a:fld>
             <a:endParaRPr lang="de-CH"/>
           </a:p>
@@ -2568,7 +2568,7 @@
               <a:pPr>
                 <a:defRPr/>
               </a:pPr>
-              <a:t>19.08.2015</a:t>
+              <a:t>20.08.2015</a:t>
             </a:fld>
             <a:endParaRPr lang="de-CH"/>
           </a:p>
@@ -2851,7 +2851,7 @@
               <a:pPr>
                 <a:defRPr/>
               </a:pPr>
-              <a:t>19.08.2015</a:t>
+              <a:t>20.08.2015</a:t>
             </a:fld>
             <a:endParaRPr lang="de-CH"/>
           </a:p>
@@ -3149,7 +3149,7 @@
               <a:pPr>
                 <a:defRPr/>
               </a:pPr>
-              <a:t>19.08.2015</a:t>
+              <a:t>20.08.2015</a:t>
             </a:fld>
             <a:endParaRPr lang="de-CH"/>
           </a:p>
@@ -8242,11 +8242,7 @@
           <a:p>
             <a:r>
               <a:rPr lang="de-DE" sz="1400" dirty="0" smtClean="0"/>
-              <a:t>Hi </a:t>
-            </a:r>
-            <a:r>
-              <a:rPr lang="de-DE" sz="1400" dirty="0" smtClean="0"/>
-              <a:t>Anna,</a:t>
+              <a:t>Hi Anna,</a:t>
             </a:r>
           </a:p>
           <a:p>
@@ -8838,7 +8834,7 @@
         <p:spPr>
           <a:xfrm>
             <a:off x="515869" y="561031"/>
-            <a:ext cx="1564916" cy="338554"/>
+            <a:ext cx="1344663" cy="338554"/>
           </a:xfrm>
           <a:prstGeom prst="rect">
             <a:avLst/>
@@ -8859,27 +8855,7 @@
                   </a:schemeClr>
                 </a:solidFill>
               </a:rPr>
-              <a:t>Get </a:t>
-            </a:r>
-            <a:r>
-              <a:rPr lang="de-DE" sz="1600" dirty="0">
-                <a:solidFill>
-                  <a:schemeClr val="bg1">
-                    <a:lumMod val="50000"/>
-                  </a:schemeClr>
-                </a:solidFill>
-              </a:rPr>
-              <a:t>n</a:t>
-            </a:r>
-            <a:r>
-              <a:rPr lang="de-DE" sz="1600" dirty="0" smtClean="0">
-                <a:solidFill>
-                  <a:schemeClr val="bg1">
-                    <a:lumMod val="50000"/>
-                  </a:schemeClr>
-                </a:solidFill>
-              </a:rPr>
-              <a:t>otifications</a:t>
+              <a:t>Stay informed</a:t>
             </a:r>
             <a:endParaRPr lang="en-US" sz="1600" dirty="0">
               <a:solidFill>
@@ -9857,11 +9833,11 @@
   <p:clrMapOvr>
     <a:masterClrMapping/>
   </p:clrMapOvr>
-  <mc:AlternateContent xmlns:mc="http://schemas.openxmlformats.org/markup-compatibility/2006">
-    <mc:Choice xmlns:p14="http://schemas.microsoft.com/office/powerpoint/2010/main" Requires="p14">
+  <mc:AlternateContent xmlns:mc="http://schemas.openxmlformats.org/markup-compatibility/2006" xmlns:p14="http://schemas.microsoft.com/office/powerpoint/2010/main">
+    <mc:Choice Requires="p14">
       <p:transition spd="slow" p14:dur="2000"/>
     </mc:Choice>
-    <mc:Fallback>
+    <mc:Fallback xmlns="">
       <p:transition spd="slow"/>
     </mc:Fallback>
   </mc:AlternateContent>
@@ -11128,11 +11104,11 @@
   <p:clrMapOvr>
     <a:masterClrMapping/>
   </p:clrMapOvr>
-  <mc:AlternateContent xmlns:mc="http://schemas.openxmlformats.org/markup-compatibility/2006">
-    <mc:Choice xmlns:p14="http://schemas.microsoft.com/office/powerpoint/2010/main" Requires="p14">
+  <mc:AlternateContent xmlns:mc="http://schemas.openxmlformats.org/markup-compatibility/2006" xmlns:p14="http://schemas.microsoft.com/office/powerpoint/2010/main">
+    <mc:Choice Requires="p14">
       <p:transition spd="slow" p14:dur="2000"/>
     </mc:Choice>
-    <mc:Fallback>
+    <mc:Fallback xmlns="">
       <p:transition spd="slow"/>
     </mc:Fallback>
   </mc:AlternateContent>
@@ -12590,11 +12566,11 @@
   <p:clrMapOvr>
     <a:masterClrMapping/>
   </p:clrMapOvr>
-  <mc:AlternateContent xmlns:mc="http://schemas.openxmlformats.org/markup-compatibility/2006">
-    <mc:Choice xmlns:p14="http://schemas.microsoft.com/office/powerpoint/2010/main" Requires="p14">
+  <mc:AlternateContent xmlns:mc="http://schemas.openxmlformats.org/markup-compatibility/2006" xmlns:p14="http://schemas.microsoft.com/office/powerpoint/2010/main">
+    <mc:Choice Requires="p14">
       <p:transition spd="slow" p14:dur="2000"/>
     </mc:Choice>
-    <mc:Fallback>
+    <mc:Fallback xmlns="">
       <p:transition spd="slow"/>
     </mc:Fallback>
   </mc:AlternateContent>
@@ -13296,11 +13272,11 @@
   <p:clrMapOvr>
     <a:masterClrMapping/>
   </p:clrMapOvr>
-  <mc:AlternateContent xmlns:mc="http://schemas.openxmlformats.org/markup-compatibility/2006">
-    <mc:Choice xmlns:p14="http://schemas.microsoft.com/office/powerpoint/2010/main" Requires="p14">
+  <mc:AlternateContent xmlns:mc="http://schemas.openxmlformats.org/markup-compatibility/2006" xmlns:p14="http://schemas.microsoft.com/office/powerpoint/2010/main">
+    <mc:Choice Requires="p14">
       <p:transition spd="slow" p14:dur="2000"/>
     </mc:Choice>
-    <mc:Fallback>
+    <mc:Fallback xmlns="">
       <p:transition spd="slow"/>
     </mc:Fallback>
   </mc:AlternateContent>
@@ -14216,11 +14192,11 @@
   <p:clrMapOvr>
     <a:masterClrMapping/>
   </p:clrMapOvr>
-  <mc:AlternateContent xmlns:mc="http://schemas.openxmlformats.org/markup-compatibility/2006">
-    <mc:Choice xmlns:p14="http://schemas.microsoft.com/office/powerpoint/2010/main" Requires="p14">
+  <mc:AlternateContent xmlns:mc="http://schemas.openxmlformats.org/markup-compatibility/2006" xmlns:p14="http://schemas.microsoft.com/office/powerpoint/2010/main">
+    <mc:Choice Requires="p14">
       <p:transition spd="slow" p14:dur="2000"/>
     </mc:Choice>
-    <mc:Fallback>
+    <mc:Fallback xmlns="">
       <p:transition spd="slow"/>
     </mc:Fallback>
   </mc:AlternateContent>
@@ -38245,11 +38221,11 @@
   <p:clrMapOvr>
     <a:masterClrMapping/>
   </p:clrMapOvr>
-  <mc:AlternateContent xmlns:mc="http://schemas.openxmlformats.org/markup-compatibility/2006">
-    <mc:Choice xmlns:p14="http://schemas.microsoft.com/office/powerpoint/2010/main" Requires="p14">
+  <mc:AlternateContent xmlns:mc="http://schemas.openxmlformats.org/markup-compatibility/2006" xmlns:p14="http://schemas.microsoft.com/office/powerpoint/2010/main">
+    <mc:Choice Requires="p14">
       <p:transition spd="slow" p14:dur="2000"/>
     </mc:Choice>
-    <mc:Fallback>
+    <mc:Fallback xmlns="">
       <p:transition spd="slow"/>
     </mc:Fallback>
   </mc:AlternateContent>
@@ -39042,11 +39018,11 @@
   <p:clrMapOvr>
     <a:masterClrMapping/>
   </p:clrMapOvr>
-  <mc:AlternateContent xmlns:mc="http://schemas.openxmlformats.org/markup-compatibility/2006">
-    <mc:Choice xmlns:p14="http://schemas.microsoft.com/office/powerpoint/2010/main" Requires="p14">
+  <mc:AlternateContent xmlns:mc="http://schemas.openxmlformats.org/markup-compatibility/2006" xmlns:p14="http://schemas.microsoft.com/office/powerpoint/2010/main">
+    <mc:Choice Requires="p14">
       <p:transition spd="slow" p14:dur="2000"/>
     </mc:Choice>
-    <mc:Fallback>
+    <mc:Fallback xmlns="">
       <p:transition spd="slow"/>
     </mc:Fallback>
   </mc:AlternateContent>

--- a/trunk/com.supeyou.project/doc/SupeYou.scenario.nikolaus.pptx
+++ b/trunk/com.supeyou.project/doc/SupeYou.scenario.nikolaus.pptx
@@ -359,7 +359,7 @@
               <a:pPr>
                 <a:defRPr/>
               </a:pPr>
-              <a:t>20.08.2015</a:t>
+              <a:t>28.08.2015</a:t>
             </a:fld>
             <a:endParaRPr lang="de-CH"/>
           </a:p>
@@ -556,7 +556,7 @@
               <a:pPr>
                 <a:defRPr/>
               </a:pPr>
-              <a:t>20.08.2015</a:t>
+              <a:t>28.08.2015</a:t>
             </a:fld>
             <a:endParaRPr lang="de-CH"/>
           </a:p>
@@ -763,7 +763,7 @@
               <a:pPr>
                 <a:defRPr/>
               </a:pPr>
-              <a:t>20.08.2015</a:t>
+              <a:t>28.08.2015</a:t>
             </a:fld>
             <a:endParaRPr lang="de-CH"/>
           </a:p>
@@ -960,7 +960,7 @@
               <a:pPr>
                 <a:defRPr/>
               </a:pPr>
-              <a:t>20.08.2015</a:t>
+              <a:t>28.08.2015</a:t>
             </a:fld>
             <a:endParaRPr lang="de-CH"/>
           </a:p>
@@ -1233,7 +1233,7 @@
               <a:pPr>
                 <a:defRPr/>
               </a:pPr>
-              <a:t>20.08.2015</a:t>
+              <a:t>28.08.2015</a:t>
             </a:fld>
             <a:endParaRPr lang="de-CH"/>
           </a:p>
@@ -1548,7 +1548,7 @@
               <a:pPr>
                 <a:defRPr/>
               </a:pPr>
-              <a:t>20.08.2015</a:t>
+              <a:t>28.08.2015</a:t>
             </a:fld>
             <a:endParaRPr lang="de-CH"/>
           </a:p>
@@ -1997,7 +1997,7 @@
               <a:pPr>
                 <a:defRPr/>
               </a:pPr>
-              <a:t>20.08.2015</a:t>
+              <a:t>28.08.2015</a:t>
             </a:fld>
             <a:endParaRPr lang="de-CH"/>
           </a:p>
@@ -2142,7 +2142,7 @@
               <a:pPr>
                 <a:defRPr/>
               </a:pPr>
-              <a:t>20.08.2015</a:t>
+              <a:t>28.08.2015</a:t>
             </a:fld>
             <a:endParaRPr lang="de-CH"/>
           </a:p>
@@ -2264,7 +2264,7 @@
               <a:pPr>
                 <a:defRPr/>
               </a:pPr>
-              <a:t>20.08.2015</a:t>
+              <a:t>28.08.2015</a:t>
             </a:fld>
             <a:endParaRPr lang="de-CH"/>
           </a:p>
@@ -2568,7 +2568,7 @@
               <a:pPr>
                 <a:defRPr/>
               </a:pPr>
-              <a:t>20.08.2015</a:t>
+              <a:t>28.08.2015</a:t>
             </a:fld>
             <a:endParaRPr lang="de-CH"/>
           </a:p>
@@ -2851,7 +2851,7 @@
               <a:pPr>
                 <a:defRPr/>
               </a:pPr>
-              <a:t>20.08.2015</a:t>
+              <a:t>28.08.2015</a:t>
             </a:fld>
             <a:endParaRPr lang="de-CH"/>
           </a:p>
@@ -3149,7 +3149,7 @@
               <a:pPr>
                 <a:defRPr/>
               </a:pPr>
-              <a:t>20.08.2015</a:t>
+              <a:t>28.08.2015</a:t>
             </a:fld>
             <a:endParaRPr lang="de-CH"/>
           </a:p>
@@ -45305,6 +45305,576 @@
           </p:sp>
         </p:grpSp>
       </p:grpSp>
+      <p:grpSp>
+        <p:nvGrpSpPr>
+          <p:cNvPr id="4" name="Gruppieren 3"/>
+          <p:cNvGrpSpPr/>
+          <p:nvPr/>
+        </p:nvGrpSpPr>
+        <p:grpSpPr>
+          <a:xfrm>
+            <a:off x="4860032" y="4057415"/>
+            <a:ext cx="1699345" cy="1615521"/>
+            <a:chOff x="4860032" y="4057415"/>
+            <a:chExt cx="1699345" cy="1615521"/>
+          </a:xfrm>
+        </p:grpSpPr>
+        <p:pic>
+          <p:nvPicPr>
+            <p:cNvPr id="18" name="Picture 8" descr="C:\Users\MoritzTheile\Downloads\superstickies (2).png"/>
+            <p:cNvPicPr>
+              <a:picLocks noChangeAspect="1" noChangeArrowheads="1"/>
+            </p:cNvPicPr>
+            <p:nvPr/>
+          </p:nvPicPr>
+          <p:blipFill>
+            <a:blip r:embed="rId3">
+              <a:extLst>
+                <a:ext uri="{28A0092B-C50C-407E-A947-70E740481C1C}">
+                  <a14:useLocalDpi xmlns:a14="http://schemas.microsoft.com/office/drawing/2010/main" val="0"/>
+                </a:ext>
+              </a:extLst>
+            </a:blip>
+            <a:srcRect/>
+            <a:stretch>
+              <a:fillRect/>
+            </a:stretch>
+          </p:blipFill>
+          <p:spPr bwMode="auto">
+            <a:xfrm>
+              <a:off x="4860032" y="4057415"/>
+              <a:ext cx="1699345" cy="1615521"/>
+            </a:xfrm>
+            <a:prstGeom prst="rect">
+              <a:avLst/>
+            </a:prstGeom>
+            <a:noFill/>
+            <a:extLst>
+              <a:ext uri="{909E8E84-426E-40DD-AFC4-6F175D3DCCD1}">
+                <a14:hiddenFill xmlns:a14="http://schemas.microsoft.com/office/drawing/2010/main">
+                  <a:solidFill>
+                    <a:srgbClr val="FFFFFF"/>
+                  </a:solidFill>
+                </a14:hiddenFill>
+              </a:ext>
+            </a:extLst>
+          </p:spPr>
+        </p:pic>
+        <p:sp>
+          <p:nvSpPr>
+            <p:cNvPr id="19" name="Textfeld 18"/>
+            <p:cNvSpPr txBox="1"/>
+            <p:nvPr/>
+          </p:nvSpPr>
+          <p:spPr>
+            <a:xfrm rot="21347235">
+              <a:off x="4948754" y="4433678"/>
+              <a:ext cx="1435940" cy="715581"/>
+            </a:xfrm>
+            <a:prstGeom prst="rect">
+              <a:avLst/>
+            </a:prstGeom>
+            <a:noFill/>
+          </p:spPr>
+          <p:txBody>
+            <a:bodyPr wrap="square" rtlCol="0">
+              <a:spAutoFit/>
+            </a:bodyPr>
+            <a:lstStyle/>
+            <a:p>
+              <a:pPr>
+                <a:lnSpc>
+                  <a:spcPct val="150000"/>
+                </a:lnSpc>
+              </a:pPr>
+              <a:r>
+                <a:rPr lang="de-DE" sz="900" dirty="0" smtClean="0">
+                  <a:solidFill>
+                    <a:schemeClr val="tx1">
+                      <a:lumMod val="65000"/>
+                      <a:lumOff val="35000"/>
+                    </a:schemeClr>
+                  </a:solidFill>
+                  <a:latin typeface="Kristen ITC" panose="03050502040202030202" pitchFamily="66" charset="0"/>
+                </a:rPr>
+                <a:t>Inviting with </a:t>
+              </a:r>
+              <a:r>
+                <a:rPr lang="de-DE" sz="900" dirty="0" smtClean="0">
+                  <a:solidFill>
+                    <a:schemeClr val="tx1">
+                      <a:lumMod val="65000"/>
+                      <a:lumOff val="35000"/>
+                    </a:schemeClr>
+                  </a:solidFill>
+                  <a:latin typeface="Kristen ITC" panose="03050502040202030202" pitchFamily="66" charset="0"/>
+                </a:rPr>
+                <a:t>an email is very simple </a:t>
+              </a:r>
+              <a:r>
+                <a:rPr lang="de-DE" sz="900" dirty="0" smtClean="0">
+                  <a:solidFill>
+                    <a:schemeClr val="tx1">
+                      <a:lumMod val="65000"/>
+                      <a:lumOff val="35000"/>
+                    </a:schemeClr>
+                  </a:solidFill>
+                  <a:latin typeface="Kristen ITC" panose="03050502040202030202" pitchFamily="66" charset="0"/>
+                </a:rPr>
+                <a:t>and personal.</a:t>
+              </a:r>
+            </a:p>
+          </p:txBody>
+        </p:sp>
+        <p:sp>
+          <p:nvSpPr>
+            <p:cNvPr id="20" name="Textfeld 19"/>
+            <p:cNvSpPr txBox="1"/>
+            <p:nvPr/>
+          </p:nvSpPr>
+          <p:spPr>
+            <a:xfrm rot="21288283">
+              <a:off x="5029989" y="5225190"/>
+              <a:ext cx="1362398" cy="230832"/>
+            </a:xfrm>
+            <a:prstGeom prst="rect">
+              <a:avLst/>
+            </a:prstGeom>
+            <a:noFill/>
+          </p:spPr>
+          <p:txBody>
+            <a:bodyPr wrap="square" rtlCol="0">
+              <a:spAutoFit/>
+            </a:bodyPr>
+            <a:lstStyle/>
+            <a:p>
+              <a:r>
+                <a:rPr lang="de-DE" sz="900" dirty="0" smtClean="0">
+                  <a:solidFill>
+                    <a:schemeClr val="tx1">
+                      <a:lumMod val="65000"/>
+                      <a:lumOff val="35000"/>
+                    </a:schemeClr>
+                  </a:solidFill>
+                  <a:latin typeface="Kristen ITC" panose="03050502040202030202" pitchFamily="66" charset="0"/>
+                </a:rPr>
+                <a:t>We </a:t>
+              </a:r>
+              <a:r>
+                <a:rPr lang="de-DE" sz="900" dirty="0" err="1" smtClean="0">
+                  <a:solidFill>
+                    <a:schemeClr val="tx1">
+                      <a:lumMod val="65000"/>
+                      <a:lumOff val="35000"/>
+                    </a:schemeClr>
+                  </a:solidFill>
+                  <a:latin typeface="Kristen ITC" panose="03050502040202030202" pitchFamily="66" charset="0"/>
+                </a:rPr>
+                <a:t>recommend</a:t>
+              </a:r>
+              <a:r>
+                <a:rPr lang="de-DE" sz="900" dirty="0" smtClean="0">
+                  <a:solidFill>
+                    <a:schemeClr val="tx1">
+                      <a:lumMod val="65000"/>
+                      <a:lumOff val="35000"/>
+                    </a:schemeClr>
+                  </a:solidFill>
+                  <a:latin typeface="Kristen ITC" panose="03050502040202030202" pitchFamily="66" charset="0"/>
+                </a:rPr>
+                <a:t> </a:t>
+              </a:r>
+              <a:r>
+                <a:rPr lang="de-DE" sz="900" dirty="0" err="1" smtClean="0">
+                  <a:solidFill>
+                    <a:schemeClr val="tx1">
+                      <a:lumMod val="65000"/>
+                      <a:lumOff val="35000"/>
+                    </a:schemeClr>
+                  </a:solidFill>
+                  <a:latin typeface="Kristen ITC" panose="03050502040202030202" pitchFamily="66" charset="0"/>
+                </a:rPr>
+                <a:t>it!</a:t>
+              </a:r>
+              <a:endParaRPr lang="en-US" sz="900" dirty="0">
+                <a:solidFill>
+                  <a:schemeClr val="tx1">
+                    <a:lumMod val="65000"/>
+                    <a:lumOff val="35000"/>
+                  </a:schemeClr>
+                </a:solidFill>
+                <a:latin typeface="Kristen ITC" panose="03050502040202030202" pitchFamily="66" charset="0"/>
+              </a:endParaRPr>
+            </a:p>
+          </p:txBody>
+        </p:sp>
+        <p:grpSp>
+          <p:nvGrpSpPr>
+            <p:cNvPr id="25" name="Gruppieren 24"/>
+            <p:cNvGrpSpPr/>
+            <p:nvPr/>
+          </p:nvGrpSpPr>
+          <p:grpSpPr>
+            <a:xfrm rot="19661116">
+              <a:off x="5485696" y="4126733"/>
+              <a:ext cx="149266" cy="293188"/>
+              <a:chOff x="3741744" y="4807590"/>
+              <a:chExt cx="246837" cy="409540"/>
+            </a:xfrm>
+          </p:grpSpPr>
+          <p:sp>
+            <p:nvSpPr>
+              <p:cNvPr id="32" name="Freihandform 31"/>
+              <p:cNvSpPr/>
+              <p:nvPr/>
+            </p:nvSpPr>
+            <p:spPr>
+              <a:xfrm>
+                <a:off x="3741744" y="4807590"/>
+                <a:ext cx="246831" cy="409540"/>
+              </a:xfrm>
+              <a:custGeom>
+                <a:avLst/>
+                <a:gdLst>
+                  <a:gd name="connsiteX0" fmla="*/ 0 w 246832"/>
+                  <a:gd name="connsiteY0" fmla="*/ 409540 h 409540"/>
+                  <a:gd name="connsiteX1" fmla="*/ 5610 w 246832"/>
+                  <a:gd name="connsiteY1" fmla="*/ 381491 h 409540"/>
+                  <a:gd name="connsiteX2" fmla="*/ 39269 w 246832"/>
+                  <a:gd name="connsiteY2" fmla="*/ 325393 h 409540"/>
+                  <a:gd name="connsiteX3" fmla="*/ 67318 w 246832"/>
+                  <a:gd name="connsiteY3" fmla="*/ 274905 h 409540"/>
+                  <a:gd name="connsiteX4" fmla="*/ 100977 w 246832"/>
+                  <a:gd name="connsiteY4" fmla="*/ 224416 h 409540"/>
+                  <a:gd name="connsiteX5" fmla="*/ 129026 w 246832"/>
+                  <a:gd name="connsiteY5" fmla="*/ 173928 h 409540"/>
+                  <a:gd name="connsiteX6" fmla="*/ 190734 w 246832"/>
+                  <a:gd name="connsiteY6" fmla="*/ 84171 h 409540"/>
+                  <a:gd name="connsiteX7" fmla="*/ 230003 w 246832"/>
+                  <a:gd name="connsiteY7" fmla="*/ 22463 h 409540"/>
+                  <a:gd name="connsiteX8" fmla="*/ 246832 w 246832"/>
+                  <a:gd name="connsiteY8" fmla="*/ 24 h 409540"/>
+                </a:gdLst>
+                <a:ahLst/>
+                <a:cxnLst>
+                  <a:cxn ang="0">
+                    <a:pos x="connsiteX0" y="connsiteY0"/>
+                  </a:cxn>
+                  <a:cxn ang="0">
+                    <a:pos x="connsiteX1" y="connsiteY1"/>
+                  </a:cxn>
+                  <a:cxn ang="0">
+                    <a:pos x="connsiteX2" y="connsiteY2"/>
+                  </a:cxn>
+                  <a:cxn ang="0">
+                    <a:pos x="connsiteX3" y="connsiteY3"/>
+                  </a:cxn>
+                  <a:cxn ang="0">
+                    <a:pos x="connsiteX4" y="connsiteY4"/>
+                  </a:cxn>
+                  <a:cxn ang="0">
+                    <a:pos x="connsiteX5" y="connsiteY5"/>
+                  </a:cxn>
+                  <a:cxn ang="0">
+                    <a:pos x="connsiteX6" y="connsiteY6"/>
+                  </a:cxn>
+                  <a:cxn ang="0">
+                    <a:pos x="connsiteX7" y="connsiteY7"/>
+                  </a:cxn>
+                  <a:cxn ang="0">
+                    <a:pos x="connsiteX8" y="connsiteY8"/>
+                  </a:cxn>
+                </a:cxnLst>
+                <a:rect l="l" t="t" r="r" b="b"/>
+                <a:pathLst>
+                  <a:path w="246832" h="409540">
+                    <a:moveTo>
+                      <a:pt x="0" y="409540"/>
+                    </a:moveTo>
+                    <a:cubicBezTo>
+                      <a:pt x="1870" y="400190"/>
+                      <a:pt x="2595" y="390537"/>
+                      <a:pt x="5610" y="381491"/>
+                    </a:cubicBezTo>
+                    <a:cubicBezTo>
+                      <a:pt x="12021" y="362259"/>
+                      <a:pt x="29670" y="341392"/>
+                      <a:pt x="39269" y="325393"/>
+                    </a:cubicBezTo>
+                    <a:cubicBezTo>
+                      <a:pt x="49174" y="308884"/>
+                      <a:pt x="57279" y="291332"/>
+                      <a:pt x="67318" y="274905"/>
+                    </a:cubicBezTo>
+                    <a:cubicBezTo>
+                      <a:pt x="77865" y="257646"/>
+                      <a:pt x="90430" y="241675"/>
+                      <a:pt x="100977" y="224416"/>
+                    </a:cubicBezTo>
+                    <a:cubicBezTo>
+                      <a:pt x="111016" y="207989"/>
+                      <a:pt x="118567" y="190091"/>
+                      <a:pt x="129026" y="173928"/>
+                    </a:cubicBezTo>
+                    <a:cubicBezTo>
+                      <a:pt x="189636" y="80258"/>
+                      <a:pt x="137334" y="177621"/>
+                      <a:pt x="190734" y="84171"/>
+                    </a:cubicBezTo>
+                    <a:cubicBezTo>
+                      <a:pt x="266822" y="-48984"/>
+                      <a:pt x="148273" y="145057"/>
+                      <a:pt x="230003" y="22463"/>
+                    </a:cubicBezTo>
+                    <a:cubicBezTo>
+                      <a:pt x="246078" y="-1649"/>
+                      <a:pt x="231961" y="24"/>
+                      <a:pt x="246832" y="24"/>
+                    </a:cubicBezTo>
+                  </a:path>
+                </a:pathLst>
+              </a:custGeom>
+              <a:noFill/>
+              <a:ln w="12700">
+                <a:solidFill>
+                  <a:schemeClr val="tx1">
+                    <a:lumMod val="50000"/>
+                    <a:lumOff val="50000"/>
+                  </a:schemeClr>
+                </a:solidFill>
+              </a:ln>
+            </p:spPr>
+            <p:style>
+              <a:lnRef idx="2">
+                <a:schemeClr val="accent1">
+                  <a:shade val="50000"/>
+                </a:schemeClr>
+              </a:lnRef>
+              <a:fillRef idx="1">
+                <a:schemeClr val="accent1"/>
+              </a:fillRef>
+              <a:effectRef idx="0">
+                <a:schemeClr val="accent1"/>
+              </a:effectRef>
+              <a:fontRef idx="minor">
+                <a:schemeClr val="lt1"/>
+              </a:fontRef>
+            </p:style>
+            <p:txBody>
+              <a:bodyPr rtlCol="0" anchor="ctr"/>
+              <a:lstStyle/>
+              <a:p>
+                <a:pPr algn="ctr"/>
+                <a:endParaRPr lang="en-US" baseline="-25000"/>
+              </a:p>
+            </p:txBody>
+          </p:sp>
+          <p:sp>
+            <p:nvSpPr>
+              <p:cNvPr id="36" name="Freihandform 35"/>
+              <p:cNvSpPr/>
+              <p:nvPr/>
+            </p:nvSpPr>
+            <p:spPr>
+              <a:xfrm>
+                <a:off x="3982969" y="4807612"/>
+                <a:ext cx="5612" cy="207563"/>
+              </a:xfrm>
+              <a:custGeom>
+                <a:avLst/>
+                <a:gdLst>
+                  <a:gd name="connsiteX0" fmla="*/ 0 w 5612"/>
+                  <a:gd name="connsiteY0" fmla="*/ 0 h 207563"/>
+                  <a:gd name="connsiteX1" fmla="*/ 5610 w 5612"/>
+                  <a:gd name="connsiteY1" fmla="*/ 207563 h 207563"/>
+                </a:gdLst>
+                <a:ahLst/>
+                <a:cxnLst>
+                  <a:cxn ang="0">
+                    <a:pos x="connsiteX0" y="connsiteY0"/>
+                  </a:cxn>
+                  <a:cxn ang="0">
+                    <a:pos x="connsiteX1" y="connsiteY1"/>
+                  </a:cxn>
+                </a:cxnLst>
+                <a:rect l="l" t="t" r="r" b="b"/>
+                <a:pathLst>
+                  <a:path w="5612" h="207563">
+                    <a:moveTo>
+                      <a:pt x="0" y="0"/>
+                    </a:moveTo>
+                    <a:cubicBezTo>
+                      <a:pt x="5902" y="188859"/>
+                      <a:pt x="5610" y="119647"/>
+                      <a:pt x="5610" y="207563"/>
+                    </a:cubicBezTo>
+                  </a:path>
+                </a:pathLst>
+              </a:custGeom>
+              <a:noFill/>
+              <a:ln w="12700">
+                <a:solidFill>
+                  <a:schemeClr val="tx1">
+                    <a:lumMod val="50000"/>
+                    <a:lumOff val="50000"/>
+                  </a:schemeClr>
+                </a:solidFill>
+              </a:ln>
+            </p:spPr>
+            <p:style>
+              <a:lnRef idx="2">
+                <a:schemeClr val="accent1">
+                  <a:shade val="50000"/>
+                </a:schemeClr>
+              </a:lnRef>
+              <a:fillRef idx="1">
+                <a:schemeClr val="accent1"/>
+              </a:fillRef>
+              <a:effectRef idx="0">
+                <a:schemeClr val="accent1"/>
+              </a:effectRef>
+              <a:fontRef idx="minor">
+                <a:schemeClr val="lt1"/>
+              </a:fontRef>
+            </p:style>
+            <p:txBody>
+              <a:bodyPr rtlCol="0" anchor="ctr"/>
+              <a:lstStyle/>
+              <a:p>
+                <a:pPr algn="ctr"/>
+                <a:endParaRPr lang="en-US" baseline="-25000"/>
+              </a:p>
+            </p:txBody>
+          </p:sp>
+          <p:sp>
+            <p:nvSpPr>
+              <p:cNvPr id="38" name="Freihandform 37"/>
+              <p:cNvSpPr/>
+              <p:nvPr/>
+            </p:nvSpPr>
+            <p:spPr>
+              <a:xfrm rot="20854090">
+                <a:off x="3769796" y="4834797"/>
+                <a:ext cx="213173" cy="61708"/>
+              </a:xfrm>
+              <a:custGeom>
+                <a:avLst/>
+                <a:gdLst>
+                  <a:gd name="connsiteX0" fmla="*/ 213173 w 213173"/>
+                  <a:gd name="connsiteY0" fmla="*/ 0 h 61708"/>
+                  <a:gd name="connsiteX1" fmla="*/ 162685 w 213173"/>
+                  <a:gd name="connsiteY1" fmla="*/ 16830 h 61708"/>
+                  <a:gd name="connsiteX2" fmla="*/ 140246 w 213173"/>
+                  <a:gd name="connsiteY2" fmla="*/ 22440 h 61708"/>
+                  <a:gd name="connsiteX3" fmla="*/ 123416 w 213173"/>
+                  <a:gd name="connsiteY3" fmla="*/ 28049 h 61708"/>
+                  <a:gd name="connsiteX4" fmla="*/ 84148 w 213173"/>
+                  <a:gd name="connsiteY4" fmla="*/ 33659 h 61708"/>
+                  <a:gd name="connsiteX5" fmla="*/ 28049 w 213173"/>
+                  <a:gd name="connsiteY5" fmla="*/ 50489 h 61708"/>
+                  <a:gd name="connsiteX6" fmla="*/ 0 w 213173"/>
+                  <a:gd name="connsiteY6" fmla="*/ 61708 h 61708"/>
+                </a:gdLst>
+                <a:ahLst/>
+                <a:cxnLst>
+                  <a:cxn ang="0">
+                    <a:pos x="connsiteX0" y="connsiteY0"/>
+                  </a:cxn>
+                  <a:cxn ang="0">
+                    <a:pos x="connsiteX1" y="connsiteY1"/>
+                  </a:cxn>
+                  <a:cxn ang="0">
+                    <a:pos x="connsiteX2" y="connsiteY2"/>
+                  </a:cxn>
+                  <a:cxn ang="0">
+                    <a:pos x="connsiteX3" y="connsiteY3"/>
+                  </a:cxn>
+                  <a:cxn ang="0">
+                    <a:pos x="connsiteX4" y="connsiteY4"/>
+                  </a:cxn>
+                  <a:cxn ang="0">
+                    <a:pos x="connsiteX5" y="connsiteY5"/>
+                  </a:cxn>
+                  <a:cxn ang="0">
+                    <a:pos x="connsiteX6" y="connsiteY6"/>
+                  </a:cxn>
+                </a:cxnLst>
+                <a:rect l="l" t="t" r="r" b="b"/>
+                <a:pathLst>
+                  <a:path w="213173" h="61708">
+                    <a:moveTo>
+                      <a:pt x="213173" y="0"/>
+                    </a:moveTo>
+                    <a:cubicBezTo>
+                      <a:pt x="196344" y="5610"/>
+                      <a:pt x="179895" y="12527"/>
+                      <a:pt x="162685" y="16830"/>
+                    </a:cubicBezTo>
+                    <a:cubicBezTo>
+                      <a:pt x="155205" y="18700"/>
+                      <a:pt x="147659" y="20322"/>
+                      <a:pt x="140246" y="22440"/>
+                    </a:cubicBezTo>
+                    <a:cubicBezTo>
+                      <a:pt x="134560" y="24064"/>
+                      <a:pt x="129215" y="26889"/>
+                      <a:pt x="123416" y="28049"/>
+                    </a:cubicBezTo>
+                    <a:cubicBezTo>
+                      <a:pt x="110451" y="30642"/>
+                      <a:pt x="97157" y="31294"/>
+                      <a:pt x="84148" y="33659"/>
+                    </a:cubicBezTo>
+                    <a:cubicBezTo>
+                      <a:pt x="65493" y="37051"/>
+                      <a:pt x="45618" y="44633"/>
+                      <a:pt x="28049" y="50489"/>
+                    </a:cubicBezTo>
+                    <a:cubicBezTo>
+                      <a:pt x="7249" y="57422"/>
+                      <a:pt x="16512" y="53452"/>
+                      <a:pt x="0" y="61708"/>
+                    </a:cubicBezTo>
+                  </a:path>
+                </a:pathLst>
+              </a:custGeom>
+              <a:noFill/>
+              <a:ln w="12700">
+                <a:solidFill>
+                  <a:schemeClr val="tx1">
+                    <a:lumMod val="50000"/>
+                    <a:lumOff val="50000"/>
+                  </a:schemeClr>
+                </a:solidFill>
+              </a:ln>
+            </p:spPr>
+            <p:style>
+              <a:lnRef idx="2">
+                <a:schemeClr val="accent1">
+                  <a:shade val="50000"/>
+                </a:schemeClr>
+              </a:lnRef>
+              <a:fillRef idx="1">
+                <a:schemeClr val="accent1"/>
+              </a:fillRef>
+              <a:effectRef idx="0">
+                <a:schemeClr val="accent1"/>
+              </a:effectRef>
+              <a:fontRef idx="minor">
+                <a:schemeClr val="lt1"/>
+              </a:fontRef>
+            </p:style>
+            <p:txBody>
+              <a:bodyPr rtlCol="0" anchor="ctr"/>
+              <a:lstStyle/>
+              <a:p>
+                <a:pPr algn="ctr"/>
+                <a:endParaRPr lang="en-US" baseline="-25000"/>
+              </a:p>
+            </p:txBody>
+          </p:sp>
+        </p:grpSp>
+      </p:grpSp>
     </p:spTree>
     <p:extLst>
       <p:ext uri="{BB962C8B-B14F-4D97-AF65-F5344CB8AC3E}">

--- a/trunk/com.supeyou.project/doc/SupeYou.scenario.nikolaus.pptx
+++ b/trunk/com.supeyou.project/doc/SupeYou.scenario.nikolaus.pptx
@@ -19,24 +19,25 @@
     <p:sldId id="387" r:id="rId13"/>
     <p:sldId id="393" r:id="rId14"/>
     <p:sldId id="386" r:id="rId15"/>
-    <p:sldId id="384" r:id="rId16"/>
-    <p:sldId id="391" r:id="rId17"/>
-    <p:sldId id="392" r:id="rId18"/>
-    <p:sldId id="389" r:id="rId19"/>
-    <p:sldId id="385" r:id="rId20"/>
-    <p:sldId id="347" r:id="rId21"/>
-    <p:sldId id="368" r:id="rId22"/>
-    <p:sldId id="350" r:id="rId23"/>
-    <p:sldId id="352" r:id="rId24"/>
-    <p:sldId id="370" r:id="rId25"/>
-    <p:sldId id="369" r:id="rId26"/>
-    <p:sldId id="382" r:id="rId27"/>
-    <p:sldId id="354" r:id="rId28"/>
-    <p:sldId id="380" r:id="rId29"/>
-    <p:sldId id="381" r:id="rId30"/>
-    <p:sldId id="379" r:id="rId31"/>
-    <p:sldId id="356" r:id="rId32"/>
-    <p:sldId id="358" r:id="rId33"/>
+    <p:sldId id="394" r:id="rId16"/>
+    <p:sldId id="384" r:id="rId17"/>
+    <p:sldId id="391" r:id="rId18"/>
+    <p:sldId id="392" r:id="rId19"/>
+    <p:sldId id="389" r:id="rId20"/>
+    <p:sldId id="385" r:id="rId21"/>
+    <p:sldId id="347" r:id="rId22"/>
+    <p:sldId id="368" r:id="rId23"/>
+    <p:sldId id="350" r:id="rId24"/>
+    <p:sldId id="352" r:id="rId25"/>
+    <p:sldId id="370" r:id="rId26"/>
+    <p:sldId id="369" r:id="rId27"/>
+    <p:sldId id="382" r:id="rId28"/>
+    <p:sldId id="354" r:id="rId29"/>
+    <p:sldId id="380" r:id="rId30"/>
+    <p:sldId id="381" r:id="rId31"/>
+    <p:sldId id="379" r:id="rId32"/>
+    <p:sldId id="356" r:id="rId33"/>
+    <p:sldId id="358" r:id="rId34"/>
   </p:sldIdLst>
   <p:sldSz cx="9144000" cy="6858000" type="screen4x3"/>
   <p:notesSz cx="6858000" cy="9144000"/>
@@ -359,7 +360,7 @@
               <a:pPr>
                 <a:defRPr/>
               </a:pPr>
-              <a:t>28.08.2015</a:t>
+              <a:t>06.09.2015</a:t>
             </a:fld>
             <a:endParaRPr lang="de-CH"/>
           </a:p>
@@ -556,7 +557,7 @@
               <a:pPr>
                 <a:defRPr/>
               </a:pPr>
-              <a:t>28.08.2015</a:t>
+              <a:t>06.09.2015</a:t>
             </a:fld>
             <a:endParaRPr lang="de-CH"/>
           </a:p>
@@ -763,7 +764,7 @@
               <a:pPr>
                 <a:defRPr/>
               </a:pPr>
-              <a:t>28.08.2015</a:t>
+              <a:t>06.09.2015</a:t>
             </a:fld>
             <a:endParaRPr lang="de-CH"/>
           </a:p>
@@ -960,7 +961,7 @@
               <a:pPr>
                 <a:defRPr/>
               </a:pPr>
-              <a:t>28.08.2015</a:t>
+              <a:t>06.09.2015</a:t>
             </a:fld>
             <a:endParaRPr lang="de-CH"/>
           </a:p>
@@ -1233,7 +1234,7 @@
               <a:pPr>
                 <a:defRPr/>
               </a:pPr>
-              <a:t>28.08.2015</a:t>
+              <a:t>06.09.2015</a:t>
             </a:fld>
             <a:endParaRPr lang="de-CH"/>
           </a:p>
@@ -1548,7 +1549,7 @@
               <a:pPr>
                 <a:defRPr/>
               </a:pPr>
-              <a:t>28.08.2015</a:t>
+              <a:t>06.09.2015</a:t>
             </a:fld>
             <a:endParaRPr lang="de-CH"/>
           </a:p>
@@ -1997,7 +1998,7 @@
               <a:pPr>
                 <a:defRPr/>
               </a:pPr>
-              <a:t>28.08.2015</a:t>
+              <a:t>06.09.2015</a:t>
             </a:fld>
             <a:endParaRPr lang="de-CH"/>
           </a:p>
@@ -2142,7 +2143,7 @@
               <a:pPr>
                 <a:defRPr/>
               </a:pPr>
-              <a:t>28.08.2015</a:t>
+              <a:t>06.09.2015</a:t>
             </a:fld>
             <a:endParaRPr lang="de-CH"/>
           </a:p>
@@ -2264,7 +2265,7 @@
               <a:pPr>
                 <a:defRPr/>
               </a:pPr>
-              <a:t>28.08.2015</a:t>
+              <a:t>06.09.2015</a:t>
             </a:fld>
             <a:endParaRPr lang="de-CH"/>
           </a:p>
@@ -2568,7 +2569,7 @@
               <a:pPr>
                 <a:defRPr/>
               </a:pPr>
-              <a:t>28.08.2015</a:t>
+              <a:t>06.09.2015</a:t>
             </a:fld>
             <a:endParaRPr lang="de-CH"/>
           </a:p>
@@ -2851,7 +2852,7 @@
               <a:pPr>
                 <a:defRPr/>
               </a:pPr>
-              <a:t>28.08.2015</a:t>
+              <a:t>06.09.2015</a:t>
             </a:fld>
             <a:endParaRPr lang="de-CH"/>
           </a:p>
@@ -3149,7 +3150,7 @@
               <a:pPr>
                 <a:defRPr/>
               </a:pPr>
-              <a:t>28.08.2015</a:t>
+              <a:t>06.09.2015</a:t>
             </a:fld>
             <a:endParaRPr lang="de-CH"/>
           </a:p>
@@ -9074,7 +9075,7 @@
 </file>
 
 <file path=ppt/slides/slide15.xml><?xml version="1.0" encoding="utf-8"?>
-<p:sld xmlns:a="http://schemas.openxmlformats.org/drawingml/2006/main" xmlns:r="http://schemas.openxmlformats.org/officeDocument/2006/relationships" xmlns:p="http://schemas.openxmlformats.org/presentationml/2006/main" show="0">
+<p:sld xmlns:a="http://schemas.openxmlformats.org/drawingml/2006/main" xmlns:r="http://schemas.openxmlformats.org/officeDocument/2006/relationships" xmlns:p="http://schemas.openxmlformats.org/presentationml/2006/main">
   <p:cSld>
     <p:spTree>
       <p:nvGrpSpPr>
@@ -9369,6 +9370,39 @@
           <a:bodyPr rtlCol="0" anchor="ctr"/>
           <a:lstStyle/>
           <a:p>
+            <a:r>
+              <a:rPr lang="de-DE" sz="1400" dirty="0" smtClean="0">
+                <a:solidFill>
+                  <a:schemeClr val="tx1">
+                    <a:lumMod val="65000"/>
+                    <a:lumOff val="35000"/>
+                  </a:schemeClr>
+                </a:solidFill>
+              </a:rPr>
+              <a:t>Ok, </a:t>
+            </a:r>
+            <a:r>
+              <a:rPr lang="de-DE" sz="1400" dirty="0" err="1" smtClean="0">
+                <a:solidFill>
+                  <a:schemeClr val="tx1">
+                    <a:lumMod val="65000"/>
+                    <a:lumOff val="35000"/>
+                  </a:schemeClr>
+                </a:solidFill>
+              </a:rPr>
+              <a:t>understandable</a:t>
+            </a:r>
+            <a:r>
+              <a:rPr lang="de-DE" sz="1400" dirty="0" smtClean="0">
+                <a:solidFill>
+                  <a:schemeClr val="tx1">
+                    <a:lumMod val="65000"/>
+                    <a:lumOff val="35000"/>
+                  </a:schemeClr>
+                </a:solidFill>
+              </a:rPr>
+              <a:t>.</a:t>
+            </a:r>
             <a:endParaRPr lang="en-US" sz="1400" dirty="0">
               <a:solidFill>
                 <a:schemeClr val="tx1">
@@ -9552,7 +9586,7 @@
         <p:spPr>
           <a:xfrm>
             <a:off x="515869" y="561031"/>
-            <a:ext cx="1431995" cy="338554"/>
+            <a:ext cx="1805366" cy="338554"/>
           </a:xfrm>
           <a:prstGeom prst="rect">
             <a:avLst/>
@@ -9573,7 +9607,7 @@
                   </a:schemeClr>
                 </a:solidFill>
               </a:rPr>
-              <a:t>Send Invitation</a:t>
+              <a:t>What‘s your name?</a:t>
             </a:r>
             <a:endParaRPr lang="en-US" sz="1600" dirty="0">
               <a:solidFill>
@@ -9593,8 +9627,8 @@
         </p:nvSpPr>
         <p:spPr>
           <a:xfrm>
-            <a:off x="755576" y="1263930"/>
-            <a:ext cx="3024336" cy="2062103"/>
+            <a:off x="472877" y="1263930"/>
+            <a:ext cx="3517726" cy="1569660"/>
           </a:xfrm>
           <a:prstGeom prst="rect">
             <a:avLst/>
@@ -9608,6 +9642,16 @@
           <a:lstStyle/>
           <a:p>
             <a:pPr algn="ctr"/>
+            <a:endParaRPr lang="de-DE" sz="1600" dirty="0" smtClean="0">
+              <a:solidFill>
+                <a:schemeClr val="bg1">
+                  <a:lumMod val="50000"/>
+                </a:schemeClr>
+              </a:solidFill>
+            </a:endParaRPr>
+          </a:p>
+          <a:p>
+            <a:pPr algn="ctr"/>
             <a:r>
               <a:rPr lang="de-DE" sz="1600" dirty="0" smtClean="0">
                 <a:solidFill>
@@ -9616,7 +9660,7 @@
                   </a:schemeClr>
                 </a:solidFill>
               </a:rPr>
-              <a:t>In our experience inviting a group of persons is very ineffective. Since they are not addressed personally it‘s very likely that they click your invitation away.</a:t>
+              <a:t>Your friends would love to know that it‘s you.</a:t>
             </a:r>
           </a:p>
           <a:p>
@@ -9639,9 +9683,9 @@
                   </a:schemeClr>
                 </a:solidFill>
               </a:rPr>
-              <a:t>Are you sure you want to invite a group of persons?</a:t>
+              <a:t>Please leave a name to show them:</a:t>
             </a:r>
-            <a:endParaRPr lang="en-US" sz="1600" dirty="0">
+            <a:endParaRPr lang="de-DE" sz="1600" dirty="0" smtClean="0">
               <a:solidFill>
                 <a:schemeClr val="bg1">
                   <a:lumMod val="50000"/>
@@ -9649,6 +9693,74 @@
               </a:solidFill>
             </a:endParaRPr>
           </a:p>
+          <a:p>
+            <a:pPr algn="ctr"/>
+            <a:endParaRPr lang="de-DE" sz="1600" dirty="0" smtClean="0">
+              <a:solidFill>
+                <a:schemeClr val="bg1">
+                  <a:lumMod val="50000"/>
+                </a:schemeClr>
+              </a:solidFill>
+            </a:endParaRPr>
+          </a:p>
+        </p:txBody>
+      </p:sp>
+      <p:sp>
+        <p:nvSpPr>
+          <p:cNvPr id="22" name="Abgerundetes Rechteck 21"/>
+          <p:cNvSpPr/>
+          <p:nvPr/>
+        </p:nvSpPr>
+        <p:spPr>
+          <a:xfrm>
+            <a:off x="973141" y="3008759"/>
+            <a:ext cx="2330046" cy="276225"/>
+          </a:xfrm>
+          <a:prstGeom prst="roundRect">
+            <a:avLst/>
+          </a:prstGeom>
+          <a:noFill/>
+          <a:ln>
+            <a:solidFill>
+              <a:schemeClr val="bg1">
+                <a:lumMod val="85000"/>
+              </a:schemeClr>
+            </a:solidFill>
+          </a:ln>
+        </p:spPr>
+        <p:style>
+          <a:lnRef idx="2">
+            <a:schemeClr val="accent1">
+              <a:shade val="50000"/>
+            </a:schemeClr>
+          </a:lnRef>
+          <a:fillRef idx="1">
+            <a:schemeClr val="accent1"/>
+          </a:fillRef>
+          <a:effectRef idx="0">
+            <a:schemeClr val="accent1"/>
+          </a:effectRef>
+          <a:fontRef idx="minor">
+            <a:schemeClr val="lt1"/>
+          </a:fontRef>
+        </p:style>
+        <p:txBody>
+          <a:bodyPr anchor="ctr"/>
+          <a:lstStyle/>
+          <a:p>
+            <a:pPr algn="ctr">
+              <a:defRPr/>
+            </a:pPr>
+            <a:endParaRPr lang="de-CH" sz="1050" dirty="0">
+              <a:solidFill>
+                <a:schemeClr val="accent1">
+                  <a:lumMod val="75000"/>
+                </a:schemeClr>
+              </a:solidFill>
+              <a:latin typeface="Century" pitchFamily="18" charset="0"/>
+              <a:cs typeface="Arial" charset="0"/>
+            </a:endParaRPr>
+          </a:p>
         </p:txBody>
       </p:sp>
       <p:sp>
@@ -9659,7 +9771,7 @@
         </p:nvSpPr>
         <p:spPr>
           <a:xfrm>
-            <a:off x="918273" y="3789040"/>
+            <a:off x="918273" y="3829400"/>
             <a:ext cx="2560290" cy="319680"/>
           </a:xfrm>
           <a:prstGeom prst="roundRect">
@@ -9697,150 +9809,22 @@
             <a:pPr algn="ctr"/>
             <a:r>
               <a:rPr lang="de-DE" sz="1400" dirty="0" smtClean="0"/>
-              <a:t>Yes</a:t>
+              <a:t>OK</a:t>
             </a:r>
             <a:endParaRPr lang="en-US" sz="1400" dirty="0"/>
-          </a:p>
-        </p:txBody>
-      </p:sp>
-      <p:sp>
-        <p:nvSpPr>
-          <p:cNvPr id="26" name="Abgerundetes Rechteck 25"/>
-          <p:cNvSpPr/>
-          <p:nvPr/>
-        </p:nvSpPr>
-        <p:spPr>
-          <a:xfrm>
-            <a:off x="931590" y="4405464"/>
-            <a:ext cx="2560290" cy="319680"/>
-          </a:xfrm>
-          <a:prstGeom prst="roundRect">
-            <a:avLst>
-              <a:gd name="adj" fmla="val 32893"/>
-            </a:avLst>
-          </a:prstGeom>
-          <a:solidFill>
-            <a:srgbClr val="0099FF"/>
-          </a:solidFill>
-          <a:ln>
-            <a:noFill/>
-          </a:ln>
-        </p:spPr>
-        <p:style>
-          <a:lnRef idx="2">
-            <a:schemeClr val="accent1">
-              <a:shade val="50000"/>
-            </a:schemeClr>
-          </a:lnRef>
-          <a:fillRef idx="1">
-            <a:schemeClr val="accent1"/>
-          </a:fillRef>
-          <a:effectRef idx="0">
-            <a:schemeClr val="accent1"/>
-          </a:effectRef>
-          <a:fontRef idx="minor">
-            <a:schemeClr val="lt1"/>
-          </a:fontRef>
-        </p:style>
-        <p:txBody>
-          <a:bodyPr rtlCol="0" anchor="ctr"/>
-          <a:lstStyle/>
-          <a:p>
-            <a:pPr algn="ctr"/>
-            <a:r>
-              <a:rPr lang="de-DE" sz="1400" dirty="0" smtClean="0"/>
-              <a:t>No</a:t>
-            </a:r>
-            <a:endParaRPr lang="en-US" sz="1400" dirty="0"/>
-          </a:p>
-        </p:txBody>
-      </p:sp>
-      <p:sp>
-        <p:nvSpPr>
-          <p:cNvPr id="27" name="Pfeil nach rechts 26"/>
-          <p:cNvSpPr/>
-          <p:nvPr/>
-        </p:nvSpPr>
-        <p:spPr>
-          <a:xfrm rot="19850467" flipH="1">
-            <a:off x="3312799" y="3905385"/>
-            <a:ext cx="1365475" cy="577622"/>
-          </a:xfrm>
-          <a:prstGeom prst="rightArrow">
-            <a:avLst/>
-          </a:prstGeom>
-          <a:solidFill>
-            <a:srgbClr val="FFFF99"/>
-          </a:solidFill>
-          <a:ln>
-            <a:solidFill>
-              <a:schemeClr val="bg1">
-                <a:lumMod val="65000"/>
-              </a:schemeClr>
-            </a:solidFill>
-          </a:ln>
-        </p:spPr>
-        <p:style>
-          <a:lnRef idx="2">
-            <a:schemeClr val="accent1">
-              <a:shade val="50000"/>
-            </a:schemeClr>
-          </a:lnRef>
-          <a:fillRef idx="1">
-            <a:schemeClr val="accent1"/>
-          </a:fillRef>
-          <a:effectRef idx="0">
-            <a:schemeClr val="accent1"/>
-          </a:effectRef>
-          <a:fontRef idx="minor">
-            <a:schemeClr val="lt1"/>
-          </a:fontRef>
-        </p:style>
-        <p:txBody>
-          <a:bodyPr rtlCol="0" anchor="ctr"/>
-          <a:lstStyle/>
-          <a:p>
-            <a:pPr algn="ctr"/>
-            <a:r>
-              <a:rPr lang="de-DE" dirty="0">
-                <a:solidFill>
-                  <a:schemeClr val="tx1">
-                    <a:lumMod val="65000"/>
-                    <a:lumOff val="35000"/>
-                  </a:schemeClr>
-                </a:solidFill>
-              </a:rPr>
-              <a:t>Touch</a:t>
-            </a:r>
-            <a:endParaRPr lang="en-US" dirty="0">
-              <a:solidFill>
-                <a:schemeClr val="tx1">
-                  <a:lumMod val="65000"/>
-                  <a:lumOff val="35000"/>
-                </a:schemeClr>
-              </a:solidFill>
-            </a:endParaRPr>
           </a:p>
         </p:txBody>
       </p:sp>
     </p:spTree>
     <p:extLst>
       <p:ext uri="{BB962C8B-B14F-4D97-AF65-F5344CB8AC3E}">
-        <p14:creationId xmlns:p14="http://schemas.microsoft.com/office/powerpoint/2010/main" val="2961057039"/>
+        <p14:creationId xmlns:p14="http://schemas.microsoft.com/office/powerpoint/2010/main" val="751322163"/>
       </p:ext>
     </p:extLst>
   </p:cSld>
   <p:clrMapOvr>
     <a:masterClrMapping/>
   </p:clrMapOvr>
-  <mc:AlternateContent xmlns:mc="http://schemas.openxmlformats.org/markup-compatibility/2006" xmlns:p14="http://schemas.microsoft.com/office/powerpoint/2010/main">
-    <mc:Choice Requires="p14">
-      <p:transition spd="slow" p14:dur="2000"/>
-    </mc:Choice>
-    <mc:Fallback xmlns="">
-      <p:transition spd="slow"/>
-    </mc:Fallback>
-  </mc:AlternateContent>
   <p:timing>
     <p:tnLst>
       <p:par>
@@ -10166,7 +10150,7 @@
         </p:nvSpPr>
         <p:spPr>
           <a:xfrm>
-            <a:off x="4427984" y="4437112"/>
+            <a:off x="4427984" y="4149080"/>
             <a:ext cx="732188" cy="307777"/>
           </a:xfrm>
           <a:prstGeom prst="rect">
@@ -10365,14 +10349,14 @@
       </p:sp>
       <p:sp>
         <p:nvSpPr>
-          <p:cNvPr id="17" name="Textfeld 16"/>
+          <p:cNvPr id="16" name="Textfeld 15"/>
           <p:cNvSpPr txBox="1"/>
           <p:nvPr/>
         </p:nvSpPr>
         <p:spPr>
           <a:xfrm>
-            <a:off x="1468327" y="1328083"/>
-            <a:ext cx="1796197" cy="338554"/>
+            <a:off x="755576" y="1263930"/>
+            <a:ext cx="3024336" cy="2062103"/>
           </a:xfrm>
           <a:prstGeom prst="rect">
             <a:avLst/>
@@ -10380,11 +10364,12 @@
           <a:noFill/>
         </p:spPr>
         <p:txBody>
-          <a:bodyPr wrap="none" rtlCol="0">
+          <a:bodyPr wrap="square" rtlCol="0">
             <a:spAutoFit/>
           </a:bodyPr>
           <a:lstStyle/>
           <a:p>
+            <a:pPr algn="ctr"/>
             <a:r>
               <a:rPr lang="de-DE" sz="1600" dirty="0" smtClean="0">
                 <a:solidFill>
@@ -10393,7 +10378,30 @@
                   </a:schemeClr>
                 </a:solidFill>
               </a:rPr>
-              <a:t>Invite single person</a:t>
+              <a:t>In our experience inviting a group of persons is very ineffective. Since they are not addressed personally it‘s very likely that they click your invitation away.</a:t>
+            </a:r>
+          </a:p>
+          <a:p>
+            <a:pPr algn="ctr"/>
+            <a:endParaRPr lang="de-DE" sz="1600" dirty="0">
+              <a:solidFill>
+                <a:schemeClr val="bg1">
+                  <a:lumMod val="50000"/>
+                </a:schemeClr>
+              </a:solidFill>
+            </a:endParaRPr>
+          </a:p>
+          <a:p>
+            <a:pPr algn="ctr"/>
+            <a:r>
+              <a:rPr lang="de-DE" sz="1600" dirty="0" smtClean="0">
+                <a:solidFill>
+                  <a:schemeClr val="bg1">
+                    <a:lumMod val="50000"/>
+                  </a:schemeClr>
+                </a:solidFill>
+              </a:rPr>
+              <a:t>Are you sure you want to invite a group of persons?</a:t>
             </a:r>
             <a:endParaRPr lang="en-US" sz="1600" dirty="0">
               <a:solidFill>
@@ -10405,650 +10413,27 @@
           </a:p>
         </p:txBody>
       </p:sp>
-      <p:pic>
-        <p:nvPicPr>
-          <p:cNvPr id="3074" name="Picture 2" descr="C:\Users\MoritzTheile\Downloads\user_808080_48.png"/>
-          <p:cNvPicPr>
-            <a:picLocks noChangeAspect="1" noChangeArrowheads="1"/>
-          </p:cNvPicPr>
-          <p:nvPr/>
-        </p:nvPicPr>
-        <p:blipFill>
-          <a:blip r:embed="rId5">
-            <a:extLst>
-              <a:ext uri="{28A0092B-C50C-407E-A947-70E740481C1C}">
-                <a14:useLocalDpi xmlns:a14="http://schemas.microsoft.com/office/drawing/2010/main" val="0"/>
-              </a:ext>
-            </a:extLst>
-          </a:blip>
-          <a:srcRect/>
-          <a:stretch>
-            <a:fillRect/>
-          </a:stretch>
-        </p:blipFill>
-        <p:spPr bwMode="auto">
-          <a:xfrm>
-            <a:off x="874440" y="1268760"/>
-            <a:ext cx="457200" cy="457200"/>
-          </a:xfrm>
-          <a:prstGeom prst="rect">
-            <a:avLst/>
-          </a:prstGeom>
-          <a:noFill/>
-          <a:extLst>
-            <a:ext uri="{909E8E84-426E-40DD-AFC4-6F175D3DCCD1}">
-              <a14:hiddenFill xmlns:a14="http://schemas.microsoft.com/office/drawing/2010/main">
-                <a:solidFill>
-                  <a:srgbClr val="FFFFFF"/>
-                </a:solidFill>
-              </a14:hiddenFill>
-            </a:ext>
-          </a:extLst>
-        </p:spPr>
-      </p:pic>
-      <p:cxnSp>
-        <p:nvCxnSpPr>
-          <p:cNvPr id="23" name="Gerade Verbindung 22"/>
-          <p:cNvCxnSpPr/>
-          <p:nvPr/>
-        </p:nvCxnSpPr>
-        <p:spPr>
-          <a:xfrm>
-            <a:off x="395536" y="4797152"/>
-            <a:ext cx="3600000" cy="0"/>
-          </a:xfrm>
-          <a:prstGeom prst="line">
-            <a:avLst/>
-          </a:prstGeom>
-        </p:spPr>
-        <p:style>
-          <a:lnRef idx="1">
-            <a:schemeClr val="accent1"/>
-          </a:lnRef>
-          <a:fillRef idx="0">
-            <a:schemeClr val="accent1"/>
-          </a:fillRef>
-          <a:effectRef idx="0">
-            <a:schemeClr val="accent1"/>
-          </a:effectRef>
-          <a:fontRef idx="minor">
-            <a:schemeClr val="tx1"/>
-          </a:fontRef>
-        </p:style>
-      </p:cxnSp>
       <p:sp>
         <p:nvSpPr>
-          <p:cNvPr id="25" name="Textfeld 24"/>
-          <p:cNvSpPr txBox="1"/>
+          <p:cNvPr id="25" name="Abgerundetes Rechteck 24"/>
+          <p:cNvSpPr/>
           <p:nvPr/>
         </p:nvSpPr>
         <p:spPr>
           <a:xfrm>
-            <a:off x="881870" y="1988700"/>
-            <a:ext cx="2538002" cy="307777"/>
-          </a:xfrm>
-          <a:prstGeom prst="rect">
-            <a:avLst/>
-          </a:prstGeom>
-          <a:noFill/>
-        </p:spPr>
-        <p:txBody>
-          <a:bodyPr wrap="none" rtlCol="0">
-            <a:spAutoFit/>
-          </a:bodyPr>
-          <a:lstStyle/>
-          <a:p>
-            <a:pPr algn="ctr"/>
-            <a:r>
-              <a:rPr lang="de-DE" sz="1400" dirty="0" smtClean="0">
-                <a:solidFill>
-                  <a:schemeClr val="bg1">
-                    <a:lumMod val="50000"/>
-                  </a:schemeClr>
-                </a:solidFill>
-              </a:rPr>
-              <a:t>What‘s the name of the person?</a:t>
-            </a:r>
-            <a:endParaRPr lang="en-US" sz="1400" dirty="0">
-              <a:solidFill>
-                <a:schemeClr val="bg1">
-                  <a:lumMod val="50000"/>
-                </a:schemeClr>
-              </a:solidFill>
-            </a:endParaRPr>
-          </a:p>
-        </p:txBody>
-      </p:sp>
-      <p:sp>
-        <p:nvSpPr>
-          <p:cNvPr id="26" name="Abgerundetes Rechteck 25"/>
-          <p:cNvSpPr/>
-          <p:nvPr/>
-        </p:nvSpPr>
-        <p:spPr>
-          <a:xfrm>
-            <a:off x="973141" y="2471270"/>
-            <a:ext cx="2330046" cy="276225"/>
+            <a:off x="918273" y="3789040"/>
+            <a:ext cx="2560290" cy="319680"/>
           </a:xfrm>
           <a:prstGeom prst="roundRect">
-            <a:avLst/>
-          </a:prstGeom>
-          <a:noFill/>
-          <a:ln>
-            <a:solidFill>
-              <a:schemeClr val="bg1">
-                <a:lumMod val="85000"/>
-              </a:schemeClr>
-            </a:solidFill>
-          </a:ln>
-        </p:spPr>
-        <p:style>
-          <a:lnRef idx="2">
-            <a:schemeClr val="accent1">
-              <a:shade val="50000"/>
-            </a:schemeClr>
-          </a:lnRef>
-          <a:fillRef idx="1">
-            <a:schemeClr val="accent1"/>
-          </a:fillRef>
-          <a:effectRef idx="0">
-            <a:schemeClr val="accent1"/>
-          </a:effectRef>
-          <a:fontRef idx="minor">
-            <a:schemeClr val="lt1"/>
-          </a:fontRef>
-        </p:style>
-        <p:txBody>
-          <a:bodyPr anchor="ctr"/>
-          <a:lstStyle/>
-          <a:p>
-            <a:pPr algn="ctr">
-              <a:defRPr/>
-            </a:pPr>
-            <a:r>
-              <a:rPr lang="de-CH" sz="1050" dirty="0" smtClean="0">
-                <a:solidFill>
-                  <a:schemeClr val="accent1">
-                    <a:lumMod val="75000"/>
-                  </a:schemeClr>
-                </a:solidFill>
-                <a:latin typeface="Century" pitchFamily="18" charset="0"/>
-                <a:cs typeface="Arial" charset="0"/>
-              </a:rPr>
-              <a:t>Anna</a:t>
-            </a:r>
-            <a:endParaRPr lang="de-CH" sz="1050" dirty="0">
-              <a:solidFill>
-                <a:schemeClr val="accent1">
-                  <a:lumMod val="75000"/>
-                </a:schemeClr>
-              </a:solidFill>
-              <a:latin typeface="Century" pitchFamily="18" charset="0"/>
-              <a:cs typeface="Arial" charset="0"/>
-            </a:endParaRPr>
-          </a:p>
-        </p:txBody>
-      </p:sp>
-      <p:pic>
-        <p:nvPicPr>
-          <p:cNvPr id="31" name="Picture 2" descr="http://127.0.0.1:9999/com.supeyou.app.GWT/core/images/email-icon.png"/>
-          <p:cNvPicPr>
-            <a:picLocks noChangeAspect="1" noChangeArrowheads="1"/>
-          </p:cNvPicPr>
-          <p:nvPr/>
-        </p:nvPicPr>
-        <p:blipFill>
-          <a:blip r:embed="rId6" cstate="print">
-            <a:extLst>
-              <a:ext uri="{28A0092B-C50C-407E-A947-70E740481C1C}">
-                <a14:useLocalDpi xmlns:a14="http://schemas.microsoft.com/office/drawing/2010/main" val="0"/>
-              </a:ext>
-            </a:extLst>
-          </a:blip>
-          <a:srcRect/>
-          <a:stretch>
-            <a:fillRect/>
-          </a:stretch>
-        </p:blipFill>
-        <p:spPr bwMode="auto">
-          <a:xfrm>
-            <a:off x="722260" y="3789040"/>
-            <a:ext cx="347442" cy="347442"/>
-          </a:xfrm>
-          <a:prstGeom prst="rect">
-            <a:avLst/>
-          </a:prstGeom>
-          <a:noFill/>
-          <a:extLst>
-            <a:ext uri="{909E8E84-426E-40DD-AFC4-6F175D3DCCD1}">
-              <a14:hiddenFill xmlns:a14="http://schemas.microsoft.com/office/drawing/2010/main">
-                <a:solidFill>
-                  <a:srgbClr val="FFFFFF"/>
-                </a:solidFill>
-              </a14:hiddenFill>
-            </a:ext>
-          </a:extLst>
-        </p:spPr>
-      </p:pic>
-      <p:pic>
-        <p:nvPicPr>
-          <p:cNvPr id="32" name="Picture 4" descr="http://127.0.0.1:9999/com.supeyou.app.GWT/core/images/whatsapp_logo.jpg"/>
-          <p:cNvPicPr>
-            <a:picLocks noChangeAspect="1" noChangeArrowheads="1"/>
-          </p:cNvPicPr>
-          <p:nvPr/>
-        </p:nvPicPr>
-        <p:blipFill>
-          <a:blip r:embed="rId7" cstate="print">
-            <a:extLst>
-              <a:ext uri="{28A0092B-C50C-407E-A947-70E740481C1C}">
-                <a14:useLocalDpi xmlns:a14="http://schemas.microsoft.com/office/drawing/2010/main" val="0"/>
-              </a:ext>
-            </a:extLst>
-          </a:blip>
-          <a:srcRect/>
-          <a:stretch>
-            <a:fillRect/>
-          </a:stretch>
-        </p:blipFill>
-        <p:spPr bwMode="auto">
-          <a:xfrm>
-            <a:off x="1958158" y="3816706"/>
-            <a:ext cx="350760" cy="359384"/>
-          </a:xfrm>
-          <a:prstGeom prst="rect">
-            <a:avLst/>
-          </a:prstGeom>
-          <a:noFill/>
-          <a:extLst>
-            <a:ext uri="{909E8E84-426E-40DD-AFC4-6F175D3DCCD1}">
-              <a14:hiddenFill xmlns:a14="http://schemas.microsoft.com/office/drawing/2010/main">
-                <a:solidFill>
-                  <a:srgbClr val="FFFFFF"/>
-                </a:solidFill>
-              </a14:hiddenFill>
-            </a:ext>
-          </a:extLst>
-        </p:spPr>
-      </p:pic>
-      <p:pic>
-        <p:nvPicPr>
-          <p:cNvPr id="33" name="Picture 5" descr="C:\Users\MoritzTheile\eclipse_SupeYou\com.supeyou.core.web\src\main\java\com\supeyou\core\web\public\core\images\clipboard-icon.png"/>
-          <p:cNvPicPr>
-            <a:picLocks noChangeAspect="1" noChangeArrowheads="1"/>
-          </p:cNvPicPr>
-          <p:nvPr/>
-        </p:nvPicPr>
-        <p:blipFill>
-          <a:blip r:embed="rId8" cstate="print">
-            <a:extLst>
-              <a:ext uri="{28A0092B-C50C-407E-A947-70E740481C1C}">
-                <a14:useLocalDpi xmlns:a14="http://schemas.microsoft.com/office/drawing/2010/main" val="0"/>
-              </a:ext>
-            </a:extLst>
-          </a:blip>
-          <a:srcRect/>
-          <a:stretch>
-            <a:fillRect/>
-          </a:stretch>
-        </p:blipFill>
-        <p:spPr bwMode="auto">
-          <a:xfrm>
-            <a:off x="3198180" y="3822904"/>
-            <a:ext cx="354250" cy="354250"/>
-          </a:xfrm>
-          <a:prstGeom prst="rect">
-            <a:avLst/>
-          </a:prstGeom>
-          <a:noFill/>
-          <a:extLst>
-            <a:ext uri="{909E8E84-426E-40DD-AFC4-6F175D3DCCD1}">
-              <a14:hiddenFill xmlns:a14="http://schemas.microsoft.com/office/drawing/2010/main">
-                <a:solidFill>
-                  <a:srgbClr val="FFFFFF"/>
-                </a:solidFill>
-              </a14:hiddenFill>
-            </a:ext>
-          </a:extLst>
-        </p:spPr>
-      </p:pic>
-      <p:sp>
-        <p:nvSpPr>
-          <p:cNvPr id="35" name="Textfeld 34"/>
-          <p:cNvSpPr txBox="1"/>
-          <p:nvPr/>
-        </p:nvSpPr>
-        <p:spPr>
-          <a:xfrm>
-            <a:off x="439229" y="4117055"/>
-            <a:ext cx="966931" cy="261610"/>
-          </a:xfrm>
-          <a:prstGeom prst="rect">
-            <a:avLst/>
-          </a:prstGeom>
-          <a:noFill/>
-        </p:spPr>
-        <p:txBody>
-          <a:bodyPr wrap="none" rtlCol="0">
-            <a:spAutoFit/>
-          </a:bodyPr>
-          <a:lstStyle/>
-          <a:p>
-            <a:r>
-              <a:rPr lang="de-DE" sz="1100" dirty="0" smtClean="0">
-                <a:solidFill>
-                  <a:schemeClr val="bg1">
-                    <a:lumMod val="50000"/>
-                  </a:schemeClr>
-                </a:solidFill>
-              </a:rPr>
-              <a:t>Send as email</a:t>
-            </a:r>
-            <a:endParaRPr lang="en-US" sz="1100" dirty="0">
-              <a:solidFill>
-                <a:schemeClr val="bg1">
-                  <a:lumMod val="50000"/>
-                </a:schemeClr>
-              </a:solidFill>
-            </a:endParaRPr>
-          </a:p>
-        </p:txBody>
-      </p:sp>
-      <p:sp>
-        <p:nvSpPr>
-          <p:cNvPr id="36" name="Textfeld 35"/>
-          <p:cNvSpPr txBox="1"/>
-          <p:nvPr/>
-        </p:nvSpPr>
-        <p:spPr>
-          <a:xfrm>
-            <a:off x="1547664" y="4136482"/>
-            <a:ext cx="1249060" cy="261610"/>
-          </a:xfrm>
-          <a:prstGeom prst="rect">
-            <a:avLst/>
-          </a:prstGeom>
-          <a:noFill/>
-        </p:spPr>
-        <p:txBody>
-          <a:bodyPr wrap="none" rtlCol="0">
-            <a:spAutoFit/>
-          </a:bodyPr>
-          <a:lstStyle/>
-          <a:p>
-            <a:r>
-              <a:rPr lang="de-DE" sz="1100" dirty="0" smtClean="0">
-                <a:solidFill>
-                  <a:schemeClr val="bg1">
-                    <a:lumMod val="50000"/>
-                  </a:schemeClr>
-                </a:solidFill>
-              </a:rPr>
-              <a:t>Send as WhatsApp</a:t>
-            </a:r>
-            <a:endParaRPr lang="en-US" sz="1100" dirty="0">
-              <a:solidFill>
-                <a:schemeClr val="bg1">
-                  <a:lumMod val="50000"/>
-                </a:schemeClr>
-              </a:solidFill>
-            </a:endParaRPr>
-          </a:p>
-        </p:txBody>
-      </p:sp>
-      <p:sp>
-        <p:nvSpPr>
-          <p:cNvPr id="37" name="Textfeld 36"/>
-          <p:cNvSpPr txBox="1"/>
-          <p:nvPr/>
-        </p:nvSpPr>
-        <p:spPr>
-          <a:xfrm>
-            <a:off x="2843808" y="4155909"/>
-            <a:ext cx="1191352" cy="261610"/>
-          </a:xfrm>
-          <a:prstGeom prst="rect">
-            <a:avLst/>
-          </a:prstGeom>
-          <a:noFill/>
-        </p:spPr>
-        <p:txBody>
-          <a:bodyPr wrap="none" rtlCol="0">
-            <a:spAutoFit/>
-          </a:bodyPr>
-          <a:lstStyle/>
-          <a:p>
-            <a:r>
-              <a:rPr lang="de-DE" sz="1100" dirty="0" smtClean="0">
-                <a:solidFill>
-                  <a:schemeClr val="bg1">
-                    <a:lumMod val="50000"/>
-                  </a:schemeClr>
-                </a:solidFill>
-              </a:rPr>
-              <a:t>Copy to clipboard</a:t>
-            </a:r>
-            <a:endParaRPr lang="en-US" sz="1100" dirty="0">
-              <a:solidFill>
-                <a:schemeClr val="bg1">
-                  <a:lumMod val="50000"/>
-                </a:schemeClr>
-              </a:solidFill>
-            </a:endParaRPr>
-          </a:p>
-        </p:txBody>
-      </p:sp>
-      <p:sp>
-        <p:nvSpPr>
-          <p:cNvPr id="39" name="Textfeld 38"/>
-          <p:cNvSpPr txBox="1"/>
-          <p:nvPr/>
-        </p:nvSpPr>
-        <p:spPr>
-          <a:xfrm>
-            <a:off x="1475656" y="5191363"/>
-            <a:ext cx="2150332" cy="338554"/>
-          </a:xfrm>
-          <a:prstGeom prst="rect">
-            <a:avLst/>
-          </a:prstGeom>
-          <a:noFill/>
-        </p:spPr>
-        <p:txBody>
-          <a:bodyPr wrap="none" rtlCol="0">
-            <a:spAutoFit/>
-          </a:bodyPr>
-          <a:lstStyle/>
-          <a:p>
-            <a:r>
-              <a:rPr lang="de-DE" sz="1600" dirty="0" smtClean="0">
-                <a:solidFill>
-                  <a:schemeClr val="bg1">
-                    <a:lumMod val="50000"/>
-                  </a:schemeClr>
-                </a:solidFill>
-              </a:rPr>
-              <a:t>Invite group of persons</a:t>
-            </a:r>
-            <a:endParaRPr lang="en-US" sz="1600" dirty="0">
-              <a:solidFill>
-                <a:schemeClr val="bg1">
-                  <a:lumMod val="50000"/>
-                </a:schemeClr>
-              </a:solidFill>
-            </a:endParaRPr>
-          </a:p>
-        </p:txBody>
-      </p:sp>
-      <p:pic>
-        <p:nvPicPr>
-          <p:cNvPr id="40" name="Picture 3" descr="C:\Users\MoritzTheile\Downloads\users_808080_48.png"/>
-          <p:cNvPicPr>
-            <a:picLocks noChangeAspect="1" noChangeArrowheads="1"/>
-          </p:cNvPicPr>
-          <p:nvPr/>
-        </p:nvPicPr>
-        <p:blipFill>
-          <a:blip r:embed="rId9">
-            <a:extLst>
-              <a:ext uri="{28A0092B-C50C-407E-A947-70E740481C1C}">
-                <a14:useLocalDpi xmlns:a14="http://schemas.microsoft.com/office/drawing/2010/main" val="0"/>
-              </a:ext>
-            </a:extLst>
-          </a:blip>
-          <a:srcRect/>
-          <a:stretch>
-            <a:fillRect/>
-          </a:stretch>
-        </p:blipFill>
-        <p:spPr bwMode="auto">
-          <a:xfrm>
-            <a:off x="946448" y="5132040"/>
-            <a:ext cx="457200" cy="457200"/>
-          </a:xfrm>
-          <a:prstGeom prst="rect">
-            <a:avLst/>
-          </a:prstGeom>
-          <a:noFill/>
-          <a:extLst>
-            <a:ext uri="{909E8E84-426E-40DD-AFC4-6F175D3DCCD1}">
-              <a14:hiddenFill xmlns:a14="http://schemas.microsoft.com/office/drawing/2010/main">
-                <a:solidFill>
-                  <a:srgbClr val="FFFFFF"/>
-                </a:solidFill>
-              </a14:hiddenFill>
-            </a:ext>
-          </a:extLst>
-        </p:spPr>
-      </p:pic>
-      <p:cxnSp>
-        <p:nvCxnSpPr>
-          <p:cNvPr id="12" name="Gerade Verbindung 11"/>
-          <p:cNvCxnSpPr/>
-          <p:nvPr/>
-        </p:nvCxnSpPr>
-        <p:spPr>
-          <a:xfrm flipV="1">
-            <a:off x="1468327" y="3717032"/>
-            <a:ext cx="0" cy="628479"/>
-          </a:xfrm>
-          <a:prstGeom prst="line">
-            <a:avLst/>
-          </a:prstGeom>
-        </p:spPr>
-        <p:style>
-          <a:lnRef idx="1">
-            <a:schemeClr val="accent1"/>
-          </a:lnRef>
-          <a:fillRef idx="0">
-            <a:schemeClr val="accent1"/>
-          </a:fillRef>
-          <a:effectRef idx="0">
-            <a:schemeClr val="accent1"/>
-          </a:effectRef>
-          <a:fontRef idx="minor">
-            <a:schemeClr val="tx1"/>
-          </a:fontRef>
-        </p:style>
-      </p:cxnSp>
-      <p:cxnSp>
-        <p:nvCxnSpPr>
-          <p:cNvPr id="41" name="Gerade Verbindung 40"/>
-          <p:cNvCxnSpPr>
-            <a:stCxn id="37" idx="1"/>
-          </p:cNvCxnSpPr>
-          <p:nvPr/>
-        </p:nvCxnSpPr>
-        <p:spPr>
-          <a:xfrm flipV="1">
-            <a:off x="2843808" y="3750048"/>
-            <a:ext cx="0" cy="536666"/>
-          </a:xfrm>
-          <a:prstGeom prst="line">
-            <a:avLst/>
-          </a:prstGeom>
-        </p:spPr>
-        <p:style>
-          <a:lnRef idx="1">
-            <a:schemeClr val="accent1"/>
-          </a:lnRef>
-          <a:fillRef idx="0">
-            <a:schemeClr val="accent1"/>
-          </a:fillRef>
-          <a:effectRef idx="0">
-            <a:schemeClr val="accent1"/>
-          </a:effectRef>
-          <a:fontRef idx="minor">
-            <a:schemeClr val="tx1"/>
-          </a:fontRef>
-        </p:style>
-      </p:cxnSp>
-      <p:sp>
-        <p:nvSpPr>
-          <p:cNvPr id="43" name="Textfeld 42"/>
-          <p:cNvSpPr txBox="1"/>
-          <p:nvPr/>
-        </p:nvSpPr>
-        <p:spPr>
-          <a:xfrm>
-            <a:off x="926172" y="3095382"/>
-            <a:ext cx="2601994" cy="261610"/>
-          </a:xfrm>
-          <a:prstGeom prst="rect">
-            <a:avLst/>
-          </a:prstGeom>
-          <a:noFill/>
-        </p:spPr>
-        <p:txBody>
-          <a:bodyPr wrap="none" rtlCol="0">
-            <a:spAutoFit/>
-          </a:bodyPr>
-          <a:lstStyle/>
-          <a:p>
-            <a:pPr algn="ctr"/>
-            <a:r>
-              <a:rPr lang="de-DE" sz="1100" dirty="0" smtClean="0">
-                <a:solidFill>
-                  <a:schemeClr val="bg1">
-                    <a:lumMod val="50000"/>
-                  </a:schemeClr>
-                </a:solidFill>
-              </a:rPr>
-              <a:t>The name you insert is only for your eyes. </a:t>
-            </a:r>
-            <a:endParaRPr lang="en-US" sz="1100" dirty="0">
-              <a:solidFill>
-                <a:schemeClr val="bg1">
-                  <a:lumMod val="50000"/>
-                </a:schemeClr>
-              </a:solidFill>
-            </a:endParaRPr>
-          </a:p>
-        </p:txBody>
-      </p:sp>
-      <p:sp>
-        <p:nvSpPr>
-          <p:cNvPr id="29" name="Pfeil nach rechts 28"/>
-          <p:cNvSpPr/>
-          <p:nvPr/>
-        </p:nvSpPr>
-        <p:spPr>
-          <a:xfrm rot="1133182" flipH="1">
-            <a:off x="990474" y="4006443"/>
-            <a:ext cx="1365475" cy="577622"/>
-          </a:xfrm>
-          <a:prstGeom prst="rightArrow">
-            <a:avLst/>
+            <a:avLst>
+              <a:gd name="adj" fmla="val 32893"/>
+            </a:avLst>
           </a:prstGeom>
           <a:solidFill>
-            <a:srgbClr val="FFFF99"/>
+            <a:srgbClr val="0099FF"/>
           </a:solidFill>
           <a:ln>
-            <a:solidFill>
-              <a:schemeClr val="bg1">
-                <a:lumMod val="65000"/>
-              </a:schemeClr>
-            </a:solidFill>
+            <a:noFill/>
           </a:ln>
         </p:spPr>
         <p:style>
@@ -11073,6 +10458,112 @@
           <a:p>
             <a:pPr algn="ctr"/>
             <a:r>
+              <a:rPr lang="de-DE" sz="1400" dirty="0" smtClean="0"/>
+              <a:t>Yes</a:t>
+            </a:r>
+            <a:endParaRPr lang="en-US" sz="1400" dirty="0"/>
+          </a:p>
+        </p:txBody>
+      </p:sp>
+      <p:sp>
+        <p:nvSpPr>
+          <p:cNvPr id="26" name="Abgerundetes Rechteck 25"/>
+          <p:cNvSpPr/>
+          <p:nvPr/>
+        </p:nvSpPr>
+        <p:spPr>
+          <a:xfrm>
+            <a:off x="931590" y="4405464"/>
+            <a:ext cx="2560290" cy="319680"/>
+          </a:xfrm>
+          <a:prstGeom prst="roundRect">
+            <a:avLst>
+              <a:gd name="adj" fmla="val 32893"/>
+            </a:avLst>
+          </a:prstGeom>
+          <a:solidFill>
+            <a:srgbClr val="0099FF"/>
+          </a:solidFill>
+          <a:ln>
+            <a:noFill/>
+          </a:ln>
+        </p:spPr>
+        <p:style>
+          <a:lnRef idx="2">
+            <a:schemeClr val="accent1">
+              <a:shade val="50000"/>
+            </a:schemeClr>
+          </a:lnRef>
+          <a:fillRef idx="1">
+            <a:schemeClr val="accent1"/>
+          </a:fillRef>
+          <a:effectRef idx="0">
+            <a:schemeClr val="accent1"/>
+          </a:effectRef>
+          <a:fontRef idx="minor">
+            <a:schemeClr val="lt1"/>
+          </a:fontRef>
+        </p:style>
+        <p:txBody>
+          <a:bodyPr rtlCol="0" anchor="ctr"/>
+          <a:lstStyle/>
+          <a:p>
+            <a:pPr algn="ctr"/>
+            <a:r>
+              <a:rPr lang="de-DE" sz="1400" dirty="0" smtClean="0"/>
+              <a:t>No</a:t>
+            </a:r>
+            <a:endParaRPr lang="en-US" sz="1400" dirty="0"/>
+          </a:p>
+        </p:txBody>
+      </p:sp>
+      <p:sp>
+        <p:nvSpPr>
+          <p:cNvPr id="27" name="Pfeil nach rechts 26"/>
+          <p:cNvSpPr/>
+          <p:nvPr/>
+        </p:nvSpPr>
+        <p:spPr>
+          <a:xfrm rot="19850467" flipH="1">
+            <a:off x="3312799" y="3905385"/>
+            <a:ext cx="1365475" cy="577622"/>
+          </a:xfrm>
+          <a:prstGeom prst="rightArrow">
+            <a:avLst/>
+          </a:prstGeom>
+          <a:solidFill>
+            <a:srgbClr val="FFFF99"/>
+          </a:solidFill>
+          <a:ln>
+            <a:solidFill>
+              <a:schemeClr val="bg1">
+                <a:lumMod val="65000"/>
+              </a:schemeClr>
+            </a:solidFill>
+          </a:ln>
+        </p:spPr>
+        <p:style>
+          <a:lnRef idx="2">
+            <a:schemeClr val="accent1">
+              <a:shade val="50000"/>
+            </a:schemeClr>
+          </a:lnRef>
+          <a:fillRef idx="1">
+            <a:schemeClr val="accent1"/>
+          </a:fillRef>
+          <a:effectRef idx="0">
+            <a:schemeClr val="accent1"/>
+          </a:effectRef>
+          <a:fontRef idx="minor">
+            <a:schemeClr val="lt1"/>
+          </a:fontRef>
+        </p:style>
+        <p:txBody>
+          <a:bodyPr rtlCol="0" anchor="ctr"/>
+          <a:lstStyle/>
+          <a:p>
+            <a:pPr algn="ctr"/>
+            <a:r>
               <a:rPr lang="de-DE" dirty="0">
                 <a:solidFill>
                   <a:schemeClr val="tx1">
@@ -11097,7 +10588,7 @@
     </p:spTree>
     <p:extLst>
       <p:ext uri="{BB962C8B-B14F-4D97-AF65-F5344CB8AC3E}">
-        <p14:creationId xmlns:p14="http://schemas.microsoft.com/office/powerpoint/2010/main" val="2258088653"/>
+        <p14:creationId xmlns:p14="http://schemas.microsoft.com/office/powerpoint/2010/main" val="2961057039"/>
       </p:ext>
     </p:extLst>
   </p:cSld>
@@ -11634,6 +11125,89 @@
           </a:p>
         </p:txBody>
       </p:sp>
+      <p:sp>
+        <p:nvSpPr>
+          <p:cNvPr id="17" name="Textfeld 16"/>
+          <p:cNvSpPr txBox="1"/>
+          <p:nvPr/>
+        </p:nvSpPr>
+        <p:spPr>
+          <a:xfrm>
+            <a:off x="1468327" y="1328083"/>
+            <a:ext cx="1796197" cy="338554"/>
+          </a:xfrm>
+          <a:prstGeom prst="rect">
+            <a:avLst/>
+          </a:prstGeom>
+          <a:noFill/>
+        </p:spPr>
+        <p:txBody>
+          <a:bodyPr wrap="none" rtlCol="0">
+            <a:spAutoFit/>
+          </a:bodyPr>
+          <a:lstStyle/>
+          <a:p>
+            <a:r>
+              <a:rPr lang="de-DE" sz="1600" dirty="0" smtClean="0">
+                <a:solidFill>
+                  <a:schemeClr val="bg1">
+                    <a:lumMod val="50000"/>
+                  </a:schemeClr>
+                </a:solidFill>
+              </a:rPr>
+              <a:t>Invite single person</a:t>
+            </a:r>
+            <a:endParaRPr lang="en-US" sz="1600" dirty="0">
+              <a:solidFill>
+                <a:schemeClr val="bg1">
+                  <a:lumMod val="50000"/>
+                </a:schemeClr>
+              </a:solidFill>
+            </a:endParaRPr>
+          </a:p>
+        </p:txBody>
+      </p:sp>
+      <p:pic>
+        <p:nvPicPr>
+          <p:cNvPr id="3074" name="Picture 2" descr="C:\Users\MoritzTheile\Downloads\user_808080_48.png"/>
+          <p:cNvPicPr>
+            <a:picLocks noChangeAspect="1" noChangeArrowheads="1"/>
+          </p:cNvPicPr>
+          <p:nvPr/>
+        </p:nvPicPr>
+        <p:blipFill>
+          <a:blip r:embed="rId5">
+            <a:extLst>
+              <a:ext uri="{28A0092B-C50C-407E-A947-70E740481C1C}">
+                <a14:useLocalDpi xmlns:a14="http://schemas.microsoft.com/office/drawing/2010/main" val="0"/>
+              </a:ext>
+            </a:extLst>
+          </a:blip>
+          <a:srcRect/>
+          <a:stretch>
+            <a:fillRect/>
+          </a:stretch>
+        </p:blipFill>
+        <p:spPr bwMode="auto">
+          <a:xfrm>
+            <a:off x="874440" y="1268760"/>
+            <a:ext cx="457200" cy="457200"/>
+          </a:xfrm>
+          <a:prstGeom prst="rect">
+            <a:avLst/>
+          </a:prstGeom>
+          <a:noFill/>
+          <a:extLst>
+            <a:ext uri="{909E8E84-426E-40DD-AFC4-6F175D3DCCD1}">
+              <a14:hiddenFill xmlns:a14="http://schemas.microsoft.com/office/drawing/2010/main">
+                <a:solidFill>
+                  <a:srgbClr val="FFFFFF"/>
+                </a:solidFill>
+              </a14:hiddenFill>
+            </a:ext>
+          </a:extLst>
+        </p:spPr>
+      </p:pic>
       <p:cxnSp>
         <p:nvCxnSpPr>
           <p:cNvPr id="23" name="Gerade Verbindung 22"/>
@@ -11642,7 +11216,7 @@
         </p:nvCxnSpPr>
         <p:spPr>
           <a:xfrm>
-            <a:off x="395536" y="2682498"/>
+            <a:off x="395536" y="4797152"/>
             <a:ext cx="3600000" cy="0"/>
           </a:xfrm>
           <a:prstGeom prst="line">
@@ -11664,50 +11238,122 @@
           </a:fontRef>
         </p:style>
       </p:cxnSp>
-      <p:pic>
-        <p:nvPicPr>
-          <p:cNvPr id="31" name="Picture 2" descr="http://127.0.0.1:9999/com.supeyou.app.GWT/core/images/email-icon.png"/>
-          <p:cNvPicPr>
-            <a:picLocks noChangeAspect="1" noChangeArrowheads="1"/>
-          </p:cNvPicPr>
-          <p:nvPr/>
-        </p:nvPicPr>
-        <p:blipFill>
-          <a:blip r:embed="rId5" cstate="print">
-            <a:extLst>
-              <a:ext uri="{28A0092B-C50C-407E-A947-70E740481C1C}">
-                <a14:useLocalDpi xmlns:a14="http://schemas.microsoft.com/office/drawing/2010/main" val="0"/>
-              </a:ext>
-            </a:extLst>
-          </a:blip>
-          <a:srcRect/>
-          <a:stretch>
-            <a:fillRect/>
-          </a:stretch>
-        </p:blipFill>
-        <p:spPr bwMode="auto">
-          <a:xfrm>
-            <a:off x="722260" y="1674386"/>
-            <a:ext cx="347442" cy="347442"/>
+      <p:sp>
+        <p:nvSpPr>
+          <p:cNvPr id="25" name="Textfeld 24"/>
+          <p:cNvSpPr txBox="1"/>
+          <p:nvPr/>
+        </p:nvSpPr>
+        <p:spPr>
+          <a:xfrm>
+            <a:off x="881870" y="1988700"/>
+            <a:ext cx="2538002" cy="307777"/>
           </a:xfrm>
           <a:prstGeom prst="rect">
             <a:avLst/>
           </a:prstGeom>
           <a:noFill/>
-          <a:extLst>
-            <a:ext uri="{909E8E84-426E-40DD-AFC4-6F175D3DCCD1}">
-              <a14:hiddenFill xmlns:a14="http://schemas.microsoft.com/office/drawing/2010/main">
-                <a:solidFill>
-                  <a:srgbClr val="FFFFFF"/>
-                </a:solidFill>
-              </a14:hiddenFill>
-            </a:ext>
-          </a:extLst>
-        </p:spPr>
-      </p:pic>
+        </p:spPr>
+        <p:txBody>
+          <a:bodyPr wrap="none" rtlCol="0">
+            <a:spAutoFit/>
+          </a:bodyPr>
+          <a:lstStyle/>
+          <a:p>
+            <a:pPr algn="ctr"/>
+            <a:r>
+              <a:rPr lang="de-DE" sz="1400" dirty="0" smtClean="0">
+                <a:solidFill>
+                  <a:schemeClr val="bg1">
+                    <a:lumMod val="50000"/>
+                  </a:schemeClr>
+                </a:solidFill>
+              </a:rPr>
+              <a:t>What‘s the name of the person?</a:t>
+            </a:r>
+            <a:endParaRPr lang="en-US" sz="1400" dirty="0">
+              <a:solidFill>
+                <a:schemeClr val="bg1">
+                  <a:lumMod val="50000"/>
+                </a:schemeClr>
+              </a:solidFill>
+            </a:endParaRPr>
+          </a:p>
+        </p:txBody>
+      </p:sp>
+      <p:sp>
+        <p:nvSpPr>
+          <p:cNvPr id="26" name="Abgerundetes Rechteck 25"/>
+          <p:cNvSpPr/>
+          <p:nvPr/>
+        </p:nvSpPr>
+        <p:spPr>
+          <a:xfrm>
+            <a:off x="973141" y="2471270"/>
+            <a:ext cx="2330046" cy="276225"/>
+          </a:xfrm>
+          <a:prstGeom prst="roundRect">
+            <a:avLst/>
+          </a:prstGeom>
+          <a:noFill/>
+          <a:ln>
+            <a:solidFill>
+              <a:schemeClr val="bg1">
+                <a:lumMod val="85000"/>
+              </a:schemeClr>
+            </a:solidFill>
+          </a:ln>
+        </p:spPr>
+        <p:style>
+          <a:lnRef idx="2">
+            <a:schemeClr val="accent1">
+              <a:shade val="50000"/>
+            </a:schemeClr>
+          </a:lnRef>
+          <a:fillRef idx="1">
+            <a:schemeClr val="accent1"/>
+          </a:fillRef>
+          <a:effectRef idx="0">
+            <a:schemeClr val="accent1"/>
+          </a:effectRef>
+          <a:fontRef idx="minor">
+            <a:schemeClr val="lt1"/>
+          </a:fontRef>
+        </p:style>
+        <p:txBody>
+          <a:bodyPr anchor="ctr"/>
+          <a:lstStyle/>
+          <a:p>
+            <a:pPr algn="ctr">
+              <a:defRPr/>
+            </a:pPr>
+            <a:r>
+              <a:rPr lang="de-CH" sz="1050" dirty="0" smtClean="0">
+                <a:solidFill>
+                  <a:schemeClr val="accent1">
+                    <a:lumMod val="75000"/>
+                  </a:schemeClr>
+                </a:solidFill>
+                <a:latin typeface="Century" pitchFamily="18" charset="0"/>
+                <a:cs typeface="Arial" charset="0"/>
+              </a:rPr>
+              <a:t>Anna</a:t>
+            </a:r>
+            <a:endParaRPr lang="de-CH" sz="1050" dirty="0">
+              <a:solidFill>
+                <a:schemeClr val="accent1">
+                  <a:lumMod val="75000"/>
+                </a:schemeClr>
+              </a:solidFill>
+              <a:latin typeface="Century" pitchFamily="18" charset="0"/>
+              <a:cs typeface="Arial" charset="0"/>
+            </a:endParaRPr>
+          </a:p>
+        </p:txBody>
+      </p:sp>
       <p:pic>
         <p:nvPicPr>
-          <p:cNvPr id="32" name="Picture 4" descr="http://127.0.0.1:9999/com.supeyou.app.GWT/core/images/whatsapp_logo.jpg"/>
+          <p:cNvPr id="31" name="Picture 2" descr="http://127.0.0.1:9999/com.supeyou.app.GWT/core/images/email-icon.png"/>
           <p:cNvPicPr>
             <a:picLocks noChangeAspect="1" noChangeArrowheads="1"/>
           </p:cNvPicPr>
@@ -11728,8 +11374,8 @@
         </p:blipFill>
         <p:spPr bwMode="auto">
           <a:xfrm>
-            <a:off x="1958158" y="1702052"/>
-            <a:ext cx="350760" cy="359384"/>
+            <a:off x="722260" y="3789040"/>
+            <a:ext cx="347442" cy="347442"/>
           </a:xfrm>
           <a:prstGeom prst="rect">
             <a:avLst/>
@@ -11748,7 +11394,7 @@
       </p:pic>
       <p:pic>
         <p:nvPicPr>
-          <p:cNvPr id="33" name="Picture 5" descr="C:\Users\MoritzTheile\eclipse_SupeYou\com.supeyou.core.web\src\main\java\com\supeyou\core\web\public\core\images\clipboard-icon.png"/>
+          <p:cNvPr id="32" name="Picture 4" descr="http://127.0.0.1:9999/com.supeyou.app.GWT/core/images/whatsapp_logo.jpg"/>
           <p:cNvPicPr>
             <a:picLocks noChangeAspect="1" noChangeArrowheads="1"/>
           </p:cNvPicPr>
@@ -11769,8 +11415,8 @@
         </p:blipFill>
         <p:spPr bwMode="auto">
           <a:xfrm>
-            <a:off x="3198180" y="1708250"/>
-            <a:ext cx="354250" cy="354250"/>
+            <a:off x="1958158" y="3816706"/>
+            <a:ext cx="350760" cy="359384"/>
           </a:xfrm>
           <a:prstGeom prst="rect">
             <a:avLst/>
@@ -11787,184 +11433,16 @@
           </a:extLst>
         </p:spPr>
       </p:pic>
-      <p:sp>
-        <p:nvSpPr>
-          <p:cNvPr id="35" name="Textfeld 34"/>
-          <p:cNvSpPr txBox="1"/>
-          <p:nvPr/>
-        </p:nvSpPr>
-        <p:spPr>
-          <a:xfrm>
-            <a:off x="439229" y="2002401"/>
-            <a:ext cx="966931" cy="261610"/>
-          </a:xfrm>
-          <a:prstGeom prst="rect">
-            <a:avLst/>
-          </a:prstGeom>
-          <a:noFill/>
-        </p:spPr>
-        <p:txBody>
-          <a:bodyPr wrap="none" rtlCol="0">
-            <a:spAutoFit/>
-          </a:bodyPr>
-          <a:lstStyle/>
-          <a:p>
-            <a:r>
-              <a:rPr lang="de-DE" sz="1100" dirty="0" smtClean="0">
-                <a:solidFill>
-                  <a:schemeClr val="bg1">
-                    <a:lumMod val="50000"/>
-                  </a:schemeClr>
-                </a:solidFill>
-              </a:rPr>
-              <a:t>Send as email</a:t>
-            </a:r>
-            <a:endParaRPr lang="en-US" sz="1100" dirty="0">
-              <a:solidFill>
-                <a:schemeClr val="bg1">
-                  <a:lumMod val="50000"/>
-                </a:schemeClr>
-              </a:solidFill>
-            </a:endParaRPr>
-          </a:p>
-        </p:txBody>
-      </p:sp>
-      <p:sp>
-        <p:nvSpPr>
-          <p:cNvPr id="36" name="Textfeld 35"/>
-          <p:cNvSpPr txBox="1"/>
-          <p:nvPr/>
-        </p:nvSpPr>
-        <p:spPr>
-          <a:xfrm>
-            <a:off x="1547664" y="2021828"/>
-            <a:ext cx="1249060" cy="261610"/>
-          </a:xfrm>
-          <a:prstGeom prst="rect">
-            <a:avLst/>
-          </a:prstGeom>
-          <a:noFill/>
-        </p:spPr>
-        <p:txBody>
-          <a:bodyPr wrap="none" rtlCol="0">
-            <a:spAutoFit/>
-          </a:bodyPr>
-          <a:lstStyle/>
-          <a:p>
-            <a:r>
-              <a:rPr lang="de-DE" sz="1100" dirty="0" smtClean="0">
-                <a:solidFill>
-                  <a:schemeClr val="bg1">
-                    <a:lumMod val="50000"/>
-                  </a:schemeClr>
-                </a:solidFill>
-              </a:rPr>
-              <a:t>Send as WhatsApp</a:t>
-            </a:r>
-            <a:endParaRPr lang="en-US" sz="1100" dirty="0">
-              <a:solidFill>
-                <a:schemeClr val="bg1">
-                  <a:lumMod val="50000"/>
-                </a:schemeClr>
-              </a:solidFill>
-            </a:endParaRPr>
-          </a:p>
-        </p:txBody>
-      </p:sp>
-      <p:sp>
-        <p:nvSpPr>
-          <p:cNvPr id="37" name="Textfeld 36"/>
-          <p:cNvSpPr txBox="1"/>
-          <p:nvPr/>
-        </p:nvSpPr>
-        <p:spPr>
-          <a:xfrm>
-            <a:off x="2843808" y="2041255"/>
-            <a:ext cx="1191352" cy="261610"/>
-          </a:xfrm>
-          <a:prstGeom prst="rect">
-            <a:avLst/>
-          </a:prstGeom>
-          <a:noFill/>
-        </p:spPr>
-        <p:txBody>
-          <a:bodyPr wrap="none" rtlCol="0">
-            <a:spAutoFit/>
-          </a:bodyPr>
-          <a:lstStyle/>
-          <a:p>
-            <a:r>
-              <a:rPr lang="de-DE" sz="1100" dirty="0" smtClean="0">
-                <a:solidFill>
-                  <a:schemeClr val="bg1">
-                    <a:lumMod val="50000"/>
-                  </a:schemeClr>
-                </a:solidFill>
-              </a:rPr>
-              <a:t>Copy to clipboard</a:t>
-            </a:r>
-            <a:endParaRPr lang="en-US" sz="1100" dirty="0">
-              <a:solidFill>
-                <a:schemeClr val="bg1">
-                  <a:lumMod val="50000"/>
-                </a:schemeClr>
-              </a:solidFill>
-            </a:endParaRPr>
-          </a:p>
-        </p:txBody>
-      </p:sp>
-      <p:sp>
-        <p:nvSpPr>
-          <p:cNvPr id="39" name="Textfeld 38"/>
-          <p:cNvSpPr txBox="1"/>
-          <p:nvPr/>
-        </p:nvSpPr>
-        <p:spPr>
-          <a:xfrm>
-            <a:off x="1475656" y="3076709"/>
-            <a:ext cx="2150332" cy="338554"/>
-          </a:xfrm>
-          <a:prstGeom prst="rect">
-            <a:avLst/>
-          </a:prstGeom>
-          <a:noFill/>
-        </p:spPr>
-        <p:txBody>
-          <a:bodyPr wrap="none" rtlCol="0">
-            <a:spAutoFit/>
-          </a:bodyPr>
-          <a:lstStyle/>
-          <a:p>
-            <a:r>
-              <a:rPr lang="de-DE" sz="1600" dirty="0" smtClean="0">
-                <a:solidFill>
-                  <a:schemeClr val="bg1">
-                    <a:lumMod val="50000"/>
-                  </a:schemeClr>
-                </a:solidFill>
-              </a:rPr>
-              <a:t>Invite group of persons</a:t>
-            </a:r>
-            <a:endParaRPr lang="en-US" sz="1600" dirty="0">
-              <a:solidFill>
-                <a:schemeClr val="bg1">
-                  <a:lumMod val="50000"/>
-                </a:schemeClr>
-              </a:solidFill>
-            </a:endParaRPr>
-          </a:p>
-        </p:txBody>
-      </p:sp>
       <p:pic>
         <p:nvPicPr>
-          <p:cNvPr id="40" name="Picture 3" descr="C:\Users\MoritzTheile\Downloads\users_808080_48.png"/>
+          <p:cNvPr id="33" name="Picture 5" descr="C:\Users\MoritzTheile\eclipse_SupeYou\com.supeyou.core.web\src\main\java\com\supeyou\core\web\public\core\images\clipboard-icon.png"/>
           <p:cNvPicPr>
             <a:picLocks noChangeAspect="1" noChangeArrowheads="1"/>
           </p:cNvPicPr>
           <p:nvPr/>
         </p:nvPicPr>
         <p:blipFill>
-          <a:blip r:embed="rId8">
+          <a:blip r:embed="rId8" cstate="print">
             <a:extLst>
               <a:ext uri="{28A0092B-C50C-407E-A947-70E740481C1C}">
                 <a14:useLocalDpi xmlns:a14="http://schemas.microsoft.com/office/drawing/2010/main" val="0"/>
@@ -11978,8 +11456,8 @@
         </p:blipFill>
         <p:spPr bwMode="auto">
           <a:xfrm>
-            <a:off x="946448" y="3017386"/>
-            <a:ext cx="457200" cy="457200"/>
+            <a:off x="3198180" y="3822904"/>
+            <a:ext cx="354250" cy="354250"/>
           </a:xfrm>
           <a:prstGeom prst="rect">
             <a:avLst/>
@@ -11996,6 +11474,215 @@
           </a:extLst>
         </p:spPr>
       </p:pic>
+      <p:sp>
+        <p:nvSpPr>
+          <p:cNvPr id="35" name="Textfeld 34"/>
+          <p:cNvSpPr txBox="1"/>
+          <p:nvPr/>
+        </p:nvSpPr>
+        <p:spPr>
+          <a:xfrm>
+            <a:off x="439229" y="4117055"/>
+            <a:ext cx="966931" cy="261610"/>
+          </a:xfrm>
+          <a:prstGeom prst="rect">
+            <a:avLst/>
+          </a:prstGeom>
+          <a:noFill/>
+        </p:spPr>
+        <p:txBody>
+          <a:bodyPr wrap="none" rtlCol="0">
+            <a:spAutoFit/>
+          </a:bodyPr>
+          <a:lstStyle/>
+          <a:p>
+            <a:r>
+              <a:rPr lang="de-DE" sz="1100" dirty="0" smtClean="0">
+                <a:solidFill>
+                  <a:schemeClr val="bg1">
+                    <a:lumMod val="50000"/>
+                  </a:schemeClr>
+                </a:solidFill>
+              </a:rPr>
+              <a:t>Send as email</a:t>
+            </a:r>
+            <a:endParaRPr lang="en-US" sz="1100" dirty="0">
+              <a:solidFill>
+                <a:schemeClr val="bg1">
+                  <a:lumMod val="50000"/>
+                </a:schemeClr>
+              </a:solidFill>
+            </a:endParaRPr>
+          </a:p>
+        </p:txBody>
+      </p:sp>
+      <p:sp>
+        <p:nvSpPr>
+          <p:cNvPr id="36" name="Textfeld 35"/>
+          <p:cNvSpPr txBox="1"/>
+          <p:nvPr/>
+        </p:nvSpPr>
+        <p:spPr>
+          <a:xfrm>
+            <a:off x="1547664" y="4136482"/>
+            <a:ext cx="1249060" cy="261610"/>
+          </a:xfrm>
+          <a:prstGeom prst="rect">
+            <a:avLst/>
+          </a:prstGeom>
+          <a:noFill/>
+        </p:spPr>
+        <p:txBody>
+          <a:bodyPr wrap="none" rtlCol="0">
+            <a:spAutoFit/>
+          </a:bodyPr>
+          <a:lstStyle/>
+          <a:p>
+            <a:r>
+              <a:rPr lang="de-DE" sz="1100" dirty="0" smtClean="0">
+                <a:solidFill>
+                  <a:schemeClr val="bg1">
+                    <a:lumMod val="50000"/>
+                  </a:schemeClr>
+                </a:solidFill>
+              </a:rPr>
+              <a:t>Send as WhatsApp</a:t>
+            </a:r>
+            <a:endParaRPr lang="en-US" sz="1100" dirty="0">
+              <a:solidFill>
+                <a:schemeClr val="bg1">
+                  <a:lumMod val="50000"/>
+                </a:schemeClr>
+              </a:solidFill>
+            </a:endParaRPr>
+          </a:p>
+        </p:txBody>
+      </p:sp>
+      <p:sp>
+        <p:nvSpPr>
+          <p:cNvPr id="37" name="Textfeld 36"/>
+          <p:cNvSpPr txBox="1"/>
+          <p:nvPr/>
+        </p:nvSpPr>
+        <p:spPr>
+          <a:xfrm>
+            <a:off x="2843808" y="4155909"/>
+            <a:ext cx="1191352" cy="261610"/>
+          </a:xfrm>
+          <a:prstGeom prst="rect">
+            <a:avLst/>
+          </a:prstGeom>
+          <a:noFill/>
+        </p:spPr>
+        <p:txBody>
+          <a:bodyPr wrap="none" rtlCol="0">
+            <a:spAutoFit/>
+          </a:bodyPr>
+          <a:lstStyle/>
+          <a:p>
+            <a:r>
+              <a:rPr lang="de-DE" sz="1100" dirty="0" smtClean="0">
+                <a:solidFill>
+                  <a:schemeClr val="bg1">
+                    <a:lumMod val="50000"/>
+                  </a:schemeClr>
+                </a:solidFill>
+              </a:rPr>
+              <a:t>Copy to clipboard</a:t>
+            </a:r>
+            <a:endParaRPr lang="en-US" sz="1100" dirty="0">
+              <a:solidFill>
+                <a:schemeClr val="bg1">
+                  <a:lumMod val="50000"/>
+                </a:schemeClr>
+              </a:solidFill>
+            </a:endParaRPr>
+          </a:p>
+        </p:txBody>
+      </p:sp>
+      <p:sp>
+        <p:nvSpPr>
+          <p:cNvPr id="39" name="Textfeld 38"/>
+          <p:cNvSpPr txBox="1"/>
+          <p:nvPr/>
+        </p:nvSpPr>
+        <p:spPr>
+          <a:xfrm>
+            <a:off x="1475656" y="5191363"/>
+            <a:ext cx="2150332" cy="338554"/>
+          </a:xfrm>
+          <a:prstGeom prst="rect">
+            <a:avLst/>
+          </a:prstGeom>
+          <a:noFill/>
+        </p:spPr>
+        <p:txBody>
+          <a:bodyPr wrap="none" rtlCol="0">
+            <a:spAutoFit/>
+          </a:bodyPr>
+          <a:lstStyle/>
+          <a:p>
+            <a:r>
+              <a:rPr lang="de-DE" sz="1600" dirty="0" smtClean="0">
+                <a:solidFill>
+                  <a:schemeClr val="bg1">
+                    <a:lumMod val="50000"/>
+                  </a:schemeClr>
+                </a:solidFill>
+              </a:rPr>
+              <a:t>Invite group of persons</a:t>
+            </a:r>
+            <a:endParaRPr lang="en-US" sz="1600" dirty="0">
+              <a:solidFill>
+                <a:schemeClr val="bg1">
+                  <a:lumMod val="50000"/>
+                </a:schemeClr>
+              </a:solidFill>
+            </a:endParaRPr>
+          </a:p>
+        </p:txBody>
+      </p:sp>
+      <p:pic>
+        <p:nvPicPr>
+          <p:cNvPr id="40" name="Picture 3" descr="C:\Users\MoritzTheile\Downloads\users_808080_48.png"/>
+          <p:cNvPicPr>
+            <a:picLocks noChangeAspect="1" noChangeArrowheads="1"/>
+          </p:cNvPicPr>
+          <p:nvPr/>
+        </p:nvPicPr>
+        <p:blipFill>
+          <a:blip r:embed="rId9">
+            <a:extLst>
+              <a:ext uri="{28A0092B-C50C-407E-A947-70E740481C1C}">
+                <a14:useLocalDpi xmlns:a14="http://schemas.microsoft.com/office/drawing/2010/main" val="0"/>
+              </a:ext>
+            </a:extLst>
+          </a:blip>
+          <a:srcRect/>
+          <a:stretch>
+            <a:fillRect/>
+          </a:stretch>
+        </p:blipFill>
+        <p:spPr bwMode="auto">
+          <a:xfrm>
+            <a:off x="946448" y="5132040"/>
+            <a:ext cx="457200" cy="457200"/>
+          </a:xfrm>
+          <a:prstGeom prst="rect">
+            <a:avLst/>
+          </a:prstGeom>
+          <a:noFill/>
+          <a:extLst>
+            <a:ext uri="{909E8E84-426E-40DD-AFC4-6F175D3DCCD1}">
+              <a14:hiddenFill xmlns:a14="http://schemas.microsoft.com/office/drawing/2010/main">
+                <a:solidFill>
+                  <a:srgbClr val="FFFFFF"/>
+                </a:solidFill>
+              </a14:hiddenFill>
+            </a:ext>
+          </a:extLst>
+        </p:spPr>
+      </p:pic>
       <p:cxnSp>
         <p:nvCxnSpPr>
           <p:cNvPr id="12" name="Gerade Verbindung 11"/>
@@ -12004,7 +11691,7 @@
         </p:nvCxnSpPr>
         <p:spPr>
           <a:xfrm flipV="1">
-            <a:off x="1468327" y="1602378"/>
+            <a:off x="1468327" y="3717032"/>
             <a:ext cx="0" cy="628479"/>
           </a:xfrm>
           <a:prstGeom prst="line">
@@ -12036,7 +11723,7 @@
         </p:nvCxnSpPr>
         <p:spPr>
           <a:xfrm flipV="1">
-            <a:off x="2843808" y="1635394"/>
+            <a:off x="2843808" y="3750048"/>
             <a:ext cx="0" cy="536666"/>
           </a:xfrm>
           <a:prstGeom prst="line">
@@ -12066,7 +11753,7 @@
         </p:nvSpPr>
         <p:spPr>
           <a:xfrm>
-            <a:off x="926172" y="980728"/>
+            <a:off x="926172" y="3095382"/>
             <a:ext cx="2601994" cy="261610"/>
           </a:xfrm>
           <a:prstGeom prst="rect">
@@ -12103,66 +11790,25 @@
       </p:sp>
       <p:sp>
         <p:nvSpPr>
-          <p:cNvPr id="34" name="Textfeld 33"/>
-          <p:cNvSpPr txBox="1"/>
+          <p:cNvPr id="29" name="Pfeil nach rechts 28"/>
+          <p:cNvSpPr/>
           <p:nvPr/>
         </p:nvSpPr>
         <p:spPr>
-          <a:xfrm>
-            <a:off x="919443" y="3645024"/>
-            <a:ext cx="2462855" cy="307777"/>
-          </a:xfrm>
-          <a:prstGeom prst="rect">
+          <a:xfrm rot="1133182" flipH="1">
+            <a:off x="990474" y="4006443"/>
+            <a:ext cx="1365475" cy="577622"/>
+          </a:xfrm>
+          <a:prstGeom prst="rightArrow">
             <a:avLst/>
           </a:prstGeom>
-          <a:noFill/>
-        </p:spPr>
-        <p:txBody>
-          <a:bodyPr wrap="none" rtlCol="0">
-            <a:spAutoFit/>
-          </a:bodyPr>
-          <a:lstStyle/>
-          <a:p>
-            <a:pPr algn="ctr"/>
-            <a:r>
-              <a:rPr lang="de-DE" sz="1400" dirty="0" smtClean="0">
-                <a:solidFill>
-                  <a:schemeClr val="bg1">
-                    <a:lumMod val="50000"/>
-                  </a:schemeClr>
-                </a:solidFill>
-              </a:rPr>
-              <a:t>What‘s the name of the group?</a:t>
-            </a:r>
-            <a:endParaRPr lang="en-US" sz="1400" dirty="0">
-              <a:solidFill>
-                <a:schemeClr val="bg1">
-                  <a:lumMod val="50000"/>
-                </a:schemeClr>
-              </a:solidFill>
-            </a:endParaRPr>
-          </a:p>
-        </p:txBody>
-      </p:sp>
-      <p:sp>
-        <p:nvSpPr>
-          <p:cNvPr id="38" name="Abgerundetes Rechteck 37"/>
-          <p:cNvSpPr/>
-          <p:nvPr/>
-        </p:nvSpPr>
-        <p:spPr>
-          <a:xfrm>
-            <a:off x="973141" y="4127594"/>
-            <a:ext cx="2330046" cy="276225"/>
-          </a:xfrm>
-          <a:prstGeom prst="roundRect">
-            <a:avLst/>
-          </a:prstGeom>
-          <a:noFill/>
+          <a:solidFill>
+            <a:srgbClr val="FFFF99"/>
+          </a:solidFill>
           <a:ln>
             <a:solidFill>
               <a:schemeClr val="bg1">
-                <a:lumMod val="85000"/>
+                <a:lumMod val="65000"/>
               </a:schemeClr>
             </a:solidFill>
           </a:ln>
@@ -12184,372 +11830,26 @@
           </a:fontRef>
         </p:style>
         <p:txBody>
-          <a:bodyPr anchor="ctr"/>
-          <a:lstStyle/>
-          <a:p>
-            <a:pPr algn="ctr">
-              <a:defRPr/>
-            </a:pPr>
-            <a:endParaRPr lang="de-CH" sz="1050" dirty="0">
-              <a:solidFill>
-                <a:schemeClr val="accent1">
-                  <a:lumMod val="75000"/>
-                </a:schemeClr>
-              </a:solidFill>
-              <a:latin typeface="Century" pitchFamily="18" charset="0"/>
-              <a:cs typeface="Arial" charset="0"/>
-            </a:endParaRPr>
-          </a:p>
-        </p:txBody>
-      </p:sp>
-      <p:pic>
-        <p:nvPicPr>
-          <p:cNvPr id="42" name="Picture 2" descr="http://127.0.0.1:9999/com.supeyou.app.GWT/core/images/email-icon.png"/>
-          <p:cNvPicPr>
-            <a:picLocks noChangeAspect="1" noChangeArrowheads="1"/>
-          </p:cNvPicPr>
-          <p:nvPr/>
-        </p:nvPicPr>
-        <p:blipFill>
-          <a:blip r:embed="rId5" cstate="print">
-            <a:extLst>
-              <a:ext uri="{28A0092B-C50C-407E-A947-70E740481C1C}">
-                <a14:useLocalDpi xmlns:a14="http://schemas.microsoft.com/office/drawing/2010/main" val="0"/>
-              </a:ext>
-            </a:extLst>
-          </a:blip>
-          <a:srcRect/>
-          <a:stretch>
-            <a:fillRect/>
-          </a:stretch>
-        </p:blipFill>
-        <p:spPr bwMode="auto">
-          <a:xfrm>
-            <a:off x="722260" y="5445364"/>
-            <a:ext cx="347442" cy="347442"/>
-          </a:xfrm>
-          <a:prstGeom prst="rect">
-            <a:avLst/>
-          </a:prstGeom>
-          <a:noFill/>
-          <a:extLst>
-            <a:ext uri="{909E8E84-426E-40DD-AFC4-6F175D3DCCD1}">
-              <a14:hiddenFill xmlns:a14="http://schemas.microsoft.com/office/drawing/2010/main">
-                <a:solidFill>
-                  <a:srgbClr val="FFFFFF"/>
-                </a:solidFill>
-              </a14:hiddenFill>
-            </a:ext>
-          </a:extLst>
-        </p:spPr>
-      </p:pic>
-      <p:pic>
-        <p:nvPicPr>
-          <p:cNvPr id="44" name="Picture 4" descr="http://127.0.0.1:9999/com.supeyou.app.GWT/core/images/whatsapp_logo.jpg"/>
-          <p:cNvPicPr>
-            <a:picLocks noChangeAspect="1" noChangeArrowheads="1"/>
-          </p:cNvPicPr>
-          <p:nvPr/>
-        </p:nvPicPr>
-        <p:blipFill>
-          <a:blip r:embed="rId6" cstate="print">
-            <a:extLst>
-              <a:ext uri="{28A0092B-C50C-407E-A947-70E740481C1C}">
-                <a14:useLocalDpi xmlns:a14="http://schemas.microsoft.com/office/drawing/2010/main" val="0"/>
-              </a:ext>
-            </a:extLst>
-          </a:blip>
-          <a:srcRect/>
-          <a:stretch>
-            <a:fillRect/>
-          </a:stretch>
-        </p:blipFill>
-        <p:spPr bwMode="auto">
-          <a:xfrm>
-            <a:off x="1958158" y="5473030"/>
-            <a:ext cx="350760" cy="359384"/>
-          </a:xfrm>
-          <a:prstGeom prst="rect">
-            <a:avLst/>
-          </a:prstGeom>
-          <a:noFill/>
-          <a:extLst>
-            <a:ext uri="{909E8E84-426E-40DD-AFC4-6F175D3DCCD1}">
-              <a14:hiddenFill xmlns:a14="http://schemas.microsoft.com/office/drawing/2010/main">
-                <a:solidFill>
-                  <a:srgbClr val="FFFFFF"/>
-                </a:solidFill>
-              </a14:hiddenFill>
-            </a:ext>
-          </a:extLst>
-        </p:spPr>
-      </p:pic>
-      <p:pic>
-        <p:nvPicPr>
-          <p:cNvPr id="45" name="Picture 5" descr="C:\Users\MoritzTheile\eclipse_SupeYou\com.supeyou.core.web\src\main\java\com\supeyou\core\web\public\core\images\clipboard-icon.png"/>
-          <p:cNvPicPr>
-            <a:picLocks noChangeAspect="1" noChangeArrowheads="1"/>
-          </p:cNvPicPr>
-          <p:nvPr/>
-        </p:nvPicPr>
-        <p:blipFill>
-          <a:blip r:embed="rId7" cstate="print">
-            <a:extLst>
-              <a:ext uri="{28A0092B-C50C-407E-A947-70E740481C1C}">
-                <a14:useLocalDpi xmlns:a14="http://schemas.microsoft.com/office/drawing/2010/main" val="0"/>
-              </a:ext>
-            </a:extLst>
-          </a:blip>
-          <a:srcRect/>
-          <a:stretch>
-            <a:fillRect/>
-          </a:stretch>
-        </p:blipFill>
-        <p:spPr bwMode="auto">
-          <a:xfrm>
-            <a:off x="3198180" y="5479228"/>
-            <a:ext cx="354250" cy="354250"/>
-          </a:xfrm>
-          <a:prstGeom prst="rect">
-            <a:avLst/>
-          </a:prstGeom>
-          <a:noFill/>
-          <a:extLst>
-            <a:ext uri="{909E8E84-426E-40DD-AFC4-6F175D3DCCD1}">
-              <a14:hiddenFill xmlns:a14="http://schemas.microsoft.com/office/drawing/2010/main">
-                <a:solidFill>
-                  <a:srgbClr val="FFFFFF"/>
-                </a:solidFill>
-              </a14:hiddenFill>
-            </a:ext>
-          </a:extLst>
-        </p:spPr>
-      </p:pic>
-      <p:sp>
-        <p:nvSpPr>
-          <p:cNvPr id="46" name="Textfeld 45"/>
-          <p:cNvSpPr txBox="1"/>
-          <p:nvPr/>
-        </p:nvSpPr>
-        <p:spPr>
-          <a:xfrm>
-            <a:off x="439229" y="5773379"/>
-            <a:ext cx="966931" cy="261610"/>
-          </a:xfrm>
-          <a:prstGeom prst="rect">
-            <a:avLst/>
-          </a:prstGeom>
-          <a:noFill/>
-        </p:spPr>
-        <p:txBody>
-          <a:bodyPr wrap="none" rtlCol="0">
-            <a:spAutoFit/>
-          </a:bodyPr>
-          <a:lstStyle/>
-          <a:p>
-            <a:r>
-              <a:rPr lang="de-DE" sz="1100" dirty="0" smtClean="0">
-                <a:solidFill>
-                  <a:schemeClr val="bg1">
-                    <a:lumMod val="50000"/>
-                  </a:schemeClr>
-                </a:solidFill>
-              </a:rPr>
-              <a:t>Send as email</a:t>
-            </a:r>
-            <a:endParaRPr lang="en-US" sz="1100" dirty="0">
-              <a:solidFill>
-                <a:schemeClr val="bg1">
-                  <a:lumMod val="50000"/>
-                </a:schemeClr>
-              </a:solidFill>
-            </a:endParaRPr>
-          </a:p>
-        </p:txBody>
-      </p:sp>
-      <p:sp>
-        <p:nvSpPr>
-          <p:cNvPr id="47" name="Textfeld 46"/>
-          <p:cNvSpPr txBox="1"/>
-          <p:nvPr/>
-        </p:nvSpPr>
-        <p:spPr>
-          <a:xfrm>
-            <a:off x="1547664" y="5792806"/>
-            <a:ext cx="1249060" cy="261610"/>
-          </a:xfrm>
-          <a:prstGeom prst="rect">
-            <a:avLst/>
-          </a:prstGeom>
-          <a:noFill/>
-        </p:spPr>
-        <p:txBody>
-          <a:bodyPr wrap="none" rtlCol="0">
-            <a:spAutoFit/>
-          </a:bodyPr>
-          <a:lstStyle/>
-          <a:p>
-            <a:r>
-              <a:rPr lang="de-DE" sz="1100" dirty="0" smtClean="0">
-                <a:solidFill>
-                  <a:schemeClr val="bg1">
-                    <a:lumMod val="50000"/>
-                  </a:schemeClr>
-                </a:solidFill>
-              </a:rPr>
-              <a:t>Send as WhatsApp</a:t>
-            </a:r>
-            <a:endParaRPr lang="en-US" sz="1100" dirty="0">
-              <a:solidFill>
-                <a:schemeClr val="bg1">
-                  <a:lumMod val="50000"/>
-                </a:schemeClr>
-              </a:solidFill>
-            </a:endParaRPr>
-          </a:p>
-        </p:txBody>
-      </p:sp>
-      <p:sp>
-        <p:nvSpPr>
-          <p:cNvPr id="48" name="Textfeld 47"/>
-          <p:cNvSpPr txBox="1"/>
-          <p:nvPr/>
-        </p:nvSpPr>
-        <p:spPr>
-          <a:xfrm>
-            <a:off x="2843808" y="5812233"/>
-            <a:ext cx="1191352" cy="261610"/>
-          </a:xfrm>
-          <a:prstGeom prst="rect">
-            <a:avLst/>
-          </a:prstGeom>
-          <a:noFill/>
-        </p:spPr>
-        <p:txBody>
-          <a:bodyPr wrap="none" rtlCol="0">
-            <a:spAutoFit/>
-          </a:bodyPr>
-          <a:lstStyle/>
-          <a:p>
-            <a:r>
-              <a:rPr lang="de-DE" sz="1100" dirty="0" smtClean="0">
-                <a:solidFill>
-                  <a:schemeClr val="bg1">
-                    <a:lumMod val="50000"/>
-                  </a:schemeClr>
-                </a:solidFill>
-              </a:rPr>
-              <a:t>Copy to clipboard</a:t>
-            </a:r>
-            <a:endParaRPr lang="en-US" sz="1100" dirty="0">
-              <a:solidFill>
-                <a:schemeClr val="bg1">
-                  <a:lumMod val="50000"/>
-                </a:schemeClr>
-              </a:solidFill>
-            </a:endParaRPr>
-          </a:p>
-        </p:txBody>
-      </p:sp>
-      <p:cxnSp>
-        <p:nvCxnSpPr>
-          <p:cNvPr id="49" name="Gerade Verbindung 48"/>
-          <p:cNvCxnSpPr/>
-          <p:nvPr/>
-        </p:nvCxnSpPr>
-        <p:spPr>
-          <a:xfrm flipV="1">
-            <a:off x="1468327" y="5373356"/>
-            <a:ext cx="0" cy="628479"/>
-          </a:xfrm>
-          <a:prstGeom prst="line">
-            <a:avLst/>
-          </a:prstGeom>
-        </p:spPr>
-        <p:style>
-          <a:lnRef idx="1">
-            <a:schemeClr val="accent1"/>
-          </a:lnRef>
-          <a:fillRef idx="0">
-            <a:schemeClr val="accent1"/>
-          </a:fillRef>
-          <a:effectRef idx="0">
-            <a:schemeClr val="accent1"/>
-          </a:effectRef>
-          <a:fontRef idx="minor">
-            <a:schemeClr val="tx1"/>
-          </a:fontRef>
-        </p:style>
-      </p:cxnSp>
-      <p:cxnSp>
-        <p:nvCxnSpPr>
-          <p:cNvPr id="50" name="Gerade Verbindung 49"/>
-          <p:cNvCxnSpPr>
-            <a:stCxn id="48" idx="1"/>
-          </p:cNvCxnSpPr>
-          <p:nvPr/>
-        </p:nvCxnSpPr>
-        <p:spPr>
-          <a:xfrm flipV="1">
-            <a:off x="2843808" y="5406372"/>
-            <a:ext cx="0" cy="536666"/>
-          </a:xfrm>
-          <a:prstGeom prst="line">
-            <a:avLst/>
-          </a:prstGeom>
-        </p:spPr>
-        <p:style>
-          <a:lnRef idx="1">
-            <a:schemeClr val="accent1"/>
-          </a:lnRef>
-          <a:fillRef idx="0">
-            <a:schemeClr val="accent1"/>
-          </a:fillRef>
-          <a:effectRef idx="0">
-            <a:schemeClr val="accent1"/>
-          </a:effectRef>
-          <a:fontRef idx="minor">
-            <a:schemeClr val="tx1"/>
-          </a:fontRef>
-        </p:style>
-      </p:cxnSp>
-      <p:sp>
-        <p:nvSpPr>
-          <p:cNvPr id="51" name="Textfeld 50"/>
-          <p:cNvSpPr txBox="1"/>
-          <p:nvPr/>
-        </p:nvSpPr>
-        <p:spPr>
-          <a:xfrm>
-            <a:off x="926172" y="4751706"/>
-            <a:ext cx="2601994" cy="261610"/>
-          </a:xfrm>
-          <a:prstGeom prst="rect">
-            <a:avLst/>
-          </a:prstGeom>
-          <a:noFill/>
-        </p:spPr>
-        <p:txBody>
-          <a:bodyPr wrap="none" rtlCol="0">
-            <a:spAutoFit/>
-          </a:bodyPr>
+          <a:bodyPr rtlCol="0" anchor="ctr"/>
           <a:lstStyle/>
           <a:p>
             <a:pPr algn="ctr"/>
             <a:r>
-              <a:rPr lang="de-DE" sz="1100" dirty="0" smtClean="0">
-                <a:solidFill>
-                  <a:schemeClr val="bg1">
-                    <a:lumMod val="50000"/>
+              <a:rPr lang="de-DE" dirty="0">
+                <a:solidFill>
+                  <a:schemeClr val="tx1">
+                    <a:lumMod val="65000"/>
+                    <a:lumOff val="35000"/>
                   </a:schemeClr>
                 </a:solidFill>
               </a:rPr>
-              <a:t>The name you insert is only for your eyes. </a:t>
+              <a:t>Touch</a:t>
             </a:r>
-            <a:endParaRPr lang="en-US" sz="1100" dirty="0">
+            <a:endParaRPr lang="en-US" dirty="0">
               <a:solidFill>
-                <a:schemeClr val="bg1">
-                  <a:lumMod val="50000"/>
+                <a:schemeClr val="tx1">
+                  <a:lumMod val="65000"/>
+                  <a:lumOff val="35000"/>
                 </a:schemeClr>
               </a:solidFill>
             </a:endParaRPr>
@@ -12559,7 +11859,7 @@
     </p:spTree>
     <p:extLst>
       <p:ext uri="{BB962C8B-B14F-4D97-AF65-F5344CB8AC3E}">
-        <p14:creationId xmlns:p14="http://schemas.microsoft.com/office/powerpoint/2010/main" val="4018396943"/>
+        <p14:creationId xmlns:p14="http://schemas.microsoft.com/office/powerpoint/2010/main" val="2258088653"/>
       </p:ext>
     </p:extLst>
   </p:cSld>
@@ -12899,7 +12199,7 @@
         </p:nvSpPr>
         <p:spPr>
           <a:xfrm>
-            <a:off x="4427984" y="4149080"/>
+            <a:off x="4427984" y="4437112"/>
             <a:ext cx="732188" cy="307777"/>
           </a:xfrm>
           <a:prstGeom prst="rect">
@@ -13096,51 +12396,316 @@
           </a:p>
         </p:txBody>
       </p:sp>
-      <p:sp>
-        <p:nvSpPr>
-          <p:cNvPr id="16" name="Textfeld 15"/>
-          <p:cNvSpPr txBox="1"/>
-          <p:nvPr/>
-        </p:nvSpPr>
+      <p:cxnSp>
+        <p:nvCxnSpPr>
+          <p:cNvPr id="23" name="Gerade Verbindung 22"/>
+          <p:cNvCxnSpPr/>
+          <p:nvPr/>
+        </p:nvCxnSpPr>
         <p:spPr>
           <a:xfrm>
-            <a:off x="755576" y="1263930"/>
-            <a:ext cx="2880320" cy="830997"/>
+            <a:off x="395536" y="2682498"/>
+            <a:ext cx="3600000" cy="0"/>
+          </a:xfrm>
+          <a:prstGeom prst="line">
+            <a:avLst/>
+          </a:prstGeom>
+        </p:spPr>
+        <p:style>
+          <a:lnRef idx="1">
+            <a:schemeClr val="accent1"/>
+          </a:lnRef>
+          <a:fillRef idx="0">
+            <a:schemeClr val="accent1"/>
+          </a:fillRef>
+          <a:effectRef idx="0">
+            <a:schemeClr val="accent1"/>
+          </a:effectRef>
+          <a:fontRef idx="minor">
+            <a:schemeClr val="tx1"/>
+          </a:fontRef>
+        </p:style>
+      </p:cxnSp>
+      <p:pic>
+        <p:nvPicPr>
+          <p:cNvPr id="31" name="Picture 2" descr="http://127.0.0.1:9999/com.supeyou.app.GWT/core/images/email-icon.png"/>
+          <p:cNvPicPr>
+            <a:picLocks noChangeAspect="1" noChangeArrowheads="1"/>
+          </p:cNvPicPr>
+          <p:nvPr/>
+        </p:nvPicPr>
+        <p:blipFill>
+          <a:blip r:embed="rId5" cstate="print">
+            <a:extLst>
+              <a:ext uri="{28A0092B-C50C-407E-A947-70E740481C1C}">
+                <a14:useLocalDpi xmlns:a14="http://schemas.microsoft.com/office/drawing/2010/main" val="0"/>
+              </a:ext>
+            </a:extLst>
+          </a:blip>
+          <a:srcRect/>
+          <a:stretch>
+            <a:fillRect/>
+          </a:stretch>
+        </p:blipFill>
+        <p:spPr bwMode="auto">
+          <a:xfrm>
+            <a:off x="722260" y="1674386"/>
+            <a:ext cx="347442" cy="347442"/>
           </a:xfrm>
           <a:prstGeom prst="rect">
             <a:avLst/>
           </a:prstGeom>
           <a:noFill/>
+          <a:extLst>
+            <a:ext uri="{909E8E84-426E-40DD-AFC4-6F175D3DCCD1}">
+              <a14:hiddenFill xmlns:a14="http://schemas.microsoft.com/office/drawing/2010/main">
+                <a:solidFill>
+                  <a:srgbClr val="FFFFFF"/>
+                </a:solidFill>
+              </a14:hiddenFill>
+            </a:ext>
+          </a:extLst>
+        </p:spPr>
+      </p:pic>
+      <p:pic>
+        <p:nvPicPr>
+          <p:cNvPr id="32" name="Picture 4" descr="http://127.0.0.1:9999/com.supeyou.app.GWT/core/images/whatsapp_logo.jpg"/>
+          <p:cNvPicPr>
+            <a:picLocks noChangeAspect="1" noChangeArrowheads="1"/>
+          </p:cNvPicPr>
+          <p:nvPr/>
+        </p:nvPicPr>
+        <p:blipFill>
+          <a:blip r:embed="rId6" cstate="print">
+            <a:extLst>
+              <a:ext uri="{28A0092B-C50C-407E-A947-70E740481C1C}">
+                <a14:useLocalDpi xmlns:a14="http://schemas.microsoft.com/office/drawing/2010/main" val="0"/>
+              </a:ext>
+            </a:extLst>
+          </a:blip>
+          <a:srcRect/>
+          <a:stretch>
+            <a:fillRect/>
+          </a:stretch>
+        </p:blipFill>
+        <p:spPr bwMode="auto">
+          <a:xfrm>
+            <a:off x="1958158" y="1702052"/>
+            <a:ext cx="350760" cy="359384"/>
+          </a:xfrm>
+          <a:prstGeom prst="rect">
+            <a:avLst/>
+          </a:prstGeom>
+          <a:noFill/>
+          <a:extLst>
+            <a:ext uri="{909E8E84-426E-40DD-AFC4-6F175D3DCCD1}">
+              <a14:hiddenFill xmlns:a14="http://schemas.microsoft.com/office/drawing/2010/main">
+                <a:solidFill>
+                  <a:srgbClr val="FFFFFF"/>
+                </a:solidFill>
+              </a14:hiddenFill>
+            </a:ext>
+          </a:extLst>
+        </p:spPr>
+      </p:pic>
+      <p:pic>
+        <p:nvPicPr>
+          <p:cNvPr id="33" name="Picture 5" descr="C:\Users\MoritzTheile\eclipse_SupeYou\com.supeyou.core.web\src\main\java\com\supeyou\core\web\public\core\images\clipboard-icon.png"/>
+          <p:cNvPicPr>
+            <a:picLocks noChangeAspect="1" noChangeArrowheads="1"/>
+          </p:cNvPicPr>
+          <p:nvPr/>
+        </p:nvPicPr>
+        <p:blipFill>
+          <a:blip r:embed="rId7" cstate="print">
+            <a:extLst>
+              <a:ext uri="{28A0092B-C50C-407E-A947-70E740481C1C}">
+                <a14:useLocalDpi xmlns:a14="http://schemas.microsoft.com/office/drawing/2010/main" val="0"/>
+              </a:ext>
+            </a:extLst>
+          </a:blip>
+          <a:srcRect/>
+          <a:stretch>
+            <a:fillRect/>
+          </a:stretch>
+        </p:blipFill>
+        <p:spPr bwMode="auto">
+          <a:xfrm>
+            <a:off x="3198180" y="1708250"/>
+            <a:ext cx="354250" cy="354250"/>
+          </a:xfrm>
+          <a:prstGeom prst="rect">
+            <a:avLst/>
+          </a:prstGeom>
+          <a:noFill/>
+          <a:extLst>
+            <a:ext uri="{909E8E84-426E-40DD-AFC4-6F175D3DCCD1}">
+              <a14:hiddenFill xmlns:a14="http://schemas.microsoft.com/office/drawing/2010/main">
+                <a:solidFill>
+                  <a:srgbClr val="FFFFFF"/>
+                </a:solidFill>
+              </a14:hiddenFill>
+            </a:ext>
+          </a:extLst>
+        </p:spPr>
+      </p:pic>
+      <p:sp>
+        <p:nvSpPr>
+          <p:cNvPr id="35" name="Textfeld 34"/>
+          <p:cNvSpPr txBox="1"/>
+          <p:nvPr/>
+        </p:nvSpPr>
+        <p:spPr>
+          <a:xfrm>
+            <a:off x="439229" y="2002401"/>
+            <a:ext cx="966931" cy="261610"/>
+          </a:xfrm>
+          <a:prstGeom prst="rect">
+            <a:avLst/>
+          </a:prstGeom>
+          <a:noFill/>
         </p:spPr>
         <p:txBody>
-          <a:bodyPr wrap="square" rtlCol="0">
+          <a:bodyPr wrap="none" rtlCol="0">
             <a:spAutoFit/>
           </a:bodyPr>
           <a:lstStyle/>
           <a:p>
-            <a:pPr algn="ctr"/>
             <a:r>
-              <a:rPr lang="de-DE" sz="1600" dirty="0" smtClean="0">
+              <a:rPr lang="de-DE" sz="1100" dirty="0" smtClean="0">
                 <a:solidFill>
                   <a:schemeClr val="bg1">
                     <a:lumMod val="50000"/>
                   </a:schemeClr>
                 </a:solidFill>
               </a:rPr>
-              <a:t>To see where your clicks come from you can name your link.</a:t>
+              <a:t>Send as email</a:t>
             </a:r>
-          </a:p>
-          <a:p>
-            <a:pPr algn="ctr"/>
+            <a:endParaRPr lang="en-US" sz="1100" dirty="0">
+              <a:solidFill>
+                <a:schemeClr val="bg1">
+                  <a:lumMod val="50000"/>
+                </a:schemeClr>
+              </a:solidFill>
+            </a:endParaRPr>
+          </a:p>
+        </p:txBody>
+      </p:sp>
+      <p:sp>
+        <p:nvSpPr>
+          <p:cNvPr id="36" name="Textfeld 35"/>
+          <p:cNvSpPr txBox="1"/>
+          <p:nvPr/>
+        </p:nvSpPr>
+        <p:spPr>
+          <a:xfrm>
+            <a:off x="1547664" y="2021828"/>
+            <a:ext cx="1249060" cy="261610"/>
+          </a:xfrm>
+          <a:prstGeom prst="rect">
+            <a:avLst/>
+          </a:prstGeom>
+          <a:noFill/>
+        </p:spPr>
+        <p:txBody>
+          <a:bodyPr wrap="none" rtlCol="0">
+            <a:spAutoFit/>
+          </a:bodyPr>
+          <a:lstStyle/>
+          <a:p>
             <a:r>
-              <a:rPr lang="de-DE" sz="1600" dirty="0" smtClean="0">
+              <a:rPr lang="de-DE" sz="1100" dirty="0" smtClean="0">
                 <a:solidFill>
                   <a:schemeClr val="bg1">
                     <a:lumMod val="50000"/>
                   </a:schemeClr>
                 </a:solidFill>
               </a:rPr>
-              <a:t>(e.g. link on facebook)</a:t>
+              <a:t>Send as WhatsApp</a:t>
+            </a:r>
+            <a:endParaRPr lang="en-US" sz="1100" dirty="0">
+              <a:solidFill>
+                <a:schemeClr val="bg1">
+                  <a:lumMod val="50000"/>
+                </a:schemeClr>
+              </a:solidFill>
+            </a:endParaRPr>
+          </a:p>
+        </p:txBody>
+      </p:sp>
+      <p:sp>
+        <p:nvSpPr>
+          <p:cNvPr id="37" name="Textfeld 36"/>
+          <p:cNvSpPr txBox="1"/>
+          <p:nvPr/>
+        </p:nvSpPr>
+        <p:spPr>
+          <a:xfrm>
+            <a:off x="2843808" y="2041255"/>
+            <a:ext cx="1191352" cy="261610"/>
+          </a:xfrm>
+          <a:prstGeom prst="rect">
+            <a:avLst/>
+          </a:prstGeom>
+          <a:noFill/>
+        </p:spPr>
+        <p:txBody>
+          <a:bodyPr wrap="none" rtlCol="0">
+            <a:spAutoFit/>
+          </a:bodyPr>
+          <a:lstStyle/>
+          <a:p>
+            <a:r>
+              <a:rPr lang="de-DE" sz="1100" dirty="0" smtClean="0">
+                <a:solidFill>
+                  <a:schemeClr val="bg1">
+                    <a:lumMod val="50000"/>
+                  </a:schemeClr>
+                </a:solidFill>
+              </a:rPr>
+              <a:t>Copy to clipboard</a:t>
+            </a:r>
+            <a:endParaRPr lang="en-US" sz="1100" dirty="0">
+              <a:solidFill>
+                <a:schemeClr val="bg1">
+                  <a:lumMod val="50000"/>
+                </a:schemeClr>
+              </a:solidFill>
+            </a:endParaRPr>
+          </a:p>
+        </p:txBody>
+      </p:sp>
+      <p:sp>
+        <p:nvSpPr>
+          <p:cNvPr id="39" name="Textfeld 38"/>
+          <p:cNvSpPr txBox="1"/>
+          <p:nvPr/>
+        </p:nvSpPr>
+        <p:spPr>
+          <a:xfrm>
+            <a:off x="1475656" y="3076709"/>
+            <a:ext cx="2150332" cy="338554"/>
+          </a:xfrm>
+          <a:prstGeom prst="rect">
+            <a:avLst/>
+          </a:prstGeom>
+          <a:noFill/>
+        </p:spPr>
+        <p:txBody>
+          <a:bodyPr wrap="none" rtlCol="0">
+            <a:spAutoFit/>
+          </a:bodyPr>
+          <a:lstStyle/>
+          <a:p>
+            <a:r>
+              <a:rPr lang="de-DE" sz="1600" dirty="0" smtClean="0">
+                <a:solidFill>
+                  <a:schemeClr val="bg1">
+                    <a:lumMod val="50000"/>
+                  </a:schemeClr>
+                </a:solidFill>
+              </a:rPr>
+              <a:t>Invite group of persons</a:t>
             </a:r>
             <a:endParaRPr lang="en-US" sz="1600" dirty="0">
               <a:solidFill>
@@ -13152,15 +12717,204 @@
           </a:p>
         </p:txBody>
       </p:sp>
+      <p:pic>
+        <p:nvPicPr>
+          <p:cNvPr id="40" name="Picture 3" descr="C:\Users\MoritzTheile\Downloads\users_808080_48.png"/>
+          <p:cNvPicPr>
+            <a:picLocks noChangeAspect="1" noChangeArrowheads="1"/>
+          </p:cNvPicPr>
+          <p:nvPr/>
+        </p:nvPicPr>
+        <p:blipFill>
+          <a:blip r:embed="rId8">
+            <a:extLst>
+              <a:ext uri="{28A0092B-C50C-407E-A947-70E740481C1C}">
+                <a14:useLocalDpi xmlns:a14="http://schemas.microsoft.com/office/drawing/2010/main" val="0"/>
+              </a:ext>
+            </a:extLst>
+          </a:blip>
+          <a:srcRect/>
+          <a:stretch>
+            <a:fillRect/>
+          </a:stretch>
+        </p:blipFill>
+        <p:spPr bwMode="auto">
+          <a:xfrm>
+            <a:off x="946448" y="3017386"/>
+            <a:ext cx="457200" cy="457200"/>
+          </a:xfrm>
+          <a:prstGeom prst="rect">
+            <a:avLst/>
+          </a:prstGeom>
+          <a:noFill/>
+          <a:extLst>
+            <a:ext uri="{909E8E84-426E-40DD-AFC4-6F175D3DCCD1}">
+              <a14:hiddenFill xmlns:a14="http://schemas.microsoft.com/office/drawing/2010/main">
+                <a:solidFill>
+                  <a:srgbClr val="FFFFFF"/>
+                </a:solidFill>
+              </a14:hiddenFill>
+            </a:ext>
+          </a:extLst>
+        </p:spPr>
+      </p:pic>
+      <p:cxnSp>
+        <p:nvCxnSpPr>
+          <p:cNvPr id="12" name="Gerade Verbindung 11"/>
+          <p:cNvCxnSpPr/>
+          <p:nvPr/>
+        </p:nvCxnSpPr>
+        <p:spPr>
+          <a:xfrm flipV="1">
+            <a:off x="1468327" y="1602378"/>
+            <a:ext cx="0" cy="628479"/>
+          </a:xfrm>
+          <a:prstGeom prst="line">
+            <a:avLst/>
+          </a:prstGeom>
+        </p:spPr>
+        <p:style>
+          <a:lnRef idx="1">
+            <a:schemeClr val="accent1"/>
+          </a:lnRef>
+          <a:fillRef idx="0">
+            <a:schemeClr val="accent1"/>
+          </a:fillRef>
+          <a:effectRef idx="0">
+            <a:schemeClr val="accent1"/>
+          </a:effectRef>
+          <a:fontRef idx="minor">
+            <a:schemeClr val="tx1"/>
+          </a:fontRef>
+        </p:style>
+      </p:cxnSp>
+      <p:cxnSp>
+        <p:nvCxnSpPr>
+          <p:cNvPr id="41" name="Gerade Verbindung 40"/>
+          <p:cNvCxnSpPr>
+            <a:stCxn id="37" idx="1"/>
+          </p:cNvCxnSpPr>
+          <p:nvPr/>
+        </p:nvCxnSpPr>
+        <p:spPr>
+          <a:xfrm flipV="1">
+            <a:off x="2843808" y="1635394"/>
+            <a:ext cx="0" cy="536666"/>
+          </a:xfrm>
+          <a:prstGeom prst="line">
+            <a:avLst/>
+          </a:prstGeom>
+        </p:spPr>
+        <p:style>
+          <a:lnRef idx="1">
+            <a:schemeClr val="accent1"/>
+          </a:lnRef>
+          <a:fillRef idx="0">
+            <a:schemeClr val="accent1"/>
+          </a:fillRef>
+          <a:effectRef idx="0">
+            <a:schemeClr val="accent1"/>
+          </a:effectRef>
+          <a:fontRef idx="minor">
+            <a:schemeClr val="tx1"/>
+          </a:fontRef>
+        </p:style>
+      </p:cxnSp>
       <p:sp>
         <p:nvSpPr>
-          <p:cNvPr id="22" name="Abgerundetes Rechteck 21"/>
-          <p:cNvSpPr/>
+          <p:cNvPr id="43" name="Textfeld 42"/>
+          <p:cNvSpPr txBox="1"/>
           <p:nvPr/>
         </p:nvSpPr>
         <p:spPr>
           <a:xfrm>
-            <a:off x="973141" y="2432695"/>
+            <a:off x="926172" y="980728"/>
+            <a:ext cx="2601994" cy="261610"/>
+          </a:xfrm>
+          <a:prstGeom prst="rect">
+            <a:avLst/>
+          </a:prstGeom>
+          <a:noFill/>
+        </p:spPr>
+        <p:txBody>
+          <a:bodyPr wrap="none" rtlCol="0">
+            <a:spAutoFit/>
+          </a:bodyPr>
+          <a:lstStyle/>
+          <a:p>
+            <a:pPr algn="ctr"/>
+            <a:r>
+              <a:rPr lang="de-DE" sz="1100" dirty="0" smtClean="0">
+                <a:solidFill>
+                  <a:schemeClr val="bg1">
+                    <a:lumMod val="50000"/>
+                  </a:schemeClr>
+                </a:solidFill>
+              </a:rPr>
+              <a:t>The name you insert is only for your eyes. </a:t>
+            </a:r>
+            <a:endParaRPr lang="en-US" sz="1100" dirty="0">
+              <a:solidFill>
+                <a:schemeClr val="bg1">
+                  <a:lumMod val="50000"/>
+                </a:schemeClr>
+              </a:solidFill>
+            </a:endParaRPr>
+          </a:p>
+        </p:txBody>
+      </p:sp>
+      <p:sp>
+        <p:nvSpPr>
+          <p:cNvPr id="34" name="Textfeld 33"/>
+          <p:cNvSpPr txBox="1"/>
+          <p:nvPr/>
+        </p:nvSpPr>
+        <p:spPr>
+          <a:xfrm>
+            <a:off x="919443" y="3645024"/>
+            <a:ext cx="2462855" cy="307777"/>
+          </a:xfrm>
+          <a:prstGeom prst="rect">
+            <a:avLst/>
+          </a:prstGeom>
+          <a:noFill/>
+        </p:spPr>
+        <p:txBody>
+          <a:bodyPr wrap="none" rtlCol="0">
+            <a:spAutoFit/>
+          </a:bodyPr>
+          <a:lstStyle/>
+          <a:p>
+            <a:pPr algn="ctr"/>
+            <a:r>
+              <a:rPr lang="de-DE" sz="1400" dirty="0" smtClean="0">
+                <a:solidFill>
+                  <a:schemeClr val="bg1">
+                    <a:lumMod val="50000"/>
+                  </a:schemeClr>
+                </a:solidFill>
+              </a:rPr>
+              <a:t>What‘s the name of the group?</a:t>
+            </a:r>
+            <a:endParaRPr lang="en-US" sz="1400" dirty="0">
+              <a:solidFill>
+                <a:schemeClr val="bg1">
+                  <a:lumMod val="50000"/>
+                </a:schemeClr>
+              </a:solidFill>
+            </a:endParaRPr>
+          </a:p>
+        </p:txBody>
+      </p:sp>
+      <p:sp>
+        <p:nvSpPr>
+          <p:cNvPr id="38" name="Abgerundetes Rechteck 37"/>
+          <p:cNvSpPr/>
+          <p:nvPr/>
+        </p:nvSpPr>
+        <p:spPr>
+          <a:xfrm>
+            <a:off x="973141" y="4127594"/>
             <a:ext cx="2330046" cy="276225"/>
           </a:xfrm>
           <a:prstGeom prst="roundRect">
@@ -13210,62 +12964,364 @@
           </a:p>
         </p:txBody>
       </p:sp>
+      <p:pic>
+        <p:nvPicPr>
+          <p:cNvPr id="42" name="Picture 2" descr="http://127.0.0.1:9999/com.supeyou.app.GWT/core/images/email-icon.png"/>
+          <p:cNvPicPr>
+            <a:picLocks noChangeAspect="1" noChangeArrowheads="1"/>
+          </p:cNvPicPr>
+          <p:nvPr/>
+        </p:nvPicPr>
+        <p:blipFill>
+          <a:blip r:embed="rId5" cstate="print">
+            <a:extLst>
+              <a:ext uri="{28A0092B-C50C-407E-A947-70E740481C1C}">
+                <a14:useLocalDpi xmlns:a14="http://schemas.microsoft.com/office/drawing/2010/main" val="0"/>
+              </a:ext>
+            </a:extLst>
+          </a:blip>
+          <a:srcRect/>
+          <a:stretch>
+            <a:fillRect/>
+          </a:stretch>
+        </p:blipFill>
+        <p:spPr bwMode="auto">
+          <a:xfrm>
+            <a:off x="722260" y="5445364"/>
+            <a:ext cx="347442" cy="347442"/>
+          </a:xfrm>
+          <a:prstGeom prst="rect">
+            <a:avLst/>
+          </a:prstGeom>
+          <a:noFill/>
+          <a:extLst>
+            <a:ext uri="{909E8E84-426E-40DD-AFC4-6F175D3DCCD1}">
+              <a14:hiddenFill xmlns:a14="http://schemas.microsoft.com/office/drawing/2010/main">
+                <a:solidFill>
+                  <a:srgbClr val="FFFFFF"/>
+                </a:solidFill>
+              </a14:hiddenFill>
+            </a:ext>
+          </a:extLst>
+        </p:spPr>
+      </p:pic>
+      <p:pic>
+        <p:nvPicPr>
+          <p:cNvPr id="44" name="Picture 4" descr="http://127.0.0.1:9999/com.supeyou.app.GWT/core/images/whatsapp_logo.jpg"/>
+          <p:cNvPicPr>
+            <a:picLocks noChangeAspect="1" noChangeArrowheads="1"/>
+          </p:cNvPicPr>
+          <p:nvPr/>
+        </p:nvPicPr>
+        <p:blipFill>
+          <a:blip r:embed="rId6" cstate="print">
+            <a:extLst>
+              <a:ext uri="{28A0092B-C50C-407E-A947-70E740481C1C}">
+                <a14:useLocalDpi xmlns:a14="http://schemas.microsoft.com/office/drawing/2010/main" val="0"/>
+              </a:ext>
+            </a:extLst>
+          </a:blip>
+          <a:srcRect/>
+          <a:stretch>
+            <a:fillRect/>
+          </a:stretch>
+        </p:blipFill>
+        <p:spPr bwMode="auto">
+          <a:xfrm>
+            <a:off x="1958158" y="5473030"/>
+            <a:ext cx="350760" cy="359384"/>
+          </a:xfrm>
+          <a:prstGeom prst="rect">
+            <a:avLst/>
+          </a:prstGeom>
+          <a:noFill/>
+          <a:extLst>
+            <a:ext uri="{909E8E84-426E-40DD-AFC4-6F175D3DCCD1}">
+              <a14:hiddenFill xmlns:a14="http://schemas.microsoft.com/office/drawing/2010/main">
+                <a:solidFill>
+                  <a:srgbClr val="FFFFFF"/>
+                </a:solidFill>
+              </a14:hiddenFill>
+            </a:ext>
+          </a:extLst>
+        </p:spPr>
+      </p:pic>
+      <p:pic>
+        <p:nvPicPr>
+          <p:cNvPr id="45" name="Picture 5" descr="C:\Users\MoritzTheile\eclipse_SupeYou\com.supeyou.core.web\src\main\java\com\supeyou\core\web\public\core\images\clipboard-icon.png"/>
+          <p:cNvPicPr>
+            <a:picLocks noChangeAspect="1" noChangeArrowheads="1"/>
+          </p:cNvPicPr>
+          <p:nvPr/>
+        </p:nvPicPr>
+        <p:blipFill>
+          <a:blip r:embed="rId7" cstate="print">
+            <a:extLst>
+              <a:ext uri="{28A0092B-C50C-407E-A947-70E740481C1C}">
+                <a14:useLocalDpi xmlns:a14="http://schemas.microsoft.com/office/drawing/2010/main" val="0"/>
+              </a:ext>
+            </a:extLst>
+          </a:blip>
+          <a:srcRect/>
+          <a:stretch>
+            <a:fillRect/>
+          </a:stretch>
+        </p:blipFill>
+        <p:spPr bwMode="auto">
+          <a:xfrm>
+            <a:off x="3198180" y="5479228"/>
+            <a:ext cx="354250" cy="354250"/>
+          </a:xfrm>
+          <a:prstGeom prst="rect">
+            <a:avLst/>
+          </a:prstGeom>
+          <a:noFill/>
+          <a:extLst>
+            <a:ext uri="{909E8E84-426E-40DD-AFC4-6F175D3DCCD1}">
+              <a14:hiddenFill xmlns:a14="http://schemas.microsoft.com/office/drawing/2010/main">
+                <a:solidFill>
+                  <a:srgbClr val="FFFFFF"/>
+                </a:solidFill>
+              </a14:hiddenFill>
+            </a:ext>
+          </a:extLst>
+        </p:spPr>
+      </p:pic>
       <p:sp>
         <p:nvSpPr>
-          <p:cNvPr id="25" name="Abgerundetes Rechteck 24"/>
-          <p:cNvSpPr/>
+          <p:cNvPr id="46" name="Textfeld 45"/>
+          <p:cNvSpPr txBox="1"/>
           <p:nvPr/>
         </p:nvSpPr>
         <p:spPr>
           <a:xfrm>
-            <a:off x="918273" y="3140968"/>
-            <a:ext cx="2560290" cy="319680"/>
-          </a:xfrm>
-          <a:prstGeom prst="roundRect">
-            <a:avLst>
-              <a:gd name="adj" fmla="val 32893"/>
-            </a:avLst>
+            <a:off x="439229" y="5773379"/>
+            <a:ext cx="966931" cy="261610"/>
+          </a:xfrm>
+          <a:prstGeom prst="rect">
+            <a:avLst/>
           </a:prstGeom>
-          <a:solidFill>
-            <a:srgbClr val="0099FF"/>
-          </a:solidFill>
-          <a:ln>
-            <a:noFill/>
-          </a:ln>
+          <a:noFill/>
+        </p:spPr>
+        <p:txBody>
+          <a:bodyPr wrap="none" rtlCol="0">
+            <a:spAutoFit/>
+          </a:bodyPr>
+          <a:lstStyle/>
+          <a:p>
+            <a:r>
+              <a:rPr lang="de-DE" sz="1100" dirty="0" smtClean="0">
+                <a:solidFill>
+                  <a:schemeClr val="bg1">
+                    <a:lumMod val="50000"/>
+                  </a:schemeClr>
+                </a:solidFill>
+              </a:rPr>
+              <a:t>Send as email</a:t>
+            </a:r>
+            <a:endParaRPr lang="en-US" sz="1100" dirty="0">
+              <a:solidFill>
+                <a:schemeClr val="bg1">
+                  <a:lumMod val="50000"/>
+                </a:schemeClr>
+              </a:solidFill>
+            </a:endParaRPr>
+          </a:p>
+        </p:txBody>
+      </p:sp>
+      <p:sp>
+        <p:nvSpPr>
+          <p:cNvPr id="47" name="Textfeld 46"/>
+          <p:cNvSpPr txBox="1"/>
+          <p:nvPr/>
+        </p:nvSpPr>
+        <p:spPr>
+          <a:xfrm>
+            <a:off x="1547664" y="5792806"/>
+            <a:ext cx="1249060" cy="261610"/>
+          </a:xfrm>
+          <a:prstGeom prst="rect">
+            <a:avLst/>
+          </a:prstGeom>
+          <a:noFill/>
+        </p:spPr>
+        <p:txBody>
+          <a:bodyPr wrap="none" rtlCol="0">
+            <a:spAutoFit/>
+          </a:bodyPr>
+          <a:lstStyle/>
+          <a:p>
+            <a:r>
+              <a:rPr lang="de-DE" sz="1100" dirty="0" smtClean="0">
+                <a:solidFill>
+                  <a:schemeClr val="bg1">
+                    <a:lumMod val="50000"/>
+                  </a:schemeClr>
+                </a:solidFill>
+              </a:rPr>
+              <a:t>Send as WhatsApp</a:t>
+            </a:r>
+            <a:endParaRPr lang="en-US" sz="1100" dirty="0">
+              <a:solidFill>
+                <a:schemeClr val="bg1">
+                  <a:lumMod val="50000"/>
+                </a:schemeClr>
+              </a:solidFill>
+            </a:endParaRPr>
+          </a:p>
+        </p:txBody>
+      </p:sp>
+      <p:sp>
+        <p:nvSpPr>
+          <p:cNvPr id="48" name="Textfeld 47"/>
+          <p:cNvSpPr txBox="1"/>
+          <p:nvPr/>
+        </p:nvSpPr>
+        <p:spPr>
+          <a:xfrm>
+            <a:off x="2843808" y="5812233"/>
+            <a:ext cx="1191352" cy="261610"/>
+          </a:xfrm>
+          <a:prstGeom prst="rect">
+            <a:avLst/>
+          </a:prstGeom>
+          <a:noFill/>
+        </p:spPr>
+        <p:txBody>
+          <a:bodyPr wrap="none" rtlCol="0">
+            <a:spAutoFit/>
+          </a:bodyPr>
+          <a:lstStyle/>
+          <a:p>
+            <a:r>
+              <a:rPr lang="de-DE" sz="1100" dirty="0" smtClean="0">
+                <a:solidFill>
+                  <a:schemeClr val="bg1">
+                    <a:lumMod val="50000"/>
+                  </a:schemeClr>
+                </a:solidFill>
+              </a:rPr>
+              <a:t>Copy to clipboard</a:t>
+            </a:r>
+            <a:endParaRPr lang="en-US" sz="1100" dirty="0">
+              <a:solidFill>
+                <a:schemeClr val="bg1">
+                  <a:lumMod val="50000"/>
+                </a:schemeClr>
+              </a:solidFill>
+            </a:endParaRPr>
+          </a:p>
+        </p:txBody>
+      </p:sp>
+      <p:cxnSp>
+        <p:nvCxnSpPr>
+          <p:cNvPr id="49" name="Gerade Verbindung 48"/>
+          <p:cNvCxnSpPr/>
+          <p:nvPr/>
+        </p:nvCxnSpPr>
+        <p:spPr>
+          <a:xfrm flipV="1">
+            <a:off x="1468327" y="5373356"/>
+            <a:ext cx="0" cy="628479"/>
+          </a:xfrm>
+          <a:prstGeom prst="line">
+            <a:avLst/>
+          </a:prstGeom>
         </p:spPr>
         <p:style>
-          <a:lnRef idx="2">
-            <a:schemeClr val="accent1">
-              <a:shade val="50000"/>
-            </a:schemeClr>
+          <a:lnRef idx="1">
+            <a:schemeClr val="accent1"/>
           </a:lnRef>
-          <a:fillRef idx="1">
+          <a:fillRef idx="0">
             <a:schemeClr val="accent1"/>
           </a:fillRef>
           <a:effectRef idx="0">
             <a:schemeClr val="accent1"/>
           </a:effectRef>
           <a:fontRef idx="minor">
-            <a:schemeClr val="lt1"/>
+            <a:schemeClr val="tx1"/>
           </a:fontRef>
         </p:style>
+      </p:cxnSp>
+      <p:cxnSp>
+        <p:nvCxnSpPr>
+          <p:cNvPr id="50" name="Gerade Verbindung 49"/>
+          <p:cNvCxnSpPr>
+            <a:stCxn id="48" idx="1"/>
+          </p:cNvCxnSpPr>
+          <p:nvPr/>
+        </p:nvCxnSpPr>
+        <p:spPr>
+          <a:xfrm flipV="1">
+            <a:off x="2843808" y="5406372"/>
+            <a:ext cx="0" cy="536666"/>
+          </a:xfrm>
+          <a:prstGeom prst="line">
+            <a:avLst/>
+          </a:prstGeom>
+        </p:spPr>
+        <p:style>
+          <a:lnRef idx="1">
+            <a:schemeClr val="accent1"/>
+          </a:lnRef>
+          <a:fillRef idx="0">
+            <a:schemeClr val="accent1"/>
+          </a:fillRef>
+          <a:effectRef idx="0">
+            <a:schemeClr val="accent1"/>
+          </a:effectRef>
+          <a:fontRef idx="minor">
+            <a:schemeClr val="tx1"/>
+          </a:fontRef>
+        </p:style>
+      </p:cxnSp>
+      <p:sp>
+        <p:nvSpPr>
+          <p:cNvPr id="51" name="Textfeld 50"/>
+          <p:cNvSpPr txBox="1"/>
+          <p:nvPr/>
+        </p:nvSpPr>
+        <p:spPr>
+          <a:xfrm>
+            <a:off x="926172" y="4751706"/>
+            <a:ext cx="2601994" cy="261610"/>
+          </a:xfrm>
+          <a:prstGeom prst="rect">
+            <a:avLst/>
+          </a:prstGeom>
+          <a:noFill/>
+        </p:spPr>
         <p:txBody>
-          <a:bodyPr rtlCol="0" anchor="ctr"/>
+          <a:bodyPr wrap="none" rtlCol="0">
+            <a:spAutoFit/>
+          </a:bodyPr>
           <a:lstStyle/>
           <a:p>
             <a:pPr algn="ctr"/>
             <a:r>
-              <a:rPr lang="de-DE" sz="1400" dirty="0" smtClean="0"/>
-              <a:t>Next &gt;&gt;</a:t>
+              <a:rPr lang="de-DE" sz="1100" dirty="0" smtClean="0">
+                <a:solidFill>
+                  <a:schemeClr val="bg1">
+                    <a:lumMod val="50000"/>
+                  </a:schemeClr>
+                </a:solidFill>
+              </a:rPr>
+              <a:t>The name you insert is only for your eyes. </a:t>
             </a:r>
-            <a:endParaRPr lang="en-US" sz="1400" dirty="0"/>
+            <a:endParaRPr lang="en-US" sz="1100" dirty="0">
+              <a:solidFill>
+                <a:schemeClr val="bg1">
+                  <a:lumMod val="50000"/>
+                </a:schemeClr>
+              </a:solidFill>
+            </a:endParaRPr>
           </a:p>
         </p:txBody>
       </p:sp>
     </p:spTree>
     <p:extLst>
       <p:ext uri="{BB962C8B-B14F-4D97-AF65-F5344CB8AC3E}">
-        <p14:creationId xmlns:p14="http://schemas.microsoft.com/office/powerpoint/2010/main" val="2713497694"/>
+        <p14:creationId xmlns:p14="http://schemas.microsoft.com/office/powerpoint/2010/main" val="4018396943"/>
       </p:ext>
     </p:extLst>
   </p:cSld>
@@ -13810,8 +13866,8 @@
         </p:nvSpPr>
         <p:spPr>
           <a:xfrm>
-            <a:off x="878277" y="1263930"/>
-            <a:ext cx="2469587" cy="338554"/>
+            <a:off x="755576" y="1263930"/>
+            <a:ext cx="2880320" cy="830997"/>
           </a:xfrm>
           <a:prstGeom prst="rect">
             <a:avLst/>
@@ -13819,11 +13875,12 @@
           <a:noFill/>
         </p:spPr>
         <p:txBody>
-          <a:bodyPr wrap="none" rtlCol="0">
+          <a:bodyPr wrap="square" rtlCol="0">
             <a:spAutoFit/>
           </a:bodyPr>
           <a:lstStyle/>
           <a:p>
+            <a:pPr algn="ctr"/>
             <a:r>
               <a:rPr lang="de-DE" sz="1600" dirty="0" smtClean="0">
                 <a:solidFill>
@@ -13832,27 +13889,20 @@
                   </a:schemeClr>
                 </a:solidFill>
               </a:rPr>
-              <a:t>How do you want to </a:t>
+              <a:t>To see where your clicks come from you can name your link.</a:t>
             </a:r>
+          </a:p>
+          <a:p>
+            <a:pPr algn="ctr"/>
             <a:r>
-              <a:rPr lang="de-DE" sz="1600" dirty="0" err="1" smtClean="0">
+              <a:rPr lang="de-DE" sz="1600" dirty="0" smtClean="0">
                 <a:solidFill>
                   <a:schemeClr val="bg1">
                     <a:lumMod val="50000"/>
                   </a:schemeClr>
                 </a:solidFill>
               </a:rPr>
-              <a:t>share</a:t>
-            </a:r>
-            <a:r>
-              <a:rPr lang="de-DE" sz="1600" dirty="0" smtClean="0">
-                <a:solidFill>
-                  <a:schemeClr val="bg1">
-                    <a:lumMod val="50000"/>
-                  </a:schemeClr>
-                </a:solidFill>
-              </a:rPr>
-              <a:t>?</a:t>
+              <a:t>(e.g. link on facebook)</a:t>
             </a:r>
             <a:endParaRPr lang="en-US" sz="1600" dirty="0">
               <a:solidFill>
@@ -13866,326 +13916,118 @@
       </p:sp>
       <p:sp>
         <p:nvSpPr>
-          <p:cNvPr id="17" name="Textfeld 16"/>
-          <p:cNvSpPr txBox="1"/>
+          <p:cNvPr id="22" name="Abgerundetes Rechteck 21"/>
+          <p:cNvSpPr/>
           <p:nvPr/>
         </p:nvSpPr>
         <p:spPr>
           <a:xfrm>
-            <a:off x="1468327" y="2159183"/>
-            <a:ext cx="979051" cy="338554"/>
-          </a:xfrm>
-          <a:prstGeom prst="rect">
+            <a:off x="973141" y="2432695"/>
+            <a:ext cx="2330046" cy="276225"/>
+          </a:xfrm>
+          <a:prstGeom prst="roundRect">
             <a:avLst/>
           </a:prstGeom>
           <a:noFill/>
-        </p:spPr>
-        <p:txBody>
-          <a:bodyPr wrap="none" rtlCol="0">
-            <a:spAutoFit/>
-          </a:bodyPr>
-          <a:lstStyle/>
-          <a:p>
-            <a:r>
-              <a:rPr lang="de-DE" sz="1600" dirty="0" smtClean="0">
-                <a:solidFill>
-                  <a:schemeClr val="bg1">
-                    <a:lumMod val="50000"/>
-                  </a:schemeClr>
-                </a:solidFill>
-              </a:rPr>
-              <a:t>Facebook</a:t>
-            </a:r>
-            <a:endParaRPr lang="en-US" sz="1600" dirty="0">
-              <a:solidFill>
-                <a:schemeClr val="bg1">
-                  <a:lumMod val="50000"/>
-                </a:schemeClr>
-              </a:solidFill>
-            </a:endParaRPr>
-          </a:p>
-        </p:txBody>
-      </p:sp>
-      <p:sp>
-        <p:nvSpPr>
-          <p:cNvPr id="18" name="Textfeld 17"/>
-          <p:cNvSpPr txBox="1"/>
-          <p:nvPr/>
-        </p:nvSpPr>
-        <p:spPr>
-          <a:xfrm>
-            <a:off x="1475656" y="2887107"/>
-            <a:ext cx="880369" cy="338554"/>
-          </a:xfrm>
-          <a:prstGeom prst="rect">
-            <a:avLst/>
-          </a:prstGeom>
-          <a:noFill/>
-        </p:spPr>
-        <p:txBody>
-          <a:bodyPr wrap="none" rtlCol="0">
-            <a:spAutoFit/>
-          </a:bodyPr>
-          <a:lstStyle/>
-          <a:p>
-            <a:r>
-              <a:rPr lang="de-DE" sz="1600" dirty="0" smtClean="0">
-                <a:solidFill>
-                  <a:schemeClr val="bg1">
-                    <a:lumMod val="50000"/>
-                  </a:schemeClr>
-                </a:solidFill>
-              </a:rPr>
-              <a:t>Google+</a:t>
-            </a:r>
-            <a:endParaRPr lang="en-US" sz="1600" dirty="0">
-              <a:solidFill>
-                <a:schemeClr val="bg1">
-                  <a:lumMod val="50000"/>
-                </a:schemeClr>
-              </a:solidFill>
-            </a:endParaRPr>
-          </a:p>
-        </p:txBody>
-      </p:sp>
-      <p:cxnSp>
-        <p:nvCxnSpPr>
-          <p:cNvPr id="26" name="Gerade Verbindung 25"/>
-          <p:cNvCxnSpPr/>
-          <p:nvPr/>
-        </p:nvCxnSpPr>
-        <p:spPr>
-          <a:xfrm>
-            <a:off x="395536" y="1916832"/>
-            <a:ext cx="3600000" cy="0"/>
-          </a:xfrm>
-          <a:prstGeom prst="line">
-            <a:avLst/>
-          </a:prstGeom>
+          <a:ln>
+            <a:solidFill>
+              <a:schemeClr val="bg1">
+                <a:lumMod val="85000"/>
+              </a:schemeClr>
+            </a:solidFill>
+          </a:ln>
         </p:spPr>
         <p:style>
-          <a:lnRef idx="1">
-            <a:schemeClr val="accent1"/>
+          <a:lnRef idx="2">
+            <a:schemeClr val="accent1">
+              <a:shade val="50000"/>
+            </a:schemeClr>
           </a:lnRef>
-          <a:fillRef idx="0">
+          <a:fillRef idx="1">
             <a:schemeClr val="accent1"/>
           </a:fillRef>
           <a:effectRef idx="0">
             <a:schemeClr val="accent1"/>
           </a:effectRef>
           <a:fontRef idx="minor">
-            <a:schemeClr val="tx1"/>
+            <a:schemeClr val="lt1"/>
           </a:fontRef>
         </p:style>
-      </p:cxnSp>
-      <p:cxnSp>
-        <p:nvCxnSpPr>
-          <p:cNvPr id="27" name="Gerade Verbindung 26"/>
-          <p:cNvCxnSpPr/>
-          <p:nvPr/>
-        </p:nvCxnSpPr>
+        <p:txBody>
+          <a:bodyPr anchor="ctr"/>
+          <a:lstStyle/>
+          <a:p>
+            <a:pPr algn="ctr">
+              <a:defRPr/>
+            </a:pPr>
+            <a:endParaRPr lang="de-CH" sz="1050" dirty="0">
+              <a:solidFill>
+                <a:schemeClr val="accent1">
+                  <a:lumMod val="75000"/>
+                </a:schemeClr>
+              </a:solidFill>
+              <a:latin typeface="Century" pitchFamily="18" charset="0"/>
+              <a:cs typeface="Arial" charset="0"/>
+            </a:endParaRPr>
+          </a:p>
+        </p:txBody>
+      </p:sp>
+      <p:sp>
+        <p:nvSpPr>
+          <p:cNvPr id="25" name="Abgerundetes Rechteck 24"/>
+          <p:cNvSpPr/>
+          <p:nvPr/>
+        </p:nvSpPr>
         <p:spPr>
           <a:xfrm>
-            <a:off x="395536" y="2708920"/>
-            <a:ext cx="3600000" cy="0"/>
-          </a:xfrm>
-          <a:prstGeom prst="line">
-            <a:avLst/>
+            <a:off x="918273" y="3140968"/>
+            <a:ext cx="2560290" cy="319680"/>
+          </a:xfrm>
+          <a:prstGeom prst="roundRect">
+            <a:avLst>
+              <a:gd name="adj" fmla="val 32893"/>
+            </a:avLst>
           </a:prstGeom>
+          <a:solidFill>
+            <a:srgbClr val="0099FF"/>
+          </a:solidFill>
+          <a:ln>
+            <a:noFill/>
+          </a:ln>
         </p:spPr>
         <p:style>
-          <a:lnRef idx="1">
-            <a:schemeClr val="accent1"/>
+          <a:lnRef idx="2">
+            <a:schemeClr val="accent1">
+              <a:shade val="50000"/>
+            </a:schemeClr>
           </a:lnRef>
-          <a:fillRef idx="0">
+          <a:fillRef idx="1">
             <a:schemeClr val="accent1"/>
           </a:fillRef>
           <a:effectRef idx="0">
             <a:schemeClr val="accent1"/>
           </a:effectRef>
           <a:fontRef idx="minor">
-            <a:schemeClr val="tx1"/>
+            <a:schemeClr val="lt1"/>
           </a:fontRef>
         </p:style>
-      </p:cxnSp>
-      <p:cxnSp>
-        <p:nvCxnSpPr>
-          <p:cNvPr id="28" name="Gerade Verbindung 27"/>
-          <p:cNvCxnSpPr/>
-          <p:nvPr/>
-        </p:nvCxnSpPr>
-        <p:spPr>
-          <a:xfrm>
-            <a:off x="395536" y="3456183"/>
-            <a:ext cx="3600000" cy="0"/>
-          </a:xfrm>
-          <a:prstGeom prst="line">
-            <a:avLst/>
-          </a:prstGeom>
-        </p:spPr>
-        <p:style>
-          <a:lnRef idx="1">
-            <a:schemeClr val="accent1"/>
-          </a:lnRef>
-          <a:fillRef idx="0">
-            <a:schemeClr val="accent1"/>
-          </a:fillRef>
-          <a:effectRef idx="0">
-            <a:schemeClr val="accent1"/>
-          </a:effectRef>
-          <a:fontRef idx="minor">
-            <a:schemeClr val="tx1"/>
-          </a:fontRef>
-        </p:style>
-      </p:cxnSp>
-      <p:sp>
-        <p:nvSpPr>
-          <p:cNvPr id="29" name="Textfeld 28"/>
-          <p:cNvSpPr txBox="1"/>
-          <p:nvPr/>
-        </p:nvSpPr>
-        <p:spPr>
-          <a:xfrm>
-            <a:off x="1475656" y="3652012"/>
-            <a:ext cx="776944" cy="338554"/>
-          </a:xfrm>
-          <a:prstGeom prst="rect">
-            <a:avLst/>
-          </a:prstGeom>
-          <a:noFill/>
-        </p:spPr>
         <p:txBody>
-          <a:bodyPr wrap="none" rtlCol="0">
-            <a:spAutoFit/>
-          </a:bodyPr>
+          <a:bodyPr rtlCol="0" anchor="ctr"/>
           <a:lstStyle/>
           <a:p>
+            <a:pPr algn="ctr"/>
             <a:r>
-              <a:rPr lang="de-DE" sz="1600" dirty="0" smtClean="0">
-                <a:solidFill>
-                  <a:schemeClr val="bg1">
-                    <a:lumMod val="50000"/>
-                  </a:schemeClr>
-                </a:solidFill>
-              </a:rPr>
-              <a:t>Twitter</a:t>
+              <a:rPr lang="de-DE" sz="1400" dirty="0" smtClean="0"/>
+              <a:t>Next &gt;&gt;</a:t>
             </a:r>
-            <a:endParaRPr lang="en-US" sz="1600" dirty="0">
-              <a:solidFill>
-                <a:schemeClr val="bg1">
-                  <a:lumMod val="50000"/>
-                </a:schemeClr>
-              </a:solidFill>
-            </a:endParaRPr>
+            <a:endParaRPr lang="en-US" sz="1400" dirty="0"/>
           </a:p>
         </p:txBody>
       </p:sp>
-      <p:cxnSp>
-        <p:nvCxnSpPr>
-          <p:cNvPr id="30" name="Gerade Verbindung 29"/>
-          <p:cNvCxnSpPr/>
-          <p:nvPr/>
-        </p:nvCxnSpPr>
-        <p:spPr>
-          <a:xfrm>
-            <a:off x="395536" y="4221088"/>
-            <a:ext cx="3600000" cy="0"/>
-          </a:xfrm>
-          <a:prstGeom prst="line">
-            <a:avLst/>
-          </a:prstGeom>
-        </p:spPr>
-        <p:style>
-          <a:lnRef idx="1">
-            <a:schemeClr val="accent1"/>
-          </a:lnRef>
-          <a:fillRef idx="0">
-            <a:schemeClr val="accent1"/>
-          </a:fillRef>
-          <a:effectRef idx="0">
-            <a:schemeClr val="accent1"/>
-          </a:effectRef>
-          <a:fontRef idx="minor">
-            <a:schemeClr val="tx1"/>
-          </a:fontRef>
-        </p:style>
-      </p:cxnSp>
-      <p:sp>
-        <p:nvSpPr>
-          <p:cNvPr id="31" name="Textfeld 30"/>
-          <p:cNvSpPr txBox="1"/>
-          <p:nvPr/>
-        </p:nvSpPr>
-        <p:spPr>
-          <a:xfrm>
-            <a:off x="1475656" y="4509120"/>
-            <a:ext cx="1799788" cy="338554"/>
-          </a:xfrm>
-          <a:prstGeom prst="rect">
-            <a:avLst/>
-          </a:prstGeom>
-          <a:noFill/>
-        </p:spPr>
-        <p:txBody>
-          <a:bodyPr wrap="none" rtlCol="0">
-            <a:spAutoFit/>
-          </a:bodyPr>
-          <a:lstStyle/>
-          <a:p>
-            <a:r>
-              <a:rPr lang="de-DE" sz="1600" dirty="0" smtClean="0">
-                <a:solidFill>
-                  <a:schemeClr val="bg1">
-                    <a:lumMod val="50000"/>
-                  </a:schemeClr>
-                </a:solidFill>
-              </a:rPr>
-              <a:t>Copy and paste link</a:t>
-            </a:r>
-            <a:endParaRPr lang="en-US" sz="1600" dirty="0">
-              <a:solidFill>
-                <a:schemeClr val="bg1">
-                  <a:lumMod val="50000"/>
-                </a:schemeClr>
-              </a:solidFill>
-            </a:endParaRPr>
-          </a:p>
-        </p:txBody>
-      </p:sp>
-      <p:cxnSp>
-        <p:nvCxnSpPr>
-          <p:cNvPr id="32" name="Gerade Verbindung 31"/>
-          <p:cNvCxnSpPr/>
-          <p:nvPr/>
-        </p:nvCxnSpPr>
-        <p:spPr>
-          <a:xfrm>
-            <a:off x="395536" y="5078196"/>
-            <a:ext cx="3600000" cy="0"/>
-          </a:xfrm>
-          <a:prstGeom prst="line">
-            <a:avLst/>
-          </a:prstGeom>
-        </p:spPr>
-        <p:style>
-          <a:lnRef idx="1">
-            <a:schemeClr val="accent1"/>
-          </a:lnRef>
-          <a:fillRef idx="0">
-            <a:schemeClr val="accent1"/>
-          </a:fillRef>
-          <a:effectRef idx="0">
-            <a:schemeClr val="accent1"/>
-          </a:effectRef>
-          <a:fontRef idx="minor">
-            <a:schemeClr val="tx1"/>
-          </a:fontRef>
-        </p:style>
-      </p:cxnSp>
     </p:spTree>
     <p:extLst>
       <p:ext uri="{BB962C8B-B14F-4D97-AF65-F5344CB8AC3E}">
-        <p14:creationId xmlns:p14="http://schemas.microsoft.com/office/powerpoint/2010/main" val="1809036570"/>
+        <p14:creationId xmlns:p14="http://schemas.microsoft.com/office/powerpoint/2010/main" val="2713497694"/>
       </p:ext>
     </p:extLst>
   </p:cSld>
@@ -15119,6 +14961,926 @@
 </file>
 
 <file path=ppt/slides/slide20.xml><?xml version="1.0" encoding="utf-8"?>
+<p:sld xmlns:a="http://schemas.openxmlformats.org/drawingml/2006/main" xmlns:r="http://schemas.openxmlformats.org/officeDocument/2006/relationships" xmlns:p="http://schemas.openxmlformats.org/presentationml/2006/main" show="0">
+  <p:cSld>
+    <p:spTree>
+      <p:nvGrpSpPr>
+        <p:cNvPr id="1" name=""/>
+        <p:cNvGrpSpPr/>
+        <p:nvPr/>
+      </p:nvGrpSpPr>
+      <p:grpSpPr>
+        <a:xfrm>
+          <a:off x="0" y="0"/>
+          <a:ext cx="0" cy="0"/>
+          <a:chOff x="0" y="0"/>
+          <a:chExt cx="0" cy="0"/>
+        </a:xfrm>
+      </p:grpSpPr>
+      <p:grpSp>
+        <p:nvGrpSpPr>
+          <p:cNvPr id="9" name="Gruppieren 8"/>
+          <p:cNvGrpSpPr/>
+          <p:nvPr/>
+        </p:nvGrpSpPr>
+        <p:grpSpPr>
+          <a:xfrm>
+            <a:off x="395536" y="260649"/>
+            <a:ext cx="3600000" cy="6399999"/>
+            <a:chOff x="395536" y="260649"/>
+            <a:chExt cx="3600000" cy="6399999"/>
+          </a:xfrm>
+        </p:grpSpPr>
+        <p:sp>
+          <p:nvSpPr>
+            <p:cNvPr id="7" name="Rechteck 6"/>
+            <p:cNvSpPr/>
+            <p:nvPr/>
+          </p:nvSpPr>
+          <p:spPr>
+            <a:xfrm>
+              <a:off x="395536" y="260650"/>
+              <a:ext cx="3600000" cy="6399996"/>
+            </a:xfrm>
+            <a:prstGeom prst="rect">
+              <a:avLst/>
+            </a:prstGeom>
+            <a:noFill/>
+            <a:ln w="47625">
+              <a:solidFill>
+                <a:schemeClr val="tx1">
+                  <a:lumMod val="65000"/>
+                  <a:lumOff val="35000"/>
+                </a:schemeClr>
+              </a:solidFill>
+            </a:ln>
+            <a:effectLst>
+              <a:outerShdw blurRad="63500" algn="ctr" rotWithShape="0">
+                <a:prstClr val="black">
+                  <a:alpha val="40000"/>
+                </a:prstClr>
+              </a:outerShdw>
+            </a:effectLst>
+          </p:spPr>
+          <p:style>
+            <a:lnRef idx="2">
+              <a:schemeClr val="accent1">
+                <a:shade val="50000"/>
+              </a:schemeClr>
+            </a:lnRef>
+            <a:fillRef idx="1">
+              <a:schemeClr val="accent1"/>
+            </a:fillRef>
+            <a:effectRef idx="0">
+              <a:schemeClr val="accent1"/>
+            </a:effectRef>
+            <a:fontRef idx="minor">
+              <a:schemeClr val="lt1"/>
+            </a:fontRef>
+          </p:style>
+          <p:txBody>
+            <a:bodyPr rtlCol="0" anchor="ctr"/>
+            <a:lstStyle/>
+            <a:p>
+              <a:pPr algn="ctr"/>
+              <a:endParaRPr lang="en-US"/>
+            </a:p>
+          </p:txBody>
+        </p:sp>
+        <p:pic>
+          <p:nvPicPr>
+            <p:cNvPr id="1026" name="Picture 2" descr="C:\Users\MoritzTheile\Desktop\Screenshot_2015-06-12-09-51-07.png"/>
+            <p:cNvPicPr>
+              <a:picLocks noChangeAspect="1" noChangeArrowheads="1"/>
+            </p:cNvPicPr>
+            <p:nvPr/>
+          </p:nvPicPr>
+          <p:blipFill>
+            <a:blip r:embed="rId2" cstate="print">
+              <a:extLst>
+                <a:ext uri="{28A0092B-C50C-407E-A947-70E740481C1C}">
+                  <a14:useLocalDpi xmlns:a14="http://schemas.microsoft.com/office/drawing/2010/main" val="0"/>
+                </a:ext>
+              </a:extLst>
+            </a:blip>
+            <a:srcRect/>
+            <a:stretch>
+              <a:fillRect/>
+            </a:stretch>
+          </p:blipFill>
+          <p:spPr bwMode="auto">
+            <a:xfrm>
+              <a:off x="395536" y="260649"/>
+              <a:ext cx="3600000" cy="6399999"/>
+            </a:xfrm>
+            <a:prstGeom prst="rect">
+              <a:avLst/>
+            </a:prstGeom>
+            <a:noFill/>
+            <a:extLst>
+              <a:ext uri="{909E8E84-426E-40DD-AFC4-6F175D3DCCD1}">
+                <a14:hiddenFill xmlns:a14="http://schemas.microsoft.com/office/drawing/2010/main">
+                  <a:solidFill>
+                    <a:srgbClr val="FFFFFF"/>
+                  </a:solidFill>
+                </a14:hiddenFill>
+              </a:ext>
+            </a:extLst>
+          </p:spPr>
+        </p:pic>
+        <p:sp>
+          <p:nvSpPr>
+            <p:cNvPr id="2" name="Textfeld 1"/>
+            <p:cNvSpPr txBox="1"/>
+            <p:nvPr/>
+          </p:nvSpPr>
+          <p:spPr>
+            <a:xfrm>
+              <a:off x="472877" y="604421"/>
+              <a:ext cx="1436932" cy="369332"/>
+            </a:xfrm>
+            <a:prstGeom prst="rect">
+              <a:avLst/>
+            </a:prstGeom>
+            <a:solidFill>
+              <a:schemeClr val="bg1"/>
+            </a:solidFill>
+          </p:spPr>
+          <p:txBody>
+            <a:bodyPr wrap="none" rtlCol="0">
+              <a:spAutoFit/>
+            </a:bodyPr>
+            <a:lstStyle/>
+            <a:p>
+              <a:r>
+                <a:rPr lang="de-DE" dirty="0" smtClean="0"/>
+                <a:t>supeyou.com</a:t>
+              </a:r>
+              <a:endParaRPr lang="en-US" dirty="0"/>
+            </a:p>
+          </p:txBody>
+        </p:sp>
+        <p:sp>
+          <p:nvSpPr>
+            <p:cNvPr id="8" name="Rechteck 7"/>
+            <p:cNvSpPr/>
+            <p:nvPr/>
+          </p:nvSpPr>
+          <p:spPr>
+            <a:xfrm>
+              <a:off x="395536" y="548680"/>
+              <a:ext cx="3600000" cy="5616624"/>
+            </a:xfrm>
+            <a:prstGeom prst="rect">
+              <a:avLst/>
+            </a:prstGeom>
+            <a:solidFill>
+              <a:schemeClr val="bg1"/>
+            </a:solidFill>
+            <a:ln>
+              <a:noFill/>
+            </a:ln>
+          </p:spPr>
+          <p:style>
+            <a:lnRef idx="2">
+              <a:schemeClr val="accent1">
+                <a:shade val="50000"/>
+              </a:schemeClr>
+            </a:lnRef>
+            <a:fillRef idx="1">
+              <a:schemeClr val="accent1"/>
+            </a:fillRef>
+            <a:effectRef idx="0">
+              <a:schemeClr val="accent1"/>
+            </a:effectRef>
+            <a:fontRef idx="minor">
+              <a:schemeClr val="lt1"/>
+            </a:fontRef>
+          </p:style>
+          <p:txBody>
+            <a:bodyPr rtlCol="0" anchor="ctr"/>
+            <a:lstStyle/>
+            <a:p>
+              <a:pPr algn="ctr"/>
+              <a:endParaRPr lang="en-US"/>
+            </a:p>
+          </p:txBody>
+        </p:sp>
+      </p:grpSp>
+      <p:pic>
+        <p:nvPicPr>
+          <p:cNvPr id="19" name="Picture 2" descr="Bildergebnis für user with mobile"/>
+          <p:cNvPicPr>
+            <a:picLocks noChangeAspect="1" noChangeArrowheads="1"/>
+          </p:cNvPicPr>
+          <p:nvPr/>
+        </p:nvPicPr>
+        <p:blipFill>
+          <a:blip r:embed="rId3">
+            <a:extLst>
+              <a:ext uri="{28A0092B-C50C-407E-A947-70E740481C1C}">
+                <a14:useLocalDpi xmlns:a14="http://schemas.microsoft.com/office/drawing/2010/main" val="0"/>
+              </a:ext>
+            </a:extLst>
+          </a:blip>
+          <a:srcRect/>
+          <a:stretch>
+            <a:fillRect/>
+          </a:stretch>
+        </p:blipFill>
+        <p:spPr bwMode="auto">
+          <a:xfrm>
+            <a:off x="4321299" y="2256452"/>
+            <a:ext cx="933450" cy="1885950"/>
+          </a:xfrm>
+          <a:prstGeom prst="rect">
+            <a:avLst/>
+          </a:prstGeom>
+          <a:noFill/>
+          <a:extLst>
+            <a:ext uri="{909E8E84-426E-40DD-AFC4-6F175D3DCCD1}">
+              <a14:hiddenFill xmlns:a14="http://schemas.microsoft.com/office/drawing/2010/main">
+                <a:solidFill>
+                  <a:srgbClr val="FFFFFF"/>
+                </a:solidFill>
+              </a14:hiddenFill>
+            </a:ext>
+          </a:extLst>
+        </p:spPr>
+      </p:pic>
+      <p:sp>
+        <p:nvSpPr>
+          <p:cNvPr id="20" name="Wolkenförmige Legende 19"/>
+          <p:cNvSpPr/>
+          <p:nvPr/>
+        </p:nvSpPr>
+        <p:spPr>
+          <a:xfrm>
+            <a:off x="5795932" y="0"/>
+            <a:ext cx="3314340" cy="2866415"/>
+          </a:xfrm>
+          <a:prstGeom prst="cloudCallout">
+            <a:avLst>
+              <a:gd name="adj1" fmla="val -69303"/>
+              <a:gd name="adj2" fmla="val 31942"/>
+            </a:avLst>
+          </a:prstGeom>
+          <a:solidFill>
+            <a:srgbClr val="FFFF99"/>
+          </a:solidFill>
+          <a:ln w="15875">
+            <a:solidFill>
+              <a:schemeClr val="bg1">
+                <a:lumMod val="65000"/>
+              </a:schemeClr>
+            </a:solidFill>
+          </a:ln>
+        </p:spPr>
+        <p:style>
+          <a:lnRef idx="2">
+            <a:schemeClr val="accent1">
+              <a:shade val="50000"/>
+            </a:schemeClr>
+          </a:lnRef>
+          <a:fillRef idx="1">
+            <a:schemeClr val="accent1"/>
+          </a:fillRef>
+          <a:effectRef idx="0">
+            <a:schemeClr val="accent1"/>
+          </a:effectRef>
+          <a:fontRef idx="minor">
+            <a:schemeClr val="lt1"/>
+          </a:fontRef>
+        </p:style>
+        <p:txBody>
+          <a:bodyPr rtlCol="0" anchor="ctr"/>
+          <a:lstStyle/>
+          <a:p>
+            <a:endParaRPr lang="en-US" sz="1400" dirty="0">
+              <a:solidFill>
+                <a:schemeClr val="tx1">
+                  <a:lumMod val="65000"/>
+                  <a:lumOff val="35000"/>
+                </a:schemeClr>
+              </a:solidFill>
+            </a:endParaRPr>
+          </a:p>
+        </p:txBody>
+      </p:sp>
+      <p:sp>
+        <p:nvSpPr>
+          <p:cNvPr id="21" name="Textfeld 20"/>
+          <p:cNvSpPr txBox="1"/>
+          <p:nvPr/>
+        </p:nvSpPr>
+        <p:spPr>
+          <a:xfrm>
+            <a:off x="4427984" y="4149080"/>
+            <a:ext cx="732188" cy="307777"/>
+          </a:xfrm>
+          <a:prstGeom prst="rect">
+            <a:avLst/>
+          </a:prstGeom>
+          <a:noFill/>
+        </p:spPr>
+        <p:txBody>
+          <a:bodyPr wrap="none" rtlCol="0">
+            <a:spAutoFit/>
+          </a:bodyPr>
+          <a:lstStyle/>
+          <a:p>
+            <a:r>
+              <a:rPr lang="de-DE" sz="1400" dirty="0" smtClean="0">
+                <a:solidFill>
+                  <a:schemeClr val="tx1">
+                    <a:lumMod val="50000"/>
+                    <a:lumOff val="50000"/>
+                  </a:schemeClr>
+                </a:solidFill>
+              </a:rPr>
+              <a:t>Markus</a:t>
+            </a:r>
+            <a:endParaRPr lang="en-US" sz="1400" dirty="0">
+              <a:solidFill>
+                <a:schemeClr val="tx1">
+                  <a:lumMod val="50000"/>
+                  <a:lumOff val="50000"/>
+                </a:schemeClr>
+              </a:solidFill>
+            </a:endParaRPr>
+          </a:p>
+        </p:txBody>
+      </p:sp>
+      <p:grpSp>
+        <p:nvGrpSpPr>
+          <p:cNvPr id="3" name="Gruppieren 2"/>
+          <p:cNvGrpSpPr/>
+          <p:nvPr/>
+        </p:nvGrpSpPr>
+        <p:grpSpPr>
+          <a:xfrm>
+            <a:off x="395535" y="541774"/>
+            <a:ext cx="3600001" cy="431980"/>
+            <a:chOff x="395535" y="541774"/>
+            <a:chExt cx="3600001" cy="431980"/>
+          </a:xfrm>
+        </p:grpSpPr>
+        <p:pic>
+          <p:nvPicPr>
+            <p:cNvPr id="1027" name="Picture 3"/>
+            <p:cNvPicPr>
+              <a:picLocks noChangeAspect="1" noChangeArrowheads="1"/>
+            </p:cNvPicPr>
+            <p:nvPr/>
+          </p:nvPicPr>
+          <p:blipFill rotWithShape="1">
+            <a:blip r:embed="rId4">
+              <a:extLst>
+                <a:ext uri="{28A0092B-C50C-407E-A947-70E740481C1C}">
+                  <a14:useLocalDpi xmlns:a14="http://schemas.microsoft.com/office/drawing/2010/main" val="0"/>
+                </a:ext>
+              </a:extLst>
+            </a:blip>
+            <a:srcRect b="92318"/>
+            <a:stretch/>
+          </p:blipFill>
+          <p:spPr bwMode="auto">
+            <a:xfrm>
+              <a:off x="395535" y="541774"/>
+              <a:ext cx="3600001" cy="431980"/>
+            </a:xfrm>
+            <a:prstGeom prst="rect">
+              <a:avLst/>
+            </a:prstGeom>
+            <a:noFill/>
+            <a:ln>
+              <a:noFill/>
+            </a:ln>
+            <a:extLst>
+              <a:ext uri="{909E8E84-426E-40DD-AFC4-6F175D3DCCD1}">
+                <a14:hiddenFill xmlns:a14="http://schemas.microsoft.com/office/drawing/2010/main">
+                  <a:solidFill>
+                    <a:schemeClr val="accent1"/>
+                  </a:solidFill>
+                </a14:hiddenFill>
+              </a:ext>
+              <a:ext uri="{91240B29-F687-4F45-9708-019B960494DF}">
+                <a14:hiddenLine xmlns:a14="http://schemas.microsoft.com/office/drawing/2010/main" w="9525">
+                  <a:solidFill>
+                    <a:schemeClr val="tx1"/>
+                  </a:solidFill>
+                  <a:miter lim="800000"/>
+                  <a:headEnd/>
+                  <a:tailEnd/>
+                </a14:hiddenLine>
+              </a:ext>
+            </a:extLst>
+          </p:spPr>
+        </p:pic>
+        <p:pic>
+          <p:nvPicPr>
+            <p:cNvPr id="11" name="Picture 3"/>
+            <p:cNvPicPr>
+              <a:picLocks noChangeAspect="1" noChangeArrowheads="1"/>
+            </p:cNvPicPr>
+            <p:nvPr/>
+          </p:nvPicPr>
+          <p:blipFill rotWithShape="1">
+            <a:blip r:embed="rId4">
+              <a:extLst>
+                <a:ext uri="{28A0092B-C50C-407E-A947-70E740481C1C}">
+                  <a14:useLocalDpi xmlns:a14="http://schemas.microsoft.com/office/drawing/2010/main" val="0"/>
+                </a:ext>
+              </a:extLst>
+            </a:blip>
+            <a:srcRect l="47782" r="8391" b="93603"/>
+            <a:stretch/>
+          </p:blipFill>
+          <p:spPr bwMode="auto">
+            <a:xfrm>
+              <a:off x="454946" y="565267"/>
+              <a:ext cx="1866875" cy="340168"/>
+            </a:xfrm>
+            <a:prstGeom prst="rect">
+              <a:avLst/>
+            </a:prstGeom>
+            <a:noFill/>
+            <a:ln>
+              <a:noFill/>
+            </a:ln>
+            <a:extLst>
+              <a:ext uri="{909E8E84-426E-40DD-AFC4-6F175D3DCCD1}">
+                <a14:hiddenFill xmlns:a14="http://schemas.microsoft.com/office/drawing/2010/main">
+                  <a:solidFill>
+                    <a:schemeClr val="accent1"/>
+                  </a:solidFill>
+                </a14:hiddenFill>
+              </a:ext>
+              <a:ext uri="{91240B29-F687-4F45-9708-019B960494DF}">
+                <a14:hiddenLine xmlns:a14="http://schemas.microsoft.com/office/drawing/2010/main" w="9525">
+                  <a:solidFill>
+                    <a:schemeClr val="tx1"/>
+                  </a:solidFill>
+                  <a:miter lim="800000"/>
+                  <a:headEnd/>
+                  <a:tailEnd/>
+                </a14:hiddenLine>
+              </a:ext>
+            </a:extLst>
+          </p:spPr>
+        </p:pic>
+      </p:grpSp>
+      <p:sp>
+        <p:nvSpPr>
+          <p:cNvPr id="4" name="Textfeld 3"/>
+          <p:cNvSpPr txBox="1"/>
+          <p:nvPr/>
+        </p:nvSpPr>
+        <p:spPr>
+          <a:xfrm>
+            <a:off x="515869" y="561031"/>
+            <a:ext cx="1431995" cy="338554"/>
+          </a:xfrm>
+          <a:prstGeom prst="rect">
+            <a:avLst/>
+          </a:prstGeom>
+          <a:noFill/>
+        </p:spPr>
+        <p:txBody>
+          <a:bodyPr wrap="none" rtlCol="0">
+            <a:spAutoFit/>
+          </a:bodyPr>
+          <a:lstStyle/>
+          <a:p>
+            <a:r>
+              <a:rPr lang="de-DE" sz="1600" dirty="0" smtClean="0">
+                <a:solidFill>
+                  <a:schemeClr val="bg1">
+                    <a:lumMod val="50000"/>
+                  </a:schemeClr>
+                </a:solidFill>
+              </a:rPr>
+              <a:t>Send Invitation</a:t>
+            </a:r>
+            <a:endParaRPr lang="en-US" sz="1600" dirty="0">
+              <a:solidFill>
+                <a:schemeClr val="bg1">
+                  <a:lumMod val="50000"/>
+                </a:schemeClr>
+              </a:solidFill>
+            </a:endParaRPr>
+          </a:p>
+        </p:txBody>
+      </p:sp>
+      <p:sp>
+        <p:nvSpPr>
+          <p:cNvPr id="16" name="Textfeld 15"/>
+          <p:cNvSpPr txBox="1"/>
+          <p:nvPr/>
+        </p:nvSpPr>
+        <p:spPr>
+          <a:xfrm>
+            <a:off x="878277" y="1263930"/>
+            <a:ext cx="2469587" cy="338554"/>
+          </a:xfrm>
+          <a:prstGeom prst="rect">
+            <a:avLst/>
+          </a:prstGeom>
+          <a:noFill/>
+        </p:spPr>
+        <p:txBody>
+          <a:bodyPr wrap="none" rtlCol="0">
+            <a:spAutoFit/>
+          </a:bodyPr>
+          <a:lstStyle/>
+          <a:p>
+            <a:r>
+              <a:rPr lang="de-DE" sz="1600" dirty="0" smtClean="0">
+                <a:solidFill>
+                  <a:schemeClr val="bg1">
+                    <a:lumMod val="50000"/>
+                  </a:schemeClr>
+                </a:solidFill>
+              </a:rPr>
+              <a:t>How do you want to </a:t>
+            </a:r>
+            <a:r>
+              <a:rPr lang="de-DE" sz="1600" dirty="0" err="1" smtClean="0">
+                <a:solidFill>
+                  <a:schemeClr val="bg1">
+                    <a:lumMod val="50000"/>
+                  </a:schemeClr>
+                </a:solidFill>
+              </a:rPr>
+              <a:t>share</a:t>
+            </a:r>
+            <a:r>
+              <a:rPr lang="de-DE" sz="1600" dirty="0" smtClean="0">
+                <a:solidFill>
+                  <a:schemeClr val="bg1">
+                    <a:lumMod val="50000"/>
+                  </a:schemeClr>
+                </a:solidFill>
+              </a:rPr>
+              <a:t>?</a:t>
+            </a:r>
+            <a:endParaRPr lang="en-US" sz="1600" dirty="0">
+              <a:solidFill>
+                <a:schemeClr val="bg1">
+                  <a:lumMod val="50000"/>
+                </a:schemeClr>
+              </a:solidFill>
+            </a:endParaRPr>
+          </a:p>
+        </p:txBody>
+      </p:sp>
+      <p:sp>
+        <p:nvSpPr>
+          <p:cNvPr id="17" name="Textfeld 16"/>
+          <p:cNvSpPr txBox="1"/>
+          <p:nvPr/>
+        </p:nvSpPr>
+        <p:spPr>
+          <a:xfrm>
+            <a:off x="1468327" y="2159183"/>
+            <a:ext cx="979051" cy="338554"/>
+          </a:xfrm>
+          <a:prstGeom prst="rect">
+            <a:avLst/>
+          </a:prstGeom>
+          <a:noFill/>
+        </p:spPr>
+        <p:txBody>
+          <a:bodyPr wrap="none" rtlCol="0">
+            <a:spAutoFit/>
+          </a:bodyPr>
+          <a:lstStyle/>
+          <a:p>
+            <a:r>
+              <a:rPr lang="de-DE" sz="1600" dirty="0" smtClean="0">
+                <a:solidFill>
+                  <a:schemeClr val="bg1">
+                    <a:lumMod val="50000"/>
+                  </a:schemeClr>
+                </a:solidFill>
+              </a:rPr>
+              <a:t>Facebook</a:t>
+            </a:r>
+            <a:endParaRPr lang="en-US" sz="1600" dirty="0">
+              <a:solidFill>
+                <a:schemeClr val="bg1">
+                  <a:lumMod val="50000"/>
+                </a:schemeClr>
+              </a:solidFill>
+            </a:endParaRPr>
+          </a:p>
+        </p:txBody>
+      </p:sp>
+      <p:sp>
+        <p:nvSpPr>
+          <p:cNvPr id="18" name="Textfeld 17"/>
+          <p:cNvSpPr txBox="1"/>
+          <p:nvPr/>
+        </p:nvSpPr>
+        <p:spPr>
+          <a:xfrm>
+            <a:off x="1475656" y="2887107"/>
+            <a:ext cx="880369" cy="338554"/>
+          </a:xfrm>
+          <a:prstGeom prst="rect">
+            <a:avLst/>
+          </a:prstGeom>
+          <a:noFill/>
+        </p:spPr>
+        <p:txBody>
+          <a:bodyPr wrap="none" rtlCol="0">
+            <a:spAutoFit/>
+          </a:bodyPr>
+          <a:lstStyle/>
+          <a:p>
+            <a:r>
+              <a:rPr lang="de-DE" sz="1600" dirty="0" smtClean="0">
+                <a:solidFill>
+                  <a:schemeClr val="bg1">
+                    <a:lumMod val="50000"/>
+                  </a:schemeClr>
+                </a:solidFill>
+              </a:rPr>
+              <a:t>Google+</a:t>
+            </a:r>
+            <a:endParaRPr lang="en-US" sz="1600" dirty="0">
+              <a:solidFill>
+                <a:schemeClr val="bg1">
+                  <a:lumMod val="50000"/>
+                </a:schemeClr>
+              </a:solidFill>
+            </a:endParaRPr>
+          </a:p>
+        </p:txBody>
+      </p:sp>
+      <p:cxnSp>
+        <p:nvCxnSpPr>
+          <p:cNvPr id="26" name="Gerade Verbindung 25"/>
+          <p:cNvCxnSpPr/>
+          <p:nvPr/>
+        </p:nvCxnSpPr>
+        <p:spPr>
+          <a:xfrm>
+            <a:off x="395536" y="1916832"/>
+            <a:ext cx="3600000" cy="0"/>
+          </a:xfrm>
+          <a:prstGeom prst="line">
+            <a:avLst/>
+          </a:prstGeom>
+        </p:spPr>
+        <p:style>
+          <a:lnRef idx="1">
+            <a:schemeClr val="accent1"/>
+          </a:lnRef>
+          <a:fillRef idx="0">
+            <a:schemeClr val="accent1"/>
+          </a:fillRef>
+          <a:effectRef idx="0">
+            <a:schemeClr val="accent1"/>
+          </a:effectRef>
+          <a:fontRef idx="minor">
+            <a:schemeClr val="tx1"/>
+          </a:fontRef>
+        </p:style>
+      </p:cxnSp>
+      <p:cxnSp>
+        <p:nvCxnSpPr>
+          <p:cNvPr id="27" name="Gerade Verbindung 26"/>
+          <p:cNvCxnSpPr/>
+          <p:nvPr/>
+        </p:nvCxnSpPr>
+        <p:spPr>
+          <a:xfrm>
+            <a:off x="395536" y="2708920"/>
+            <a:ext cx="3600000" cy="0"/>
+          </a:xfrm>
+          <a:prstGeom prst="line">
+            <a:avLst/>
+          </a:prstGeom>
+        </p:spPr>
+        <p:style>
+          <a:lnRef idx="1">
+            <a:schemeClr val="accent1"/>
+          </a:lnRef>
+          <a:fillRef idx="0">
+            <a:schemeClr val="accent1"/>
+          </a:fillRef>
+          <a:effectRef idx="0">
+            <a:schemeClr val="accent1"/>
+          </a:effectRef>
+          <a:fontRef idx="minor">
+            <a:schemeClr val="tx1"/>
+          </a:fontRef>
+        </p:style>
+      </p:cxnSp>
+      <p:cxnSp>
+        <p:nvCxnSpPr>
+          <p:cNvPr id="28" name="Gerade Verbindung 27"/>
+          <p:cNvCxnSpPr/>
+          <p:nvPr/>
+        </p:nvCxnSpPr>
+        <p:spPr>
+          <a:xfrm>
+            <a:off x="395536" y="3456183"/>
+            <a:ext cx="3600000" cy="0"/>
+          </a:xfrm>
+          <a:prstGeom prst="line">
+            <a:avLst/>
+          </a:prstGeom>
+        </p:spPr>
+        <p:style>
+          <a:lnRef idx="1">
+            <a:schemeClr val="accent1"/>
+          </a:lnRef>
+          <a:fillRef idx="0">
+            <a:schemeClr val="accent1"/>
+          </a:fillRef>
+          <a:effectRef idx="0">
+            <a:schemeClr val="accent1"/>
+          </a:effectRef>
+          <a:fontRef idx="minor">
+            <a:schemeClr val="tx1"/>
+          </a:fontRef>
+        </p:style>
+      </p:cxnSp>
+      <p:sp>
+        <p:nvSpPr>
+          <p:cNvPr id="29" name="Textfeld 28"/>
+          <p:cNvSpPr txBox="1"/>
+          <p:nvPr/>
+        </p:nvSpPr>
+        <p:spPr>
+          <a:xfrm>
+            <a:off x="1475656" y="3652012"/>
+            <a:ext cx="776944" cy="338554"/>
+          </a:xfrm>
+          <a:prstGeom prst="rect">
+            <a:avLst/>
+          </a:prstGeom>
+          <a:noFill/>
+        </p:spPr>
+        <p:txBody>
+          <a:bodyPr wrap="none" rtlCol="0">
+            <a:spAutoFit/>
+          </a:bodyPr>
+          <a:lstStyle/>
+          <a:p>
+            <a:r>
+              <a:rPr lang="de-DE" sz="1600" dirty="0" smtClean="0">
+                <a:solidFill>
+                  <a:schemeClr val="bg1">
+                    <a:lumMod val="50000"/>
+                  </a:schemeClr>
+                </a:solidFill>
+              </a:rPr>
+              <a:t>Twitter</a:t>
+            </a:r>
+            <a:endParaRPr lang="en-US" sz="1600" dirty="0">
+              <a:solidFill>
+                <a:schemeClr val="bg1">
+                  <a:lumMod val="50000"/>
+                </a:schemeClr>
+              </a:solidFill>
+            </a:endParaRPr>
+          </a:p>
+        </p:txBody>
+      </p:sp>
+      <p:cxnSp>
+        <p:nvCxnSpPr>
+          <p:cNvPr id="30" name="Gerade Verbindung 29"/>
+          <p:cNvCxnSpPr/>
+          <p:nvPr/>
+        </p:nvCxnSpPr>
+        <p:spPr>
+          <a:xfrm>
+            <a:off x="395536" y="4221088"/>
+            <a:ext cx="3600000" cy="0"/>
+          </a:xfrm>
+          <a:prstGeom prst="line">
+            <a:avLst/>
+          </a:prstGeom>
+        </p:spPr>
+        <p:style>
+          <a:lnRef idx="1">
+            <a:schemeClr val="accent1"/>
+          </a:lnRef>
+          <a:fillRef idx="0">
+            <a:schemeClr val="accent1"/>
+          </a:fillRef>
+          <a:effectRef idx="0">
+            <a:schemeClr val="accent1"/>
+          </a:effectRef>
+          <a:fontRef idx="minor">
+            <a:schemeClr val="tx1"/>
+          </a:fontRef>
+        </p:style>
+      </p:cxnSp>
+      <p:sp>
+        <p:nvSpPr>
+          <p:cNvPr id="31" name="Textfeld 30"/>
+          <p:cNvSpPr txBox="1"/>
+          <p:nvPr/>
+        </p:nvSpPr>
+        <p:spPr>
+          <a:xfrm>
+            <a:off x="1475656" y="4509120"/>
+            <a:ext cx="1799788" cy="338554"/>
+          </a:xfrm>
+          <a:prstGeom prst="rect">
+            <a:avLst/>
+          </a:prstGeom>
+          <a:noFill/>
+        </p:spPr>
+        <p:txBody>
+          <a:bodyPr wrap="none" rtlCol="0">
+            <a:spAutoFit/>
+          </a:bodyPr>
+          <a:lstStyle/>
+          <a:p>
+            <a:r>
+              <a:rPr lang="de-DE" sz="1600" dirty="0" smtClean="0">
+                <a:solidFill>
+                  <a:schemeClr val="bg1">
+                    <a:lumMod val="50000"/>
+                  </a:schemeClr>
+                </a:solidFill>
+              </a:rPr>
+              <a:t>Copy and paste link</a:t>
+            </a:r>
+            <a:endParaRPr lang="en-US" sz="1600" dirty="0">
+              <a:solidFill>
+                <a:schemeClr val="bg1">
+                  <a:lumMod val="50000"/>
+                </a:schemeClr>
+              </a:solidFill>
+            </a:endParaRPr>
+          </a:p>
+        </p:txBody>
+      </p:sp>
+      <p:cxnSp>
+        <p:nvCxnSpPr>
+          <p:cNvPr id="32" name="Gerade Verbindung 31"/>
+          <p:cNvCxnSpPr/>
+          <p:nvPr/>
+        </p:nvCxnSpPr>
+        <p:spPr>
+          <a:xfrm>
+            <a:off x="395536" y="5078196"/>
+            <a:ext cx="3600000" cy="0"/>
+          </a:xfrm>
+          <a:prstGeom prst="line">
+            <a:avLst/>
+          </a:prstGeom>
+        </p:spPr>
+        <p:style>
+          <a:lnRef idx="1">
+            <a:schemeClr val="accent1"/>
+          </a:lnRef>
+          <a:fillRef idx="0">
+            <a:schemeClr val="accent1"/>
+          </a:fillRef>
+          <a:effectRef idx="0">
+            <a:schemeClr val="accent1"/>
+          </a:effectRef>
+          <a:fontRef idx="minor">
+            <a:schemeClr val="tx1"/>
+          </a:fontRef>
+        </p:style>
+      </p:cxnSp>
+    </p:spTree>
+    <p:extLst>
+      <p:ext uri="{BB962C8B-B14F-4D97-AF65-F5344CB8AC3E}">
+        <p14:creationId xmlns:p14="http://schemas.microsoft.com/office/powerpoint/2010/main" val="1809036570"/>
+      </p:ext>
+    </p:extLst>
+  </p:cSld>
+  <p:clrMapOvr>
+    <a:masterClrMapping/>
+  </p:clrMapOvr>
+  <mc:AlternateContent xmlns:mc="http://schemas.openxmlformats.org/markup-compatibility/2006" xmlns:p14="http://schemas.microsoft.com/office/powerpoint/2010/main">
+    <mc:Choice Requires="p14">
+      <p:transition spd="slow" p14:dur="2000"/>
+    </mc:Choice>
+    <mc:Fallback xmlns="">
+      <p:transition spd="slow"/>
+    </mc:Fallback>
+  </mc:AlternateContent>
+  <p:timing>
+    <p:tnLst>
+      <p:par>
+        <p:cTn id="1" dur="indefinite" restart="never" nodeType="tmRoot"/>
+      </p:par>
+    </p:tnLst>
+  </p:timing>
+</p:sld>
+</file>
+
+<file path=ppt/slides/slide21.xml><?xml version="1.0" encoding="utf-8"?>
 <p:sld xmlns:a="http://schemas.openxmlformats.org/drawingml/2006/main" xmlns:r="http://schemas.openxmlformats.org/officeDocument/2006/relationships" xmlns:p="http://schemas.openxmlformats.org/presentationml/2006/main">
   <p:cSld>
     <p:spTree>
@@ -16753,7 +17515,7 @@
 </p:sld>
 </file>
 
-<file path=ppt/slides/slide21.xml><?xml version="1.0" encoding="utf-8"?>
+<file path=ppt/slides/slide22.xml><?xml version="1.0" encoding="utf-8"?>
 <p:sld xmlns:a="http://schemas.openxmlformats.org/drawingml/2006/main" xmlns:r="http://schemas.openxmlformats.org/officeDocument/2006/relationships" xmlns:p="http://schemas.openxmlformats.org/presentationml/2006/main">
   <p:cSld>
     <p:spTree>
@@ -16828,7 +17590,7 @@
 </p:sld>
 </file>
 
-<file path=ppt/slides/slide22.xml><?xml version="1.0" encoding="utf-8"?>
+<file path=ppt/slides/slide23.xml><?xml version="1.0" encoding="utf-8"?>
 <p:sld xmlns:a="http://schemas.openxmlformats.org/drawingml/2006/main" xmlns:r="http://schemas.openxmlformats.org/officeDocument/2006/relationships" xmlns:p="http://schemas.openxmlformats.org/presentationml/2006/main">
   <p:cSld>
     <p:spTree>
@@ -18907,7 +19669,7 @@
 </p:sld>
 </file>
 
-<file path=ppt/slides/slide23.xml><?xml version="1.0" encoding="utf-8"?>
+<file path=ppt/slides/slide24.xml><?xml version="1.0" encoding="utf-8"?>
 <p:sld xmlns:a="http://schemas.openxmlformats.org/drawingml/2006/main" xmlns:r="http://schemas.openxmlformats.org/officeDocument/2006/relationships" xmlns:p="http://schemas.openxmlformats.org/presentationml/2006/main">
   <p:cSld>
     <p:spTree>
@@ -21166,7 +21928,7 @@
 </p:sld>
 </file>
 
-<file path=ppt/slides/slide24.xml><?xml version="1.0" encoding="utf-8"?>
+<file path=ppt/slides/slide25.xml><?xml version="1.0" encoding="utf-8"?>
 <p:sld xmlns:a="http://schemas.openxmlformats.org/drawingml/2006/main" xmlns:r="http://schemas.openxmlformats.org/officeDocument/2006/relationships" xmlns:p="http://schemas.openxmlformats.org/presentationml/2006/main">
   <p:cSld>
     <p:spTree>
@@ -23481,7 +24243,7 @@
 </p:sld>
 </file>
 
-<file path=ppt/slides/slide25.xml><?xml version="1.0" encoding="utf-8"?>
+<file path=ppt/slides/slide26.xml><?xml version="1.0" encoding="utf-8"?>
 <p:sld xmlns:a="http://schemas.openxmlformats.org/drawingml/2006/main" xmlns:r="http://schemas.openxmlformats.org/officeDocument/2006/relationships" xmlns:p="http://schemas.openxmlformats.org/presentationml/2006/main">
   <p:cSld>
     <p:spTree>
@@ -24185,7 +24947,7 @@
 </p:sld>
 </file>
 
-<file path=ppt/slides/slide26.xml><?xml version="1.0" encoding="utf-8"?>
+<file path=ppt/slides/slide27.xml><?xml version="1.0" encoding="utf-8"?>
 <p:sld xmlns:a="http://schemas.openxmlformats.org/drawingml/2006/main" xmlns:r="http://schemas.openxmlformats.org/officeDocument/2006/relationships" xmlns:p="http://schemas.openxmlformats.org/presentationml/2006/main">
   <p:cSld>
     <p:spTree>
@@ -24740,7 +25502,7 @@
 </p:sld>
 </file>
 
-<file path=ppt/slides/slide27.xml><?xml version="1.0" encoding="utf-8"?>
+<file path=ppt/slides/slide28.xml><?xml version="1.0" encoding="utf-8"?>
 <p:sld xmlns:a="http://schemas.openxmlformats.org/drawingml/2006/main" xmlns:r="http://schemas.openxmlformats.org/officeDocument/2006/relationships" xmlns:p="http://schemas.openxmlformats.org/presentationml/2006/main">
   <p:cSld>
     <p:spTree>
@@ -26710,7 +27472,7 @@
 </p:sld>
 </file>
 
-<file path=ppt/slides/slide28.xml><?xml version="1.0" encoding="utf-8"?>
+<file path=ppt/slides/slide29.xml><?xml version="1.0" encoding="utf-8"?>
 <p:sld xmlns:a="http://schemas.openxmlformats.org/drawingml/2006/main" xmlns:r="http://schemas.openxmlformats.org/officeDocument/2006/relationships" xmlns:p="http://schemas.openxmlformats.org/presentationml/2006/main">
   <p:cSld>
     <p:spTree>
@@ -26777,7 +27539,7 @@
 </p:sld>
 </file>
 
-<file path=ppt/slides/slide29.xml><?xml version="1.0" encoding="utf-8"?>
+<file path=ppt/slides/slide3.xml><?xml version="1.0" encoding="utf-8"?>
 <p:sld xmlns:a="http://schemas.openxmlformats.org/drawingml/2006/main" xmlns:r="http://schemas.openxmlformats.org/officeDocument/2006/relationships" xmlns:p="http://schemas.openxmlformats.org/presentationml/2006/main">
   <p:cSld>
     <p:spTree>
@@ -27064,20 +27826,22 @@
       </p:pic>
       <p:sp>
         <p:nvSpPr>
-          <p:cNvPr id="9" name="Rechteck 8"/>
+          <p:cNvPr id="2" name="Abgerundetes Rechteck 1"/>
           <p:cNvSpPr/>
           <p:nvPr/>
         </p:nvSpPr>
         <p:spPr>
           <a:xfrm>
-            <a:off x="5004048" y="1296339"/>
-            <a:ext cx="3600000" cy="607876"/>
-          </a:xfrm>
-          <a:prstGeom prst="rect">
-            <a:avLst/>
+            <a:off x="918273" y="5179661"/>
+            <a:ext cx="2560290" cy="290561"/>
+          </a:xfrm>
+          <a:prstGeom prst="roundRect">
+            <a:avLst>
+              <a:gd name="adj" fmla="val 32893"/>
+            </a:avLst>
           </a:prstGeom>
           <a:solidFill>
-            <a:schemeClr val="bg1"/>
+            <a:srgbClr val="0099FF"/>
           </a:solidFill>
           <a:ln>
             <a:noFill/>
@@ -27104,7 +27868,126 @@
           <a:lstStyle/>
           <a:p>
             <a:pPr algn="ctr"/>
+            <a:r>
+              <a:rPr lang="de-DE" sz="1400" dirty="0" smtClean="0"/>
+              <a:t>Invite friends</a:t>
+            </a:r>
+            <a:endParaRPr lang="en-US" sz="1400" dirty="0"/>
+          </a:p>
+        </p:txBody>
+      </p:sp>
+      <p:sp>
+        <p:nvSpPr>
+          <p:cNvPr id="9" name="Rechteck 8"/>
+          <p:cNvSpPr/>
+          <p:nvPr/>
+        </p:nvSpPr>
+        <p:spPr>
+          <a:xfrm>
+            <a:off x="5004048" y="1296339"/>
+            <a:ext cx="3600000" cy="607876"/>
+          </a:xfrm>
+          <a:prstGeom prst="rect">
+            <a:avLst/>
+          </a:prstGeom>
+          <a:solidFill>
+            <a:schemeClr val="bg1"/>
+          </a:solidFill>
+          <a:ln>
+            <a:noFill/>
+          </a:ln>
+        </p:spPr>
+        <p:style>
+          <a:lnRef idx="2">
+            <a:schemeClr val="accent1">
+              <a:shade val="50000"/>
+            </a:schemeClr>
+          </a:lnRef>
+          <a:fillRef idx="1">
+            <a:schemeClr val="accent1"/>
+          </a:fillRef>
+          <a:effectRef idx="0">
+            <a:schemeClr val="accent1"/>
+          </a:effectRef>
+          <a:fontRef idx="minor">
+            <a:schemeClr val="lt1"/>
+          </a:fontRef>
+        </p:style>
+        <p:txBody>
+          <a:bodyPr rtlCol="0" anchor="ctr"/>
+          <a:lstStyle/>
+          <a:p>
+            <a:pPr algn="ctr"/>
             <a:endParaRPr lang="en-US"/>
+          </a:p>
+        </p:txBody>
+      </p:sp>
+      <p:sp>
+        <p:nvSpPr>
+          <p:cNvPr id="21" name="Rechteck 20"/>
+          <p:cNvSpPr/>
+          <p:nvPr/>
+        </p:nvSpPr>
+        <p:spPr>
+          <a:xfrm>
+            <a:off x="395935" y="5645342"/>
+            <a:ext cx="3592957" cy="303938"/>
+          </a:xfrm>
+          <a:prstGeom prst="rect">
+            <a:avLst/>
+          </a:prstGeom>
+          <a:solidFill>
+            <a:schemeClr val="bg1">
+              <a:lumMod val="95000"/>
+            </a:schemeClr>
+          </a:solidFill>
+          <a:ln>
+            <a:noFill/>
+          </a:ln>
+        </p:spPr>
+        <p:style>
+          <a:lnRef idx="2">
+            <a:schemeClr val="accent1">
+              <a:shade val="50000"/>
+            </a:schemeClr>
+          </a:lnRef>
+          <a:fillRef idx="1">
+            <a:schemeClr val="accent1"/>
+          </a:fillRef>
+          <a:effectRef idx="0">
+            <a:schemeClr val="accent1"/>
+          </a:effectRef>
+          <a:fontRef idx="minor">
+            <a:schemeClr val="lt1"/>
+          </a:fontRef>
+        </p:style>
+        <p:txBody>
+          <a:bodyPr rtlCol="0" anchor="ctr"/>
+          <a:lstStyle/>
+          <a:p>
+            <a:r>
+              <a:rPr lang="de-DE" sz="1600" dirty="0">
+                <a:solidFill>
+                  <a:schemeClr val="tx1">
+                    <a:lumMod val="50000"/>
+                    <a:lumOff val="50000"/>
+                  </a:schemeClr>
+                </a:solidFill>
+                <a:latin typeface="Calibri" pitchFamily="34" charset="0"/>
+                <a:cs typeface="Arial" charset="0"/>
+              </a:rPr>
+              <a:t>How it works</a:t>
+            </a:r>
+            <a:endParaRPr lang="en-US" sz="1600" dirty="0">
+              <a:solidFill>
+                <a:schemeClr val="tx1">
+                  <a:lumMod val="50000"/>
+                  <a:lumOff val="50000"/>
+                </a:schemeClr>
+              </a:solidFill>
+              <a:latin typeface="Calibri" pitchFamily="34" charset="0"/>
+              <a:cs typeface="Arial" charset="0"/>
+            </a:endParaRPr>
           </a:p>
         </p:txBody>
       </p:sp>
@@ -27533,7 +28416,7 @@
                   </a:schemeClr>
                 </a:solidFill>
               </a:rPr>
-              <a:t>3.506 €</a:t>
+              <a:t>0 €</a:t>
             </a:r>
             <a:r>
               <a:rPr lang="de-DE" sz="2000" dirty="0" smtClean="0">
@@ -27576,7 +28459,7 @@
                   </a:schemeClr>
                 </a:solidFill>
               </a:rPr>
-              <a:t>10 €</a:t>
+              <a:t>0 €</a:t>
             </a:r>
           </a:p>
           <a:p>
@@ -27947,7 +28830,7 @@
       </p:sp>
       <p:pic>
         <p:nvPicPr>
-          <p:cNvPr id="27" name="Picture 2" descr="http://www.skype-emoticons.com/images/emoticon-00100-smile.png"/>
+          <p:cNvPr id="1026" name="Picture 2" descr="Bildergebnis für user with mobile"/>
           <p:cNvPicPr>
             <a:picLocks noChangeAspect="1" noChangeArrowheads="1"/>
           </p:cNvPicPr>
@@ -27968,8 +28851,8 @@
         </p:blipFill>
         <p:spPr bwMode="auto">
           <a:xfrm>
-            <a:off x="1170163" y="5865240"/>
-            <a:ext cx="180975" cy="180975"/>
+            <a:off x="4321299" y="2256452"/>
+            <a:ext cx="933450" cy="1885950"/>
           </a:xfrm>
           <a:prstGeom prst="rect">
             <a:avLst/>
@@ -27988,340 +28871,30 @@
       </p:pic>
       <p:sp>
         <p:nvSpPr>
-          <p:cNvPr id="28" name="Textfeld 27"/>
-          <p:cNvSpPr txBox="1"/>
+          <p:cNvPr id="10" name="Wolkenförmige Legende 9"/>
+          <p:cNvSpPr/>
           <p:nvPr/>
         </p:nvSpPr>
         <p:spPr>
           <a:xfrm>
-            <a:off x="1116457" y="5703657"/>
-            <a:ext cx="451012" cy="161583"/>
-          </a:xfrm>
-          <a:prstGeom prst="rect">
-            <a:avLst/>
-          </a:prstGeom>
-          <a:noFill/>
-        </p:spPr>
-        <p:txBody>
-          <a:bodyPr wrap="none" lIns="36000" tIns="0" rIns="36000" bIns="0" rtlCol="0">
-            <a:spAutoFit/>
-          </a:bodyPr>
-          <a:lstStyle/>
-          <a:p>
-            <a:r>
-              <a:rPr lang="de-DE" sz="1050" dirty="0" smtClean="0">
-                <a:solidFill>
-                  <a:schemeClr val="bg1">
-                    <a:lumMod val="50000"/>
-                  </a:schemeClr>
-                </a:solidFill>
-              </a:rPr>
-              <a:t>2.470€</a:t>
-            </a:r>
-            <a:endParaRPr lang="en-US" sz="1050" dirty="0">
-              <a:solidFill>
-                <a:schemeClr val="bg1">
-                  <a:lumMod val="50000"/>
-                </a:schemeClr>
-              </a:solidFill>
-            </a:endParaRPr>
-          </a:p>
-        </p:txBody>
-      </p:sp>
-      <p:sp>
-        <p:nvSpPr>
-          <p:cNvPr id="29" name="Textfeld 28"/>
-          <p:cNvSpPr txBox="1"/>
-          <p:nvPr/>
-        </p:nvSpPr>
-        <p:spPr>
-          <a:xfrm>
-            <a:off x="1092290" y="6038706"/>
-            <a:ext cx="393304" cy="161583"/>
-          </a:xfrm>
-          <a:prstGeom prst="rect">
-            <a:avLst/>
-          </a:prstGeom>
-          <a:noFill/>
-        </p:spPr>
-        <p:txBody>
-          <a:bodyPr wrap="none" lIns="36000" tIns="0" rIns="36000" bIns="0" rtlCol="0">
-            <a:spAutoFit/>
-          </a:bodyPr>
-          <a:lstStyle/>
-          <a:p>
-            <a:r>
-              <a:rPr lang="de-DE" sz="1050" dirty="0" smtClean="0">
-                <a:solidFill>
-                  <a:schemeClr val="bg1">
-                    <a:lumMod val="50000"/>
-                  </a:schemeClr>
-                </a:solidFill>
-              </a:rPr>
-              <a:t>Adam</a:t>
-            </a:r>
-            <a:endParaRPr lang="en-US" sz="1050" dirty="0">
-              <a:solidFill>
-                <a:schemeClr val="bg1">
-                  <a:lumMod val="50000"/>
-                </a:schemeClr>
-              </a:solidFill>
-            </a:endParaRPr>
-          </a:p>
-        </p:txBody>
-      </p:sp>
-      <p:pic>
-        <p:nvPicPr>
-          <p:cNvPr id="30" name="Picture 2" descr="http://www.skype-emoticons.com/images/emoticon-00100-smile.png"/>
-          <p:cNvPicPr>
-            <a:picLocks noChangeAspect="1" noChangeArrowheads="1"/>
-          </p:cNvPicPr>
-          <p:nvPr/>
-        </p:nvPicPr>
-        <p:blipFill>
-          <a:blip r:embed="rId7">
-            <a:extLst>
-              <a:ext uri="{28A0092B-C50C-407E-A947-70E740481C1C}">
-                <a14:useLocalDpi xmlns:a14="http://schemas.microsoft.com/office/drawing/2010/main" val="0"/>
-              </a:ext>
-            </a:extLst>
-          </a:blip>
-          <a:srcRect/>
-          <a:stretch>
-            <a:fillRect/>
-          </a:stretch>
-        </p:blipFill>
-        <p:spPr bwMode="auto">
-          <a:xfrm>
-            <a:off x="1962251" y="5882807"/>
-            <a:ext cx="180975" cy="180975"/>
-          </a:xfrm>
-          <a:prstGeom prst="rect">
-            <a:avLst/>
-          </a:prstGeom>
-          <a:noFill/>
-          <a:extLst>
-            <a:ext uri="{909E8E84-426E-40DD-AFC4-6F175D3DCCD1}">
-              <a14:hiddenFill xmlns:a14="http://schemas.microsoft.com/office/drawing/2010/main">
-                <a:solidFill>
-                  <a:srgbClr val="FFFFFF"/>
-                </a:solidFill>
-              </a14:hiddenFill>
-            </a:ext>
-          </a:extLst>
-        </p:spPr>
-      </p:pic>
-      <p:sp>
-        <p:nvSpPr>
-          <p:cNvPr id="31" name="Textfeld 30"/>
-          <p:cNvSpPr txBox="1"/>
-          <p:nvPr/>
-        </p:nvSpPr>
-        <p:spPr>
-          <a:xfrm>
-            <a:off x="1890611" y="5721224"/>
-            <a:ext cx="279491" cy="161583"/>
-          </a:xfrm>
-          <a:prstGeom prst="rect">
-            <a:avLst/>
-          </a:prstGeom>
-          <a:noFill/>
-        </p:spPr>
-        <p:txBody>
-          <a:bodyPr wrap="none" lIns="36000" tIns="0" rIns="36000" bIns="0" rtlCol="0">
-            <a:spAutoFit/>
-          </a:bodyPr>
-          <a:lstStyle/>
-          <a:p>
-            <a:r>
-              <a:rPr lang="de-DE" sz="1050" dirty="0" smtClean="0">
-                <a:solidFill>
-                  <a:schemeClr val="bg1">
-                    <a:lumMod val="50000"/>
-                  </a:schemeClr>
-                </a:solidFill>
-              </a:rPr>
-              <a:t>15€</a:t>
-            </a:r>
-            <a:endParaRPr lang="en-US" sz="1050" dirty="0">
-              <a:solidFill>
-                <a:schemeClr val="bg1">
-                  <a:lumMod val="50000"/>
-                </a:schemeClr>
-              </a:solidFill>
-            </a:endParaRPr>
-          </a:p>
-        </p:txBody>
-      </p:sp>
-      <p:sp>
-        <p:nvSpPr>
-          <p:cNvPr id="32" name="Textfeld 31"/>
-          <p:cNvSpPr txBox="1"/>
-          <p:nvPr/>
-        </p:nvSpPr>
-        <p:spPr>
-          <a:xfrm>
-            <a:off x="1884378" y="6056273"/>
-            <a:ext cx="263461" cy="161583"/>
-          </a:xfrm>
-          <a:prstGeom prst="rect">
-            <a:avLst/>
-          </a:prstGeom>
-          <a:noFill/>
-        </p:spPr>
-        <p:txBody>
-          <a:bodyPr wrap="none" lIns="36000" tIns="0" rIns="36000" bIns="0" rtlCol="0">
-            <a:spAutoFit/>
-          </a:bodyPr>
-          <a:lstStyle/>
-          <a:p>
-            <a:r>
-              <a:rPr lang="de-DE" sz="1050" dirty="0" smtClean="0">
-                <a:solidFill>
-                  <a:schemeClr val="bg1">
-                    <a:lumMod val="50000"/>
-                  </a:schemeClr>
-                </a:solidFill>
-              </a:rPr>
-              <a:t>Eva</a:t>
-            </a:r>
-            <a:endParaRPr lang="en-US" sz="1050" dirty="0">
-              <a:solidFill>
-                <a:schemeClr val="bg1">
-                  <a:lumMod val="50000"/>
-                </a:schemeClr>
-              </a:solidFill>
-            </a:endParaRPr>
-          </a:p>
-        </p:txBody>
-      </p:sp>
-      <p:cxnSp>
-        <p:nvCxnSpPr>
-          <p:cNvPr id="33" name="Gekrümmte Verbindung 32"/>
-          <p:cNvCxnSpPr>
-            <a:stCxn id="2" idx="2"/>
-            <a:endCxn id="28" idx="0"/>
-          </p:cNvCxnSpPr>
-          <p:nvPr/>
-        </p:nvCxnSpPr>
-        <p:spPr>
-          <a:xfrm rot="5400000">
-            <a:off x="1653474" y="5158712"/>
-            <a:ext cx="233435" cy="856455"/>
-          </a:xfrm>
-          <a:prstGeom prst="curvedConnector3">
+            <a:off x="5795932" y="0"/>
+            <a:ext cx="3314340" cy="2866415"/>
+          </a:xfrm>
+          <a:prstGeom prst="cloudCallout">
             <a:avLst>
-              <a:gd name="adj1" fmla="val 50000"/>
-            </a:avLst>
-          </a:prstGeom>
-          <a:ln>
-            <a:gradFill flip="none" rotWithShape="1">
-              <a:gsLst>
-                <a:gs pos="100000">
-                  <a:schemeClr val="bg1">
-                    <a:lumMod val="95000"/>
-                  </a:schemeClr>
-                </a:gs>
-                <a:gs pos="1000">
-                  <a:schemeClr val="bg1">
-                    <a:lumMod val="50000"/>
-                  </a:schemeClr>
-                </a:gs>
-              </a:gsLst>
-              <a:lin ang="16200000" scaled="1"/>
-              <a:tileRect/>
-            </a:gradFill>
-          </a:ln>
-        </p:spPr>
-        <p:style>
-          <a:lnRef idx="1">
-            <a:schemeClr val="accent1"/>
-          </a:lnRef>
-          <a:fillRef idx="0">
-            <a:schemeClr val="accent1"/>
-          </a:fillRef>
-          <a:effectRef idx="0">
-            <a:schemeClr val="accent1"/>
-          </a:effectRef>
-          <a:fontRef idx="minor">
-            <a:schemeClr val="tx1"/>
-          </a:fontRef>
-        </p:style>
-      </p:cxnSp>
-      <p:cxnSp>
-        <p:nvCxnSpPr>
-          <p:cNvPr id="34" name="Gekrümmte Verbindung 33"/>
-          <p:cNvCxnSpPr>
-            <a:stCxn id="2" idx="2"/>
-            <a:endCxn id="31" idx="0"/>
-          </p:cNvCxnSpPr>
-          <p:nvPr/>
-        </p:nvCxnSpPr>
-        <p:spPr>
-          <a:xfrm rot="5400000">
-            <a:off x="1988887" y="5511693"/>
-            <a:ext cx="251002" cy="168061"/>
-          </a:xfrm>
-          <a:prstGeom prst="curvedConnector3">
-            <a:avLst>
-              <a:gd name="adj1" fmla="val 50000"/>
-            </a:avLst>
-          </a:prstGeom>
-          <a:ln>
-            <a:gradFill flip="none" rotWithShape="1">
-              <a:gsLst>
-                <a:gs pos="100000">
-                  <a:schemeClr val="bg1">
-                    <a:lumMod val="95000"/>
-                  </a:schemeClr>
-                </a:gs>
-                <a:gs pos="1000">
-                  <a:schemeClr val="bg1">
-                    <a:lumMod val="50000"/>
-                  </a:schemeClr>
-                </a:gs>
-              </a:gsLst>
-              <a:lin ang="16200000" scaled="1"/>
-              <a:tileRect/>
-            </a:gradFill>
-          </a:ln>
-        </p:spPr>
-        <p:style>
-          <a:lnRef idx="1">
-            <a:schemeClr val="accent1"/>
-          </a:lnRef>
-          <a:fillRef idx="0">
-            <a:schemeClr val="accent1"/>
-          </a:fillRef>
-          <a:effectRef idx="0">
-            <a:schemeClr val="accent1"/>
-          </a:effectRef>
-          <a:fontRef idx="minor">
-            <a:schemeClr val="tx1"/>
-          </a:fontRef>
-        </p:style>
-      </p:cxnSp>
-      <p:sp>
-        <p:nvSpPr>
-          <p:cNvPr id="2" name="Abgerundetes Rechteck 1"/>
-          <p:cNvSpPr/>
-          <p:nvPr/>
-        </p:nvSpPr>
-        <p:spPr>
-          <a:xfrm>
-            <a:off x="918273" y="5179661"/>
-            <a:ext cx="2560290" cy="290561"/>
-          </a:xfrm>
-          <a:prstGeom prst="roundRect">
-            <a:avLst>
-              <a:gd name="adj" fmla="val 32893"/>
+              <a:gd name="adj1" fmla="val -69303"/>
+              <a:gd name="adj2" fmla="val 31942"/>
             </a:avLst>
           </a:prstGeom>
           <a:solidFill>
-            <a:srgbClr val="0099FF"/>
+            <a:srgbClr val="FFFF99"/>
           </a:solidFill>
-          <a:ln>
-            <a:noFill/>
+          <a:ln w="15875">
+            <a:solidFill>
+              <a:schemeClr val="bg1">
+                <a:lumMod val="65000"/>
+              </a:schemeClr>
+            </a:solidFill>
           </a:ln>
         </p:spPr>
         <p:style>
@@ -28344,105 +28917,6 @@
           <a:bodyPr rtlCol="0" anchor="ctr"/>
           <a:lstStyle/>
           <a:p>
-            <a:pPr algn="ctr"/>
-            <a:r>
-              <a:rPr lang="de-DE" sz="1400" dirty="0" smtClean="0"/>
-              <a:t>Invite friends</a:t>
-            </a:r>
-            <a:endParaRPr lang="en-US" sz="1400" dirty="0"/>
-          </a:p>
-        </p:txBody>
-      </p:sp>
-      <p:pic>
-        <p:nvPicPr>
-          <p:cNvPr id="47" name="Picture 2" descr="Bildergebnis für user with mobile"/>
-          <p:cNvPicPr>
-            <a:picLocks noChangeAspect="1" noChangeArrowheads="1"/>
-          </p:cNvPicPr>
-          <p:nvPr/>
-        </p:nvPicPr>
-        <p:blipFill>
-          <a:blip r:embed="rId8">
-            <a:extLst>
-              <a:ext uri="{28A0092B-C50C-407E-A947-70E740481C1C}">
-                <a14:useLocalDpi xmlns:a14="http://schemas.microsoft.com/office/drawing/2010/main" val="0"/>
-              </a:ext>
-            </a:extLst>
-          </a:blip>
-          <a:srcRect/>
-          <a:stretch>
-            <a:fillRect/>
-          </a:stretch>
-        </p:blipFill>
-        <p:spPr bwMode="auto">
-          <a:xfrm>
-            <a:off x="4321299" y="2256452"/>
-            <a:ext cx="933450" cy="1885950"/>
-          </a:xfrm>
-          <a:prstGeom prst="rect">
-            <a:avLst/>
-          </a:prstGeom>
-          <a:noFill/>
-          <a:extLst>
-            <a:ext uri="{909E8E84-426E-40DD-AFC4-6F175D3DCCD1}">
-              <a14:hiddenFill xmlns:a14="http://schemas.microsoft.com/office/drawing/2010/main">
-                <a:solidFill>
-                  <a:srgbClr val="FFFFFF"/>
-                </a:solidFill>
-              </a14:hiddenFill>
-            </a:ext>
-          </a:extLst>
-        </p:spPr>
-      </p:pic>
-      <p:sp>
-        <p:nvSpPr>
-          <p:cNvPr id="48" name="Wolkenförmige Legende 47"/>
-          <p:cNvSpPr/>
-          <p:nvPr/>
-        </p:nvSpPr>
-        <p:spPr>
-          <a:xfrm>
-            <a:off x="5508104" y="836711"/>
-            <a:ext cx="1944998" cy="1728193"/>
-          </a:xfrm>
-          <a:prstGeom prst="cloudCallout">
-            <a:avLst>
-              <a:gd name="adj1" fmla="val -69303"/>
-              <a:gd name="adj2" fmla="val 31942"/>
-            </a:avLst>
-          </a:prstGeom>
-          <a:solidFill>
-            <a:srgbClr val="FFFF99"/>
-          </a:solidFill>
-          <a:ln w="15875">
-            <a:solidFill>
-              <a:schemeClr val="bg1">
-                <a:lumMod val="65000"/>
-              </a:schemeClr>
-            </a:solidFill>
-          </a:ln>
-        </p:spPr>
-        <p:style>
-          <a:lnRef idx="2">
-            <a:schemeClr val="accent1">
-              <a:shade val="50000"/>
-            </a:schemeClr>
-          </a:lnRef>
-          <a:fillRef idx="1">
-            <a:schemeClr val="accent1"/>
-          </a:fillRef>
-          <a:effectRef idx="0">
-            <a:schemeClr val="accent1"/>
-          </a:effectRef>
-          <a:fontRef idx="minor">
-            <a:schemeClr val="lt1"/>
-          </a:fontRef>
-        </p:style>
-        <p:txBody>
-          <a:bodyPr rtlCol="0" anchor="ctr"/>
-          <a:lstStyle/>
-          <a:p>
-            <a:pPr algn="ctr"/>
             <a:r>
               <a:rPr lang="de-DE" sz="1400" dirty="0" smtClean="0">
                 <a:solidFill>
@@ -28452,28 +28926,22 @@
                   </a:schemeClr>
                 </a:solidFill>
               </a:rPr>
-              <a:t>Wow, 3.506 €!</a:t>
+              <a:t>Ahh, a video, lets see…</a:t>
             </a:r>
-          </a:p>
-          <a:p>
-            <a:pPr algn="ctr"/>
-            <a:r>
-              <a:rPr lang="de-DE" sz="1400" dirty="0" smtClean="0">
-                <a:solidFill>
-                  <a:schemeClr val="tx1">
-                    <a:lumMod val="65000"/>
-                    <a:lumOff val="35000"/>
-                  </a:schemeClr>
-                </a:solidFill>
-              </a:rPr>
-              <a:t>Lets see how this money was spend.</a:t>
-            </a:r>
+            <a:endParaRPr lang="en-US" sz="1400" dirty="0">
+              <a:solidFill>
+                <a:schemeClr val="tx1">
+                  <a:lumMod val="65000"/>
+                  <a:lumOff val="35000"/>
+                </a:schemeClr>
+              </a:solidFill>
+            </a:endParaRPr>
           </a:p>
         </p:txBody>
       </p:sp>
       <p:sp>
         <p:nvSpPr>
-          <p:cNvPr id="10" name="Textfeld 9"/>
+          <p:cNvPr id="29" name="Textfeld 28"/>
           <p:cNvSpPr txBox="1"/>
           <p:nvPr/>
         </p:nvSpPr>
@@ -28517,7 +28985,7 @@
       </p:sp>
       <p:grpSp>
         <p:nvGrpSpPr>
-          <p:cNvPr id="44" name="Gruppieren 43"/>
+          <p:cNvPr id="14" name="Gruppieren 13"/>
           <p:cNvGrpSpPr/>
           <p:nvPr/>
         </p:nvGrpSpPr>
@@ -28531,7 +28999,7 @@
         </p:grpSpPr>
         <p:sp>
           <p:nvSpPr>
-            <p:cNvPr id="46" name="Textfeld 45"/>
+            <p:cNvPr id="30" name="Textfeld 29"/>
             <p:cNvSpPr txBox="1"/>
             <p:nvPr/>
           </p:nvSpPr>
@@ -28578,14 +29046,14 @@
         </p:sp>
         <p:pic>
           <p:nvPicPr>
-            <p:cNvPr id="49" name="Picture 2"/>
+            <p:cNvPr id="13" name="Picture 2"/>
             <p:cNvPicPr>
               <a:picLocks noChangeAspect="1" noChangeArrowheads="1"/>
             </p:cNvPicPr>
             <p:nvPr/>
           </p:nvPicPr>
           <p:blipFill>
-            <a:blip r:embed="rId9">
+            <a:blip r:embed="rId8">
               <a:extLst>
                 <a:ext uri="{28A0092B-C50C-407E-A947-70E740481C1C}">
                   <a14:useLocalDpi xmlns:a14="http://schemas.microsoft.com/office/drawing/2010/main" val="0"/>
@@ -28632,7 +29100,7 @@
         </p:pic>
         <p:sp>
           <p:nvSpPr>
-            <p:cNvPr id="50" name="Textfeld 49"/>
+            <p:cNvPr id="31" name="Textfeld 30"/>
             <p:cNvSpPr txBox="1"/>
             <p:nvPr/>
           </p:nvSpPr>
@@ -28663,7 +29131,7 @@
                       <a:lumOff val="35000"/>
                     </a:schemeClr>
                   </a:solidFill>
-                  <a:hlinkClick r:id="rId10"/>
+                  <a:hlinkClick r:id="rId9"/>
                 </a:rPr>
                 <a:t>http://willkommen-in.de/help</a:t>
               </a:r>
@@ -28723,366 +29191,126 @@
           </p:txBody>
         </p:sp>
       </p:grpSp>
-      <p:pic>
-        <p:nvPicPr>
-          <p:cNvPr id="45" name="Picture 2" descr="http://www.skype-emoticons.com/images/emoticon-00100-smile.png"/>
-          <p:cNvPicPr>
-            <a:picLocks noChangeAspect="1" noChangeArrowheads="1"/>
-          </p:cNvPicPr>
-          <p:nvPr/>
-        </p:nvPicPr>
-        <p:blipFill>
-          <a:blip r:embed="rId7">
-            <a:extLst>
-              <a:ext uri="{28A0092B-C50C-407E-A947-70E740481C1C}">
-                <a14:useLocalDpi xmlns:a14="http://schemas.microsoft.com/office/drawing/2010/main" val="0"/>
-              </a:ext>
-            </a:extLst>
-          </a:blip>
-          <a:srcRect/>
-          <a:stretch>
-            <a:fillRect/>
-          </a:stretch>
-        </p:blipFill>
-        <p:spPr bwMode="auto">
-          <a:xfrm>
-            <a:off x="2540623" y="5883213"/>
-            <a:ext cx="180975" cy="180975"/>
-          </a:xfrm>
-          <a:prstGeom prst="rect">
+      <p:sp>
+        <p:nvSpPr>
+          <p:cNvPr id="15" name="Gleichschenkliges Dreieck 14"/>
+          <p:cNvSpPr/>
+          <p:nvPr/>
+        </p:nvSpPr>
+        <p:spPr>
+          <a:xfrm rot="5400000">
+            <a:off x="1912069" y="1900330"/>
+            <a:ext cx="648072" cy="441812"/>
+          </a:xfrm>
+          <a:prstGeom prst="triangle">
             <a:avLst/>
           </a:prstGeom>
-          <a:noFill/>
-          <a:extLst>
-            <a:ext uri="{909E8E84-426E-40DD-AFC4-6F175D3DCCD1}">
-              <a14:hiddenFill xmlns:a14="http://schemas.microsoft.com/office/drawing/2010/main">
-                <a:solidFill>
-                  <a:srgbClr val="FFFFFF"/>
-                </a:solidFill>
-              </a14:hiddenFill>
-            </a:ext>
-          </a:extLst>
-        </p:spPr>
-      </p:pic>
-      <p:sp>
-        <p:nvSpPr>
-          <p:cNvPr id="51" name="Textfeld 50"/>
-          <p:cNvSpPr txBox="1"/>
-          <p:nvPr/>
-        </p:nvSpPr>
-        <p:spPr>
-          <a:xfrm>
-            <a:off x="2468983" y="5721630"/>
-            <a:ext cx="417349" cy="161583"/>
-          </a:xfrm>
-          <a:prstGeom prst="rect">
-            <a:avLst/>
-          </a:prstGeom>
-          <a:noFill/>
-        </p:spPr>
-        <p:txBody>
-          <a:bodyPr wrap="none" lIns="36000" tIns="0" rIns="36000" bIns="0" rtlCol="0">
-            <a:spAutoFit/>
-          </a:bodyPr>
-          <a:lstStyle/>
-          <a:p>
-            <a:r>
-              <a:rPr lang="de-DE" sz="1050" dirty="0" smtClean="0">
-                <a:solidFill>
-                  <a:schemeClr val="bg1">
-                    <a:lumMod val="50000"/>
-                  </a:schemeClr>
-                </a:solidFill>
-              </a:rPr>
-              <a:t>1011€</a:t>
-            </a:r>
-            <a:endParaRPr lang="en-US" sz="1050" dirty="0">
-              <a:solidFill>
-                <a:schemeClr val="bg1">
-                  <a:lumMod val="50000"/>
-                </a:schemeClr>
-              </a:solidFill>
-            </a:endParaRPr>
-          </a:p>
-        </p:txBody>
-      </p:sp>
-      <p:sp>
-        <p:nvSpPr>
-          <p:cNvPr id="52" name="Textfeld 51"/>
-          <p:cNvSpPr txBox="1"/>
-          <p:nvPr/>
-        </p:nvSpPr>
-        <p:spPr>
-          <a:xfrm>
-            <a:off x="2355434" y="6056679"/>
-            <a:ext cx="558414" cy="161583"/>
-          </a:xfrm>
-          <a:prstGeom prst="rect">
-            <a:avLst/>
-          </a:prstGeom>
-          <a:noFill/>
-        </p:spPr>
-        <p:txBody>
-          <a:bodyPr wrap="none" lIns="36000" tIns="0" rIns="36000" bIns="0" rtlCol="0">
-            <a:spAutoFit/>
-          </a:bodyPr>
-          <a:lstStyle/>
-          <a:p>
-            <a:r>
-              <a:rPr lang="de-DE" sz="1050" dirty="0" smtClean="0">
-                <a:solidFill>
-                  <a:schemeClr val="bg1">
-                    <a:lumMod val="50000"/>
-                  </a:schemeClr>
-                </a:solidFill>
-              </a:rPr>
-              <a:t>Benedikt</a:t>
-            </a:r>
-            <a:endParaRPr lang="en-US" sz="1050" dirty="0">
-              <a:solidFill>
-                <a:schemeClr val="bg1">
-                  <a:lumMod val="50000"/>
-                </a:schemeClr>
-              </a:solidFill>
-            </a:endParaRPr>
-          </a:p>
-        </p:txBody>
-      </p:sp>
-      <p:pic>
-        <p:nvPicPr>
-          <p:cNvPr id="53" name="Picture 2" descr="http://www.skype-emoticons.com/images/emoticon-00100-smile.png"/>
-          <p:cNvPicPr>
-            <a:picLocks noChangeAspect="1" noChangeArrowheads="1"/>
-          </p:cNvPicPr>
-          <p:nvPr/>
-        </p:nvPicPr>
-        <p:blipFill>
-          <a:blip r:embed="rId7">
-            <a:extLst>
-              <a:ext uri="{28A0092B-C50C-407E-A947-70E740481C1C}">
-                <a14:useLocalDpi xmlns:a14="http://schemas.microsoft.com/office/drawing/2010/main" val="0"/>
-              </a:ext>
-            </a:extLst>
-          </a:blip>
-          <a:srcRect/>
-          <a:stretch>
-            <a:fillRect/>
-          </a:stretch>
-        </p:blipFill>
-        <p:spPr bwMode="auto">
-          <a:xfrm>
-            <a:off x="3118995" y="5883619"/>
-            <a:ext cx="180975" cy="180975"/>
-          </a:xfrm>
-          <a:prstGeom prst="rect">
-            <a:avLst/>
-          </a:prstGeom>
-          <a:noFill/>
-          <a:extLst>
-            <a:ext uri="{909E8E84-426E-40DD-AFC4-6F175D3DCCD1}">
-              <a14:hiddenFill xmlns:a14="http://schemas.microsoft.com/office/drawing/2010/main">
-                <a:solidFill>
-                  <a:srgbClr val="FFFFFF"/>
-                </a:solidFill>
-              </a14:hiddenFill>
-            </a:ext>
-          </a:extLst>
-        </p:spPr>
-      </p:pic>
-      <p:sp>
-        <p:nvSpPr>
-          <p:cNvPr id="54" name="Textfeld 53"/>
-          <p:cNvSpPr txBox="1"/>
-          <p:nvPr/>
-        </p:nvSpPr>
-        <p:spPr>
-          <a:xfrm>
-            <a:off x="3063327" y="5722036"/>
-            <a:ext cx="210561" cy="161583"/>
-          </a:xfrm>
-          <a:prstGeom prst="rect">
-            <a:avLst/>
-          </a:prstGeom>
-          <a:noFill/>
-        </p:spPr>
-        <p:txBody>
-          <a:bodyPr wrap="none" lIns="36000" tIns="0" rIns="36000" bIns="0" rtlCol="0">
-            <a:spAutoFit/>
-          </a:bodyPr>
-          <a:lstStyle/>
-          <a:p>
-            <a:r>
-              <a:rPr lang="de-DE" sz="1050" dirty="0" smtClean="0">
-                <a:solidFill>
-                  <a:schemeClr val="bg1">
-                    <a:lumMod val="50000"/>
-                  </a:schemeClr>
-                </a:solidFill>
-              </a:rPr>
-              <a:t>0€</a:t>
-            </a:r>
-            <a:endParaRPr lang="en-US" sz="1050" dirty="0">
-              <a:solidFill>
-                <a:schemeClr val="bg1">
-                  <a:lumMod val="50000"/>
-                </a:schemeClr>
-              </a:solidFill>
-            </a:endParaRPr>
-          </a:p>
-        </p:txBody>
-      </p:sp>
-      <p:sp>
-        <p:nvSpPr>
-          <p:cNvPr id="55" name="Textfeld 54"/>
-          <p:cNvSpPr txBox="1"/>
-          <p:nvPr/>
-        </p:nvSpPr>
-        <p:spPr>
-          <a:xfrm>
-            <a:off x="3041122" y="6057085"/>
-            <a:ext cx="306742" cy="161583"/>
-          </a:xfrm>
-          <a:prstGeom prst="rect">
-            <a:avLst/>
-          </a:prstGeom>
-          <a:noFill/>
-        </p:spPr>
-        <p:txBody>
-          <a:bodyPr wrap="none" lIns="36000" tIns="0" rIns="36000" bIns="0" rtlCol="0">
-            <a:spAutoFit/>
-          </a:bodyPr>
-          <a:lstStyle/>
-          <a:p>
-            <a:r>
-              <a:rPr lang="de-DE" sz="1050" dirty="0" smtClean="0">
-                <a:solidFill>
-                  <a:schemeClr val="bg1">
-                    <a:lumMod val="50000"/>
-                  </a:schemeClr>
-                </a:solidFill>
-              </a:rPr>
-              <a:t>Jens</a:t>
-            </a:r>
-            <a:endParaRPr lang="en-US" sz="1050" dirty="0">
-              <a:solidFill>
-                <a:schemeClr val="bg1">
-                  <a:lumMod val="50000"/>
-                </a:schemeClr>
-              </a:solidFill>
-            </a:endParaRPr>
-          </a:p>
-        </p:txBody>
-      </p:sp>
-      <p:cxnSp>
-        <p:nvCxnSpPr>
-          <p:cNvPr id="56" name="Gekrümmte Verbindung 55"/>
-          <p:cNvCxnSpPr>
-            <a:stCxn id="2" idx="2"/>
-            <a:endCxn id="51" idx="0"/>
-          </p:cNvCxnSpPr>
-          <p:nvPr/>
-        </p:nvCxnSpPr>
-        <p:spPr>
-          <a:xfrm rot="16200000" flipH="1">
-            <a:off x="2312334" y="5356306"/>
-            <a:ext cx="251408" cy="479240"/>
-          </a:xfrm>
-          <a:prstGeom prst="curvedConnector3">
-            <a:avLst>
-              <a:gd name="adj1" fmla="val 50000"/>
-            </a:avLst>
-          </a:prstGeom>
+          <a:solidFill>
+            <a:schemeClr val="bg1">
+              <a:alpha val="59000"/>
+            </a:schemeClr>
+          </a:solidFill>
           <a:ln>
-            <a:gradFill flip="none" rotWithShape="1">
-              <a:gsLst>
-                <a:gs pos="100000">
-                  <a:schemeClr val="bg1">
-                    <a:lumMod val="95000"/>
-                  </a:schemeClr>
-                </a:gs>
-                <a:gs pos="1000">
-                  <a:schemeClr val="bg1">
-                    <a:lumMod val="50000"/>
-                  </a:schemeClr>
-                </a:gs>
-              </a:gsLst>
-              <a:lin ang="16200000" scaled="1"/>
-              <a:tileRect/>
-            </a:gradFill>
+            <a:noFill/>
           </a:ln>
         </p:spPr>
         <p:style>
-          <a:lnRef idx="1">
-            <a:schemeClr val="accent1"/>
+          <a:lnRef idx="2">
+            <a:schemeClr val="accent1">
+              <a:shade val="50000"/>
+            </a:schemeClr>
           </a:lnRef>
-          <a:fillRef idx="0">
+          <a:fillRef idx="1">
             <a:schemeClr val="accent1"/>
           </a:fillRef>
           <a:effectRef idx="0">
             <a:schemeClr val="accent1"/>
           </a:effectRef>
           <a:fontRef idx="minor">
-            <a:schemeClr val="tx1"/>
+            <a:schemeClr val="lt1"/>
           </a:fontRef>
         </p:style>
-      </p:cxnSp>
-      <p:cxnSp>
-        <p:nvCxnSpPr>
-          <p:cNvPr id="57" name="Gekrümmte Verbindung 56"/>
-          <p:cNvCxnSpPr>
-            <a:stCxn id="2" idx="2"/>
-            <a:endCxn id="54" idx="0"/>
-          </p:cNvCxnSpPr>
-          <p:nvPr/>
-        </p:nvCxnSpPr>
+        <p:txBody>
+          <a:bodyPr rtlCol="0" anchor="ctr"/>
+          <a:lstStyle/>
+          <a:p>
+            <a:pPr algn="ctr"/>
+            <a:endParaRPr lang="en-US"/>
+          </a:p>
+        </p:txBody>
+      </p:sp>
+      <p:sp>
+        <p:nvSpPr>
+          <p:cNvPr id="34" name="Pfeil nach rechts 33"/>
+          <p:cNvSpPr/>
+          <p:nvPr/>
+        </p:nvSpPr>
         <p:spPr>
-          <a:xfrm rot="16200000" flipH="1">
-            <a:off x="2557606" y="5111034"/>
-            <a:ext cx="251814" cy="970190"/>
-          </a:xfrm>
-          <a:prstGeom prst="curvedConnector3">
-            <a:avLst>
-              <a:gd name="adj1" fmla="val 50000"/>
-            </a:avLst>
+          <a:xfrm rot="1176722" flipH="1">
+            <a:off x="2470182" y="2295261"/>
+            <a:ext cx="1889027" cy="720080"/>
+          </a:xfrm>
+          <a:prstGeom prst="rightArrow">
+            <a:avLst/>
           </a:prstGeom>
+          <a:solidFill>
+            <a:srgbClr val="FFFF99"/>
+          </a:solidFill>
           <a:ln>
-            <a:gradFill flip="none" rotWithShape="1">
-              <a:gsLst>
-                <a:gs pos="100000">
-                  <a:schemeClr val="bg1">
-                    <a:lumMod val="95000"/>
-                  </a:schemeClr>
-                </a:gs>
-                <a:gs pos="1000">
-                  <a:schemeClr val="bg1">
-                    <a:lumMod val="50000"/>
-                  </a:schemeClr>
-                </a:gs>
-              </a:gsLst>
-              <a:lin ang="16200000" scaled="1"/>
-              <a:tileRect/>
-            </a:gradFill>
+            <a:solidFill>
+              <a:schemeClr val="bg1">
+                <a:lumMod val="65000"/>
+              </a:schemeClr>
+            </a:solidFill>
           </a:ln>
         </p:spPr>
         <p:style>
-          <a:lnRef idx="1">
-            <a:schemeClr val="accent1"/>
+          <a:lnRef idx="2">
+            <a:schemeClr val="accent1">
+              <a:shade val="50000"/>
+            </a:schemeClr>
           </a:lnRef>
-          <a:fillRef idx="0">
+          <a:fillRef idx="1">
             <a:schemeClr val="accent1"/>
           </a:fillRef>
           <a:effectRef idx="0">
             <a:schemeClr val="accent1"/>
           </a:effectRef>
           <a:fontRef idx="minor">
-            <a:schemeClr val="tx1"/>
+            <a:schemeClr val="lt1"/>
           </a:fontRef>
         </p:style>
-      </p:cxnSp>
+        <p:txBody>
+          <a:bodyPr rtlCol="0" anchor="ctr"/>
+          <a:lstStyle/>
+          <a:p>
+            <a:pPr algn="ctr"/>
+            <a:r>
+              <a:rPr lang="de-DE" dirty="0">
+                <a:solidFill>
+                  <a:schemeClr val="tx1">
+                    <a:lumMod val="65000"/>
+                    <a:lumOff val="35000"/>
+                  </a:schemeClr>
+                </a:solidFill>
+              </a:rPr>
+              <a:t>Touch</a:t>
+            </a:r>
+            <a:endParaRPr lang="en-US" dirty="0">
+              <a:solidFill>
+                <a:schemeClr val="tx1">
+                  <a:lumMod val="65000"/>
+                  <a:lumOff val="35000"/>
+                </a:schemeClr>
+              </a:solidFill>
+            </a:endParaRPr>
+          </a:p>
+        </p:txBody>
+      </p:sp>
     </p:spTree>
     <p:extLst>
       <p:ext uri="{BB962C8B-B14F-4D97-AF65-F5344CB8AC3E}">
-        <p14:creationId xmlns:p14="http://schemas.microsoft.com/office/powerpoint/2010/main" val="442336436"/>
+        <p14:creationId xmlns:p14="http://schemas.microsoft.com/office/powerpoint/2010/main" val="3371319936"/>
       </p:ext>
     </p:extLst>
   </p:cSld>
@@ -29099,7 +29327,7 @@
 </p:sld>
 </file>
 
-<file path=ppt/slides/slide3.xml><?xml version="1.0" encoding="utf-8"?>
+<file path=ppt/slides/slide30.xml><?xml version="1.0" encoding="utf-8"?>
 <p:sld xmlns:a="http://schemas.openxmlformats.org/drawingml/2006/main" xmlns:r="http://schemas.openxmlformats.org/officeDocument/2006/relationships" xmlns:p="http://schemas.openxmlformats.org/presentationml/2006/main">
   <p:cSld>
     <p:spTree>
@@ -29386,22 +29614,20 @@
       </p:pic>
       <p:sp>
         <p:nvSpPr>
-          <p:cNvPr id="2" name="Abgerundetes Rechteck 1"/>
+          <p:cNvPr id="9" name="Rechteck 8"/>
           <p:cNvSpPr/>
           <p:nvPr/>
         </p:nvSpPr>
         <p:spPr>
           <a:xfrm>
-            <a:off x="918273" y="5179661"/>
-            <a:ext cx="2560290" cy="290561"/>
-          </a:xfrm>
-          <a:prstGeom prst="roundRect">
-            <a:avLst>
-              <a:gd name="adj" fmla="val 32893"/>
-            </a:avLst>
+            <a:off x="5004048" y="1296339"/>
+            <a:ext cx="3600000" cy="607876"/>
+          </a:xfrm>
+          <a:prstGeom prst="rect">
+            <a:avLst/>
           </a:prstGeom>
           <a:solidFill>
-            <a:srgbClr val="0099FF"/>
+            <a:schemeClr val="bg1"/>
           </a:solidFill>
           <a:ln>
             <a:noFill/>
@@ -29428,126 +29654,7 @@
           <a:lstStyle/>
           <a:p>
             <a:pPr algn="ctr"/>
-            <a:r>
-              <a:rPr lang="de-DE" sz="1400" dirty="0" smtClean="0"/>
-              <a:t>Invite friends</a:t>
-            </a:r>
-            <a:endParaRPr lang="en-US" sz="1400" dirty="0"/>
-          </a:p>
-        </p:txBody>
-      </p:sp>
-      <p:sp>
-        <p:nvSpPr>
-          <p:cNvPr id="9" name="Rechteck 8"/>
-          <p:cNvSpPr/>
-          <p:nvPr/>
-        </p:nvSpPr>
-        <p:spPr>
-          <a:xfrm>
-            <a:off x="5004048" y="1296339"/>
-            <a:ext cx="3600000" cy="607876"/>
-          </a:xfrm>
-          <a:prstGeom prst="rect">
-            <a:avLst/>
-          </a:prstGeom>
-          <a:solidFill>
-            <a:schemeClr val="bg1"/>
-          </a:solidFill>
-          <a:ln>
-            <a:noFill/>
-          </a:ln>
-        </p:spPr>
-        <p:style>
-          <a:lnRef idx="2">
-            <a:schemeClr val="accent1">
-              <a:shade val="50000"/>
-            </a:schemeClr>
-          </a:lnRef>
-          <a:fillRef idx="1">
-            <a:schemeClr val="accent1"/>
-          </a:fillRef>
-          <a:effectRef idx="0">
-            <a:schemeClr val="accent1"/>
-          </a:effectRef>
-          <a:fontRef idx="minor">
-            <a:schemeClr val="lt1"/>
-          </a:fontRef>
-        </p:style>
-        <p:txBody>
-          <a:bodyPr rtlCol="0" anchor="ctr"/>
-          <a:lstStyle/>
-          <a:p>
-            <a:pPr algn="ctr"/>
             <a:endParaRPr lang="en-US"/>
-          </a:p>
-        </p:txBody>
-      </p:sp>
-      <p:sp>
-        <p:nvSpPr>
-          <p:cNvPr id="21" name="Rechteck 20"/>
-          <p:cNvSpPr/>
-          <p:nvPr/>
-        </p:nvSpPr>
-        <p:spPr>
-          <a:xfrm>
-            <a:off x="395935" y="5645342"/>
-            <a:ext cx="3592957" cy="303938"/>
-          </a:xfrm>
-          <a:prstGeom prst="rect">
-            <a:avLst/>
-          </a:prstGeom>
-          <a:solidFill>
-            <a:schemeClr val="bg1">
-              <a:lumMod val="95000"/>
-            </a:schemeClr>
-          </a:solidFill>
-          <a:ln>
-            <a:noFill/>
-          </a:ln>
-        </p:spPr>
-        <p:style>
-          <a:lnRef idx="2">
-            <a:schemeClr val="accent1">
-              <a:shade val="50000"/>
-            </a:schemeClr>
-          </a:lnRef>
-          <a:fillRef idx="1">
-            <a:schemeClr val="accent1"/>
-          </a:fillRef>
-          <a:effectRef idx="0">
-            <a:schemeClr val="accent1"/>
-          </a:effectRef>
-          <a:fontRef idx="minor">
-            <a:schemeClr val="lt1"/>
-          </a:fontRef>
-        </p:style>
-        <p:txBody>
-          <a:bodyPr rtlCol="0" anchor="ctr"/>
-          <a:lstStyle/>
-          <a:p>
-            <a:r>
-              <a:rPr lang="de-DE" sz="1600" dirty="0">
-                <a:solidFill>
-                  <a:schemeClr val="tx1">
-                    <a:lumMod val="50000"/>
-                    <a:lumOff val="50000"/>
-                  </a:schemeClr>
-                </a:solidFill>
-                <a:latin typeface="Calibri" pitchFamily="34" charset="0"/>
-                <a:cs typeface="Arial" charset="0"/>
-              </a:rPr>
-              <a:t>How it works</a:t>
-            </a:r>
-            <a:endParaRPr lang="en-US" sz="1600" dirty="0">
-              <a:solidFill>
-                <a:schemeClr val="tx1">
-                  <a:lumMod val="50000"/>
-                  <a:lumOff val="50000"/>
-                </a:schemeClr>
-              </a:solidFill>
-              <a:latin typeface="Calibri" pitchFamily="34" charset="0"/>
-              <a:cs typeface="Arial" charset="0"/>
-            </a:endParaRPr>
           </a:p>
         </p:txBody>
       </p:sp>
@@ -29976,7 +30083,7 @@
                   </a:schemeClr>
                 </a:solidFill>
               </a:rPr>
-              <a:t>0 €</a:t>
+              <a:t>3.506 €</a:t>
             </a:r>
             <a:r>
               <a:rPr lang="de-DE" sz="2000" dirty="0" smtClean="0">
@@ -30019,7 +30126,7 @@
                   </a:schemeClr>
                 </a:solidFill>
               </a:rPr>
-              <a:t>0 €</a:t>
+              <a:t>10 €</a:t>
             </a:r>
           </a:p>
           <a:p>
@@ -30390,7 +30497,7 @@
       </p:sp>
       <p:pic>
         <p:nvPicPr>
-          <p:cNvPr id="1026" name="Picture 2" descr="Bildergebnis für user with mobile"/>
+          <p:cNvPr id="27" name="Picture 2" descr="http://www.skype-emoticons.com/images/emoticon-00100-smile.png"/>
           <p:cNvPicPr>
             <a:picLocks noChangeAspect="1" noChangeArrowheads="1"/>
           </p:cNvPicPr>
@@ -30411,8 +30518,8 @@
         </p:blipFill>
         <p:spPr bwMode="auto">
           <a:xfrm>
-            <a:off x="4321299" y="2256452"/>
-            <a:ext cx="933450" cy="1885950"/>
+            <a:off x="1170163" y="5865240"/>
+            <a:ext cx="180975" cy="180975"/>
           </a:xfrm>
           <a:prstGeom prst="rect">
             <a:avLst/>
@@ -30431,30 +30538,340 @@
       </p:pic>
       <p:sp>
         <p:nvSpPr>
-          <p:cNvPr id="10" name="Wolkenförmige Legende 9"/>
-          <p:cNvSpPr/>
+          <p:cNvPr id="28" name="Textfeld 27"/>
+          <p:cNvSpPr txBox="1"/>
           <p:nvPr/>
         </p:nvSpPr>
         <p:spPr>
           <a:xfrm>
-            <a:off x="5795932" y="0"/>
-            <a:ext cx="3314340" cy="2866415"/>
-          </a:xfrm>
-          <a:prstGeom prst="cloudCallout">
+            <a:off x="1116457" y="5703657"/>
+            <a:ext cx="451012" cy="161583"/>
+          </a:xfrm>
+          <a:prstGeom prst="rect">
+            <a:avLst/>
+          </a:prstGeom>
+          <a:noFill/>
+        </p:spPr>
+        <p:txBody>
+          <a:bodyPr wrap="none" lIns="36000" tIns="0" rIns="36000" bIns="0" rtlCol="0">
+            <a:spAutoFit/>
+          </a:bodyPr>
+          <a:lstStyle/>
+          <a:p>
+            <a:r>
+              <a:rPr lang="de-DE" sz="1050" dirty="0" smtClean="0">
+                <a:solidFill>
+                  <a:schemeClr val="bg1">
+                    <a:lumMod val="50000"/>
+                  </a:schemeClr>
+                </a:solidFill>
+              </a:rPr>
+              <a:t>2.470€</a:t>
+            </a:r>
+            <a:endParaRPr lang="en-US" sz="1050" dirty="0">
+              <a:solidFill>
+                <a:schemeClr val="bg1">
+                  <a:lumMod val="50000"/>
+                </a:schemeClr>
+              </a:solidFill>
+            </a:endParaRPr>
+          </a:p>
+        </p:txBody>
+      </p:sp>
+      <p:sp>
+        <p:nvSpPr>
+          <p:cNvPr id="29" name="Textfeld 28"/>
+          <p:cNvSpPr txBox="1"/>
+          <p:nvPr/>
+        </p:nvSpPr>
+        <p:spPr>
+          <a:xfrm>
+            <a:off x="1092290" y="6038706"/>
+            <a:ext cx="393304" cy="161583"/>
+          </a:xfrm>
+          <a:prstGeom prst="rect">
+            <a:avLst/>
+          </a:prstGeom>
+          <a:noFill/>
+        </p:spPr>
+        <p:txBody>
+          <a:bodyPr wrap="none" lIns="36000" tIns="0" rIns="36000" bIns="0" rtlCol="0">
+            <a:spAutoFit/>
+          </a:bodyPr>
+          <a:lstStyle/>
+          <a:p>
+            <a:r>
+              <a:rPr lang="de-DE" sz="1050" dirty="0" smtClean="0">
+                <a:solidFill>
+                  <a:schemeClr val="bg1">
+                    <a:lumMod val="50000"/>
+                  </a:schemeClr>
+                </a:solidFill>
+              </a:rPr>
+              <a:t>Adam</a:t>
+            </a:r>
+            <a:endParaRPr lang="en-US" sz="1050" dirty="0">
+              <a:solidFill>
+                <a:schemeClr val="bg1">
+                  <a:lumMod val="50000"/>
+                </a:schemeClr>
+              </a:solidFill>
+            </a:endParaRPr>
+          </a:p>
+        </p:txBody>
+      </p:sp>
+      <p:pic>
+        <p:nvPicPr>
+          <p:cNvPr id="30" name="Picture 2" descr="http://www.skype-emoticons.com/images/emoticon-00100-smile.png"/>
+          <p:cNvPicPr>
+            <a:picLocks noChangeAspect="1" noChangeArrowheads="1"/>
+          </p:cNvPicPr>
+          <p:nvPr/>
+        </p:nvPicPr>
+        <p:blipFill>
+          <a:blip r:embed="rId7">
+            <a:extLst>
+              <a:ext uri="{28A0092B-C50C-407E-A947-70E740481C1C}">
+                <a14:useLocalDpi xmlns:a14="http://schemas.microsoft.com/office/drawing/2010/main" val="0"/>
+              </a:ext>
+            </a:extLst>
+          </a:blip>
+          <a:srcRect/>
+          <a:stretch>
+            <a:fillRect/>
+          </a:stretch>
+        </p:blipFill>
+        <p:spPr bwMode="auto">
+          <a:xfrm>
+            <a:off x="1962251" y="5882807"/>
+            <a:ext cx="180975" cy="180975"/>
+          </a:xfrm>
+          <a:prstGeom prst="rect">
+            <a:avLst/>
+          </a:prstGeom>
+          <a:noFill/>
+          <a:extLst>
+            <a:ext uri="{909E8E84-426E-40DD-AFC4-6F175D3DCCD1}">
+              <a14:hiddenFill xmlns:a14="http://schemas.microsoft.com/office/drawing/2010/main">
+                <a:solidFill>
+                  <a:srgbClr val="FFFFFF"/>
+                </a:solidFill>
+              </a14:hiddenFill>
+            </a:ext>
+          </a:extLst>
+        </p:spPr>
+      </p:pic>
+      <p:sp>
+        <p:nvSpPr>
+          <p:cNvPr id="31" name="Textfeld 30"/>
+          <p:cNvSpPr txBox="1"/>
+          <p:nvPr/>
+        </p:nvSpPr>
+        <p:spPr>
+          <a:xfrm>
+            <a:off x="1890611" y="5721224"/>
+            <a:ext cx="279491" cy="161583"/>
+          </a:xfrm>
+          <a:prstGeom prst="rect">
+            <a:avLst/>
+          </a:prstGeom>
+          <a:noFill/>
+        </p:spPr>
+        <p:txBody>
+          <a:bodyPr wrap="none" lIns="36000" tIns="0" rIns="36000" bIns="0" rtlCol="0">
+            <a:spAutoFit/>
+          </a:bodyPr>
+          <a:lstStyle/>
+          <a:p>
+            <a:r>
+              <a:rPr lang="de-DE" sz="1050" dirty="0" smtClean="0">
+                <a:solidFill>
+                  <a:schemeClr val="bg1">
+                    <a:lumMod val="50000"/>
+                  </a:schemeClr>
+                </a:solidFill>
+              </a:rPr>
+              <a:t>15€</a:t>
+            </a:r>
+            <a:endParaRPr lang="en-US" sz="1050" dirty="0">
+              <a:solidFill>
+                <a:schemeClr val="bg1">
+                  <a:lumMod val="50000"/>
+                </a:schemeClr>
+              </a:solidFill>
+            </a:endParaRPr>
+          </a:p>
+        </p:txBody>
+      </p:sp>
+      <p:sp>
+        <p:nvSpPr>
+          <p:cNvPr id="32" name="Textfeld 31"/>
+          <p:cNvSpPr txBox="1"/>
+          <p:nvPr/>
+        </p:nvSpPr>
+        <p:spPr>
+          <a:xfrm>
+            <a:off x="1884378" y="6056273"/>
+            <a:ext cx="263461" cy="161583"/>
+          </a:xfrm>
+          <a:prstGeom prst="rect">
+            <a:avLst/>
+          </a:prstGeom>
+          <a:noFill/>
+        </p:spPr>
+        <p:txBody>
+          <a:bodyPr wrap="none" lIns="36000" tIns="0" rIns="36000" bIns="0" rtlCol="0">
+            <a:spAutoFit/>
+          </a:bodyPr>
+          <a:lstStyle/>
+          <a:p>
+            <a:r>
+              <a:rPr lang="de-DE" sz="1050" dirty="0" smtClean="0">
+                <a:solidFill>
+                  <a:schemeClr val="bg1">
+                    <a:lumMod val="50000"/>
+                  </a:schemeClr>
+                </a:solidFill>
+              </a:rPr>
+              <a:t>Eva</a:t>
+            </a:r>
+            <a:endParaRPr lang="en-US" sz="1050" dirty="0">
+              <a:solidFill>
+                <a:schemeClr val="bg1">
+                  <a:lumMod val="50000"/>
+                </a:schemeClr>
+              </a:solidFill>
+            </a:endParaRPr>
+          </a:p>
+        </p:txBody>
+      </p:sp>
+      <p:cxnSp>
+        <p:nvCxnSpPr>
+          <p:cNvPr id="33" name="Gekrümmte Verbindung 32"/>
+          <p:cNvCxnSpPr>
+            <a:stCxn id="2" idx="2"/>
+            <a:endCxn id="28" idx="0"/>
+          </p:cNvCxnSpPr>
+          <p:nvPr/>
+        </p:nvCxnSpPr>
+        <p:spPr>
+          <a:xfrm rot="5400000">
+            <a:off x="1653474" y="5158712"/>
+            <a:ext cx="233435" cy="856455"/>
+          </a:xfrm>
+          <a:prstGeom prst="curvedConnector3">
             <a:avLst>
-              <a:gd name="adj1" fmla="val -69303"/>
-              <a:gd name="adj2" fmla="val 31942"/>
+              <a:gd name="adj1" fmla="val 50000"/>
+            </a:avLst>
+          </a:prstGeom>
+          <a:ln>
+            <a:gradFill flip="none" rotWithShape="1">
+              <a:gsLst>
+                <a:gs pos="100000">
+                  <a:schemeClr val="bg1">
+                    <a:lumMod val="95000"/>
+                  </a:schemeClr>
+                </a:gs>
+                <a:gs pos="1000">
+                  <a:schemeClr val="bg1">
+                    <a:lumMod val="50000"/>
+                  </a:schemeClr>
+                </a:gs>
+              </a:gsLst>
+              <a:lin ang="16200000" scaled="1"/>
+              <a:tileRect/>
+            </a:gradFill>
+          </a:ln>
+        </p:spPr>
+        <p:style>
+          <a:lnRef idx="1">
+            <a:schemeClr val="accent1"/>
+          </a:lnRef>
+          <a:fillRef idx="0">
+            <a:schemeClr val="accent1"/>
+          </a:fillRef>
+          <a:effectRef idx="0">
+            <a:schemeClr val="accent1"/>
+          </a:effectRef>
+          <a:fontRef idx="minor">
+            <a:schemeClr val="tx1"/>
+          </a:fontRef>
+        </p:style>
+      </p:cxnSp>
+      <p:cxnSp>
+        <p:nvCxnSpPr>
+          <p:cNvPr id="34" name="Gekrümmte Verbindung 33"/>
+          <p:cNvCxnSpPr>
+            <a:stCxn id="2" idx="2"/>
+            <a:endCxn id="31" idx="0"/>
+          </p:cNvCxnSpPr>
+          <p:nvPr/>
+        </p:nvCxnSpPr>
+        <p:spPr>
+          <a:xfrm rot="5400000">
+            <a:off x="1988887" y="5511693"/>
+            <a:ext cx="251002" cy="168061"/>
+          </a:xfrm>
+          <a:prstGeom prst="curvedConnector3">
+            <a:avLst>
+              <a:gd name="adj1" fmla="val 50000"/>
+            </a:avLst>
+          </a:prstGeom>
+          <a:ln>
+            <a:gradFill flip="none" rotWithShape="1">
+              <a:gsLst>
+                <a:gs pos="100000">
+                  <a:schemeClr val="bg1">
+                    <a:lumMod val="95000"/>
+                  </a:schemeClr>
+                </a:gs>
+                <a:gs pos="1000">
+                  <a:schemeClr val="bg1">
+                    <a:lumMod val="50000"/>
+                  </a:schemeClr>
+                </a:gs>
+              </a:gsLst>
+              <a:lin ang="16200000" scaled="1"/>
+              <a:tileRect/>
+            </a:gradFill>
+          </a:ln>
+        </p:spPr>
+        <p:style>
+          <a:lnRef idx="1">
+            <a:schemeClr val="accent1"/>
+          </a:lnRef>
+          <a:fillRef idx="0">
+            <a:schemeClr val="accent1"/>
+          </a:fillRef>
+          <a:effectRef idx="0">
+            <a:schemeClr val="accent1"/>
+          </a:effectRef>
+          <a:fontRef idx="minor">
+            <a:schemeClr val="tx1"/>
+          </a:fontRef>
+        </p:style>
+      </p:cxnSp>
+      <p:sp>
+        <p:nvSpPr>
+          <p:cNvPr id="2" name="Abgerundetes Rechteck 1"/>
+          <p:cNvSpPr/>
+          <p:nvPr/>
+        </p:nvSpPr>
+        <p:spPr>
+          <a:xfrm>
+            <a:off x="918273" y="5179661"/>
+            <a:ext cx="2560290" cy="290561"/>
+          </a:xfrm>
+          <a:prstGeom prst="roundRect">
+            <a:avLst>
+              <a:gd name="adj" fmla="val 32893"/>
             </a:avLst>
           </a:prstGeom>
           <a:solidFill>
-            <a:srgbClr val="FFFF99"/>
+            <a:srgbClr val="0099FF"/>
           </a:solidFill>
-          <a:ln w="15875">
-            <a:solidFill>
-              <a:schemeClr val="bg1">
-                <a:lumMod val="65000"/>
-              </a:schemeClr>
-            </a:solidFill>
+          <a:ln>
+            <a:noFill/>
           </a:ln>
         </p:spPr>
         <p:style>
@@ -30477,6 +30894,105 @@
           <a:bodyPr rtlCol="0" anchor="ctr"/>
           <a:lstStyle/>
           <a:p>
+            <a:pPr algn="ctr"/>
+            <a:r>
+              <a:rPr lang="de-DE" sz="1400" dirty="0" smtClean="0"/>
+              <a:t>Invite friends</a:t>
+            </a:r>
+            <a:endParaRPr lang="en-US" sz="1400" dirty="0"/>
+          </a:p>
+        </p:txBody>
+      </p:sp>
+      <p:pic>
+        <p:nvPicPr>
+          <p:cNvPr id="47" name="Picture 2" descr="Bildergebnis für user with mobile"/>
+          <p:cNvPicPr>
+            <a:picLocks noChangeAspect="1" noChangeArrowheads="1"/>
+          </p:cNvPicPr>
+          <p:nvPr/>
+        </p:nvPicPr>
+        <p:blipFill>
+          <a:blip r:embed="rId8">
+            <a:extLst>
+              <a:ext uri="{28A0092B-C50C-407E-A947-70E740481C1C}">
+                <a14:useLocalDpi xmlns:a14="http://schemas.microsoft.com/office/drawing/2010/main" val="0"/>
+              </a:ext>
+            </a:extLst>
+          </a:blip>
+          <a:srcRect/>
+          <a:stretch>
+            <a:fillRect/>
+          </a:stretch>
+        </p:blipFill>
+        <p:spPr bwMode="auto">
+          <a:xfrm>
+            <a:off x="4321299" y="2256452"/>
+            <a:ext cx="933450" cy="1885950"/>
+          </a:xfrm>
+          <a:prstGeom prst="rect">
+            <a:avLst/>
+          </a:prstGeom>
+          <a:noFill/>
+          <a:extLst>
+            <a:ext uri="{909E8E84-426E-40DD-AFC4-6F175D3DCCD1}">
+              <a14:hiddenFill xmlns:a14="http://schemas.microsoft.com/office/drawing/2010/main">
+                <a:solidFill>
+                  <a:srgbClr val="FFFFFF"/>
+                </a:solidFill>
+              </a14:hiddenFill>
+            </a:ext>
+          </a:extLst>
+        </p:spPr>
+      </p:pic>
+      <p:sp>
+        <p:nvSpPr>
+          <p:cNvPr id="48" name="Wolkenförmige Legende 47"/>
+          <p:cNvSpPr/>
+          <p:nvPr/>
+        </p:nvSpPr>
+        <p:spPr>
+          <a:xfrm>
+            <a:off x="5508104" y="836711"/>
+            <a:ext cx="1944998" cy="1728193"/>
+          </a:xfrm>
+          <a:prstGeom prst="cloudCallout">
+            <a:avLst>
+              <a:gd name="adj1" fmla="val -69303"/>
+              <a:gd name="adj2" fmla="val 31942"/>
+            </a:avLst>
+          </a:prstGeom>
+          <a:solidFill>
+            <a:srgbClr val="FFFF99"/>
+          </a:solidFill>
+          <a:ln w="15875">
+            <a:solidFill>
+              <a:schemeClr val="bg1">
+                <a:lumMod val="65000"/>
+              </a:schemeClr>
+            </a:solidFill>
+          </a:ln>
+        </p:spPr>
+        <p:style>
+          <a:lnRef idx="2">
+            <a:schemeClr val="accent1">
+              <a:shade val="50000"/>
+            </a:schemeClr>
+          </a:lnRef>
+          <a:fillRef idx="1">
+            <a:schemeClr val="accent1"/>
+          </a:fillRef>
+          <a:effectRef idx="0">
+            <a:schemeClr val="accent1"/>
+          </a:effectRef>
+          <a:fontRef idx="minor">
+            <a:schemeClr val="lt1"/>
+          </a:fontRef>
+        </p:style>
+        <p:txBody>
+          <a:bodyPr rtlCol="0" anchor="ctr"/>
+          <a:lstStyle/>
+          <a:p>
+            <a:pPr algn="ctr"/>
             <a:r>
               <a:rPr lang="de-DE" sz="1400" dirty="0" smtClean="0">
                 <a:solidFill>
@@ -30486,22 +31002,28 @@
                   </a:schemeClr>
                 </a:solidFill>
               </a:rPr>
-              <a:t>Ahh, a video, lets see…</a:t>
+              <a:t>Wow, 3.506 €!</a:t>
             </a:r>
-            <a:endParaRPr lang="en-US" sz="1400" dirty="0">
-              <a:solidFill>
-                <a:schemeClr val="tx1">
-                  <a:lumMod val="65000"/>
-                  <a:lumOff val="35000"/>
-                </a:schemeClr>
-              </a:solidFill>
-            </a:endParaRPr>
+          </a:p>
+          <a:p>
+            <a:pPr algn="ctr"/>
+            <a:r>
+              <a:rPr lang="de-DE" sz="1400" dirty="0" smtClean="0">
+                <a:solidFill>
+                  <a:schemeClr val="tx1">
+                    <a:lumMod val="65000"/>
+                    <a:lumOff val="35000"/>
+                  </a:schemeClr>
+                </a:solidFill>
+              </a:rPr>
+              <a:t>Lets see how this money was spend.</a:t>
+            </a:r>
           </a:p>
         </p:txBody>
       </p:sp>
       <p:sp>
         <p:nvSpPr>
-          <p:cNvPr id="29" name="Textfeld 28"/>
+          <p:cNvPr id="10" name="Textfeld 9"/>
           <p:cNvSpPr txBox="1"/>
           <p:nvPr/>
         </p:nvSpPr>
@@ -30545,7 +31067,7 @@
       </p:sp>
       <p:grpSp>
         <p:nvGrpSpPr>
-          <p:cNvPr id="14" name="Gruppieren 13"/>
+          <p:cNvPr id="44" name="Gruppieren 43"/>
           <p:cNvGrpSpPr/>
           <p:nvPr/>
         </p:nvGrpSpPr>
@@ -30559,7 +31081,7 @@
         </p:grpSpPr>
         <p:sp>
           <p:nvSpPr>
-            <p:cNvPr id="30" name="Textfeld 29"/>
+            <p:cNvPr id="46" name="Textfeld 45"/>
             <p:cNvSpPr txBox="1"/>
             <p:nvPr/>
           </p:nvSpPr>
@@ -30606,14 +31128,14 @@
         </p:sp>
         <p:pic>
           <p:nvPicPr>
-            <p:cNvPr id="13" name="Picture 2"/>
+            <p:cNvPr id="49" name="Picture 2"/>
             <p:cNvPicPr>
               <a:picLocks noChangeAspect="1" noChangeArrowheads="1"/>
             </p:cNvPicPr>
             <p:nvPr/>
           </p:nvPicPr>
           <p:blipFill>
-            <a:blip r:embed="rId8">
+            <a:blip r:embed="rId9">
               <a:extLst>
                 <a:ext uri="{28A0092B-C50C-407E-A947-70E740481C1C}">
                   <a14:useLocalDpi xmlns:a14="http://schemas.microsoft.com/office/drawing/2010/main" val="0"/>
@@ -30660,7 +31182,7 @@
         </p:pic>
         <p:sp>
           <p:nvSpPr>
-            <p:cNvPr id="31" name="Textfeld 30"/>
+            <p:cNvPr id="50" name="Textfeld 49"/>
             <p:cNvSpPr txBox="1"/>
             <p:nvPr/>
           </p:nvSpPr>
@@ -30691,7 +31213,7 @@
                       <a:lumOff val="35000"/>
                     </a:schemeClr>
                   </a:solidFill>
-                  <a:hlinkClick r:id="rId9"/>
+                  <a:hlinkClick r:id="rId10"/>
                 </a:rPr>
                 <a:t>http://willkommen-in.de/help</a:t>
               </a:r>
@@ -30751,126 +31273,366 @@
           </p:txBody>
         </p:sp>
       </p:grpSp>
+      <p:pic>
+        <p:nvPicPr>
+          <p:cNvPr id="45" name="Picture 2" descr="http://www.skype-emoticons.com/images/emoticon-00100-smile.png"/>
+          <p:cNvPicPr>
+            <a:picLocks noChangeAspect="1" noChangeArrowheads="1"/>
+          </p:cNvPicPr>
+          <p:nvPr/>
+        </p:nvPicPr>
+        <p:blipFill>
+          <a:blip r:embed="rId7">
+            <a:extLst>
+              <a:ext uri="{28A0092B-C50C-407E-A947-70E740481C1C}">
+                <a14:useLocalDpi xmlns:a14="http://schemas.microsoft.com/office/drawing/2010/main" val="0"/>
+              </a:ext>
+            </a:extLst>
+          </a:blip>
+          <a:srcRect/>
+          <a:stretch>
+            <a:fillRect/>
+          </a:stretch>
+        </p:blipFill>
+        <p:spPr bwMode="auto">
+          <a:xfrm>
+            <a:off x="2540623" y="5883213"/>
+            <a:ext cx="180975" cy="180975"/>
+          </a:xfrm>
+          <a:prstGeom prst="rect">
+            <a:avLst/>
+          </a:prstGeom>
+          <a:noFill/>
+          <a:extLst>
+            <a:ext uri="{909E8E84-426E-40DD-AFC4-6F175D3DCCD1}">
+              <a14:hiddenFill xmlns:a14="http://schemas.microsoft.com/office/drawing/2010/main">
+                <a:solidFill>
+                  <a:srgbClr val="FFFFFF"/>
+                </a:solidFill>
+              </a14:hiddenFill>
+            </a:ext>
+          </a:extLst>
+        </p:spPr>
+      </p:pic>
       <p:sp>
         <p:nvSpPr>
-          <p:cNvPr id="15" name="Gleichschenkliges Dreieck 14"/>
-          <p:cNvSpPr/>
+          <p:cNvPr id="51" name="Textfeld 50"/>
+          <p:cNvSpPr txBox="1"/>
           <p:nvPr/>
         </p:nvSpPr>
         <p:spPr>
-          <a:xfrm rot="5400000">
-            <a:off x="1912069" y="1900330"/>
-            <a:ext cx="648072" cy="441812"/>
-          </a:xfrm>
-          <a:prstGeom prst="triangle">
+          <a:xfrm>
+            <a:off x="2468983" y="5721630"/>
+            <a:ext cx="417349" cy="161583"/>
+          </a:xfrm>
+          <a:prstGeom prst="rect">
             <a:avLst/>
           </a:prstGeom>
-          <a:solidFill>
-            <a:schemeClr val="bg1">
-              <a:alpha val="59000"/>
-            </a:schemeClr>
-          </a:solidFill>
+          <a:noFill/>
+        </p:spPr>
+        <p:txBody>
+          <a:bodyPr wrap="none" lIns="36000" tIns="0" rIns="36000" bIns="0" rtlCol="0">
+            <a:spAutoFit/>
+          </a:bodyPr>
+          <a:lstStyle/>
+          <a:p>
+            <a:r>
+              <a:rPr lang="de-DE" sz="1050" dirty="0" smtClean="0">
+                <a:solidFill>
+                  <a:schemeClr val="bg1">
+                    <a:lumMod val="50000"/>
+                  </a:schemeClr>
+                </a:solidFill>
+              </a:rPr>
+              <a:t>1011€</a:t>
+            </a:r>
+            <a:endParaRPr lang="en-US" sz="1050" dirty="0">
+              <a:solidFill>
+                <a:schemeClr val="bg1">
+                  <a:lumMod val="50000"/>
+                </a:schemeClr>
+              </a:solidFill>
+            </a:endParaRPr>
+          </a:p>
+        </p:txBody>
+      </p:sp>
+      <p:sp>
+        <p:nvSpPr>
+          <p:cNvPr id="52" name="Textfeld 51"/>
+          <p:cNvSpPr txBox="1"/>
+          <p:nvPr/>
+        </p:nvSpPr>
+        <p:spPr>
+          <a:xfrm>
+            <a:off x="2355434" y="6056679"/>
+            <a:ext cx="558414" cy="161583"/>
+          </a:xfrm>
+          <a:prstGeom prst="rect">
+            <a:avLst/>
+          </a:prstGeom>
+          <a:noFill/>
+        </p:spPr>
+        <p:txBody>
+          <a:bodyPr wrap="none" lIns="36000" tIns="0" rIns="36000" bIns="0" rtlCol="0">
+            <a:spAutoFit/>
+          </a:bodyPr>
+          <a:lstStyle/>
+          <a:p>
+            <a:r>
+              <a:rPr lang="de-DE" sz="1050" dirty="0" smtClean="0">
+                <a:solidFill>
+                  <a:schemeClr val="bg1">
+                    <a:lumMod val="50000"/>
+                  </a:schemeClr>
+                </a:solidFill>
+              </a:rPr>
+              <a:t>Benedikt</a:t>
+            </a:r>
+            <a:endParaRPr lang="en-US" sz="1050" dirty="0">
+              <a:solidFill>
+                <a:schemeClr val="bg1">
+                  <a:lumMod val="50000"/>
+                </a:schemeClr>
+              </a:solidFill>
+            </a:endParaRPr>
+          </a:p>
+        </p:txBody>
+      </p:sp>
+      <p:pic>
+        <p:nvPicPr>
+          <p:cNvPr id="53" name="Picture 2" descr="http://www.skype-emoticons.com/images/emoticon-00100-smile.png"/>
+          <p:cNvPicPr>
+            <a:picLocks noChangeAspect="1" noChangeArrowheads="1"/>
+          </p:cNvPicPr>
+          <p:nvPr/>
+        </p:nvPicPr>
+        <p:blipFill>
+          <a:blip r:embed="rId7">
+            <a:extLst>
+              <a:ext uri="{28A0092B-C50C-407E-A947-70E740481C1C}">
+                <a14:useLocalDpi xmlns:a14="http://schemas.microsoft.com/office/drawing/2010/main" val="0"/>
+              </a:ext>
+            </a:extLst>
+          </a:blip>
+          <a:srcRect/>
+          <a:stretch>
+            <a:fillRect/>
+          </a:stretch>
+        </p:blipFill>
+        <p:spPr bwMode="auto">
+          <a:xfrm>
+            <a:off x="3118995" y="5883619"/>
+            <a:ext cx="180975" cy="180975"/>
+          </a:xfrm>
+          <a:prstGeom prst="rect">
+            <a:avLst/>
+          </a:prstGeom>
+          <a:noFill/>
+          <a:extLst>
+            <a:ext uri="{909E8E84-426E-40DD-AFC4-6F175D3DCCD1}">
+              <a14:hiddenFill xmlns:a14="http://schemas.microsoft.com/office/drawing/2010/main">
+                <a:solidFill>
+                  <a:srgbClr val="FFFFFF"/>
+                </a:solidFill>
+              </a14:hiddenFill>
+            </a:ext>
+          </a:extLst>
+        </p:spPr>
+      </p:pic>
+      <p:sp>
+        <p:nvSpPr>
+          <p:cNvPr id="54" name="Textfeld 53"/>
+          <p:cNvSpPr txBox="1"/>
+          <p:nvPr/>
+        </p:nvSpPr>
+        <p:spPr>
+          <a:xfrm>
+            <a:off x="3063327" y="5722036"/>
+            <a:ext cx="210561" cy="161583"/>
+          </a:xfrm>
+          <a:prstGeom prst="rect">
+            <a:avLst/>
+          </a:prstGeom>
+          <a:noFill/>
+        </p:spPr>
+        <p:txBody>
+          <a:bodyPr wrap="none" lIns="36000" tIns="0" rIns="36000" bIns="0" rtlCol="0">
+            <a:spAutoFit/>
+          </a:bodyPr>
+          <a:lstStyle/>
+          <a:p>
+            <a:r>
+              <a:rPr lang="de-DE" sz="1050" dirty="0" smtClean="0">
+                <a:solidFill>
+                  <a:schemeClr val="bg1">
+                    <a:lumMod val="50000"/>
+                  </a:schemeClr>
+                </a:solidFill>
+              </a:rPr>
+              <a:t>0€</a:t>
+            </a:r>
+            <a:endParaRPr lang="en-US" sz="1050" dirty="0">
+              <a:solidFill>
+                <a:schemeClr val="bg1">
+                  <a:lumMod val="50000"/>
+                </a:schemeClr>
+              </a:solidFill>
+            </a:endParaRPr>
+          </a:p>
+        </p:txBody>
+      </p:sp>
+      <p:sp>
+        <p:nvSpPr>
+          <p:cNvPr id="55" name="Textfeld 54"/>
+          <p:cNvSpPr txBox="1"/>
+          <p:nvPr/>
+        </p:nvSpPr>
+        <p:spPr>
+          <a:xfrm>
+            <a:off x="3041122" y="6057085"/>
+            <a:ext cx="306742" cy="161583"/>
+          </a:xfrm>
+          <a:prstGeom prst="rect">
+            <a:avLst/>
+          </a:prstGeom>
+          <a:noFill/>
+        </p:spPr>
+        <p:txBody>
+          <a:bodyPr wrap="none" lIns="36000" tIns="0" rIns="36000" bIns="0" rtlCol="0">
+            <a:spAutoFit/>
+          </a:bodyPr>
+          <a:lstStyle/>
+          <a:p>
+            <a:r>
+              <a:rPr lang="de-DE" sz="1050" dirty="0" smtClean="0">
+                <a:solidFill>
+                  <a:schemeClr val="bg1">
+                    <a:lumMod val="50000"/>
+                  </a:schemeClr>
+                </a:solidFill>
+              </a:rPr>
+              <a:t>Jens</a:t>
+            </a:r>
+            <a:endParaRPr lang="en-US" sz="1050" dirty="0">
+              <a:solidFill>
+                <a:schemeClr val="bg1">
+                  <a:lumMod val="50000"/>
+                </a:schemeClr>
+              </a:solidFill>
+            </a:endParaRPr>
+          </a:p>
+        </p:txBody>
+      </p:sp>
+      <p:cxnSp>
+        <p:nvCxnSpPr>
+          <p:cNvPr id="56" name="Gekrümmte Verbindung 55"/>
+          <p:cNvCxnSpPr>
+            <a:stCxn id="2" idx="2"/>
+            <a:endCxn id="51" idx="0"/>
+          </p:cNvCxnSpPr>
+          <p:nvPr/>
+        </p:nvCxnSpPr>
+        <p:spPr>
+          <a:xfrm rot="16200000" flipH="1">
+            <a:off x="2312334" y="5356306"/>
+            <a:ext cx="251408" cy="479240"/>
+          </a:xfrm>
+          <a:prstGeom prst="curvedConnector3">
+            <a:avLst>
+              <a:gd name="adj1" fmla="val 50000"/>
+            </a:avLst>
+          </a:prstGeom>
           <a:ln>
-            <a:noFill/>
+            <a:gradFill flip="none" rotWithShape="1">
+              <a:gsLst>
+                <a:gs pos="100000">
+                  <a:schemeClr val="bg1">
+                    <a:lumMod val="95000"/>
+                  </a:schemeClr>
+                </a:gs>
+                <a:gs pos="1000">
+                  <a:schemeClr val="bg1">
+                    <a:lumMod val="50000"/>
+                  </a:schemeClr>
+                </a:gs>
+              </a:gsLst>
+              <a:lin ang="16200000" scaled="1"/>
+              <a:tileRect/>
+            </a:gradFill>
           </a:ln>
         </p:spPr>
         <p:style>
-          <a:lnRef idx="2">
-            <a:schemeClr val="accent1">
-              <a:shade val="50000"/>
-            </a:schemeClr>
+          <a:lnRef idx="1">
+            <a:schemeClr val="accent1"/>
           </a:lnRef>
-          <a:fillRef idx="1">
+          <a:fillRef idx="0">
             <a:schemeClr val="accent1"/>
           </a:fillRef>
           <a:effectRef idx="0">
             <a:schemeClr val="accent1"/>
           </a:effectRef>
           <a:fontRef idx="minor">
-            <a:schemeClr val="lt1"/>
+            <a:schemeClr val="tx1"/>
           </a:fontRef>
         </p:style>
-        <p:txBody>
-          <a:bodyPr rtlCol="0" anchor="ctr"/>
-          <a:lstStyle/>
-          <a:p>
-            <a:pPr algn="ctr"/>
-            <a:endParaRPr lang="en-US"/>
-          </a:p>
-        </p:txBody>
-      </p:sp>
-      <p:sp>
-        <p:nvSpPr>
-          <p:cNvPr id="34" name="Pfeil nach rechts 33"/>
-          <p:cNvSpPr/>
-          <p:nvPr/>
-        </p:nvSpPr>
+      </p:cxnSp>
+      <p:cxnSp>
+        <p:nvCxnSpPr>
+          <p:cNvPr id="57" name="Gekrümmte Verbindung 56"/>
+          <p:cNvCxnSpPr>
+            <a:stCxn id="2" idx="2"/>
+            <a:endCxn id="54" idx="0"/>
+          </p:cNvCxnSpPr>
+          <p:nvPr/>
+        </p:nvCxnSpPr>
         <p:spPr>
-          <a:xfrm rot="1176722" flipH="1">
-            <a:off x="2470182" y="2295261"/>
-            <a:ext cx="1889027" cy="720080"/>
-          </a:xfrm>
-          <a:prstGeom prst="rightArrow">
-            <a:avLst/>
+          <a:xfrm rot="16200000" flipH="1">
+            <a:off x="2557606" y="5111034"/>
+            <a:ext cx="251814" cy="970190"/>
+          </a:xfrm>
+          <a:prstGeom prst="curvedConnector3">
+            <a:avLst>
+              <a:gd name="adj1" fmla="val 50000"/>
+            </a:avLst>
           </a:prstGeom>
-          <a:solidFill>
-            <a:srgbClr val="FFFF99"/>
-          </a:solidFill>
           <a:ln>
-            <a:solidFill>
-              <a:schemeClr val="bg1">
-                <a:lumMod val="65000"/>
-              </a:schemeClr>
-            </a:solidFill>
+            <a:gradFill flip="none" rotWithShape="1">
+              <a:gsLst>
+                <a:gs pos="100000">
+                  <a:schemeClr val="bg1">
+                    <a:lumMod val="95000"/>
+                  </a:schemeClr>
+                </a:gs>
+                <a:gs pos="1000">
+                  <a:schemeClr val="bg1">
+                    <a:lumMod val="50000"/>
+                  </a:schemeClr>
+                </a:gs>
+              </a:gsLst>
+              <a:lin ang="16200000" scaled="1"/>
+              <a:tileRect/>
+            </a:gradFill>
           </a:ln>
         </p:spPr>
         <p:style>
-          <a:lnRef idx="2">
-            <a:schemeClr val="accent1">
-              <a:shade val="50000"/>
-            </a:schemeClr>
+          <a:lnRef idx="1">
+            <a:schemeClr val="accent1"/>
           </a:lnRef>
-          <a:fillRef idx="1">
+          <a:fillRef idx="0">
             <a:schemeClr val="accent1"/>
           </a:fillRef>
           <a:effectRef idx="0">
             <a:schemeClr val="accent1"/>
           </a:effectRef>
           <a:fontRef idx="minor">
-            <a:schemeClr val="lt1"/>
+            <a:schemeClr val="tx1"/>
           </a:fontRef>
         </p:style>
-        <p:txBody>
-          <a:bodyPr rtlCol="0" anchor="ctr"/>
-          <a:lstStyle/>
-          <a:p>
-            <a:pPr algn="ctr"/>
-            <a:r>
-              <a:rPr lang="de-DE" dirty="0">
-                <a:solidFill>
-                  <a:schemeClr val="tx1">
-                    <a:lumMod val="65000"/>
-                    <a:lumOff val="35000"/>
-                  </a:schemeClr>
-                </a:solidFill>
-              </a:rPr>
-              <a:t>Touch</a:t>
-            </a:r>
-            <a:endParaRPr lang="en-US" dirty="0">
-              <a:solidFill>
-                <a:schemeClr val="tx1">
-                  <a:lumMod val="65000"/>
-                  <a:lumOff val="35000"/>
-                </a:schemeClr>
-              </a:solidFill>
-            </a:endParaRPr>
-          </a:p>
-        </p:txBody>
-      </p:sp>
+      </p:cxnSp>
     </p:spTree>
     <p:extLst>
       <p:ext uri="{BB962C8B-B14F-4D97-AF65-F5344CB8AC3E}">
-        <p14:creationId xmlns:p14="http://schemas.microsoft.com/office/powerpoint/2010/main" val="3371319936"/>
+        <p14:creationId xmlns:p14="http://schemas.microsoft.com/office/powerpoint/2010/main" val="442336436"/>
       </p:ext>
     </p:extLst>
   </p:cSld>
@@ -30887,7 +31649,7 @@
 </p:sld>
 </file>
 
-<file path=ppt/slides/slide30.xml><?xml version="1.0" encoding="utf-8"?>
+<file path=ppt/slides/slide31.xml><?xml version="1.0" encoding="utf-8"?>
 <p:sld xmlns:a="http://schemas.openxmlformats.org/drawingml/2006/main" xmlns:r="http://schemas.openxmlformats.org/officeDocument/2006/relationships" xmlns:p="http://schemas.openxmlformats.org/presentationml/2006/main">
   <p:cSld>
     <p:spTree>
@@ -32916,7 +33678,7 @@
 </p:sld>
 </file>
 
-<file path=ppt/slides/slide31.xml><?xml version="1.0" encoding="utf-8"?>
+<file path=ppt/slides/slide32.xml><?xml version="1.0" encoding="utf-8"?>
 <p:sld xmlns:a="http://schemas.openxmlformats.org/drawingml/2006/main" xmlns:r="http://schemas.openxmlformats.org/officeDocument/2006/relationships" xmlns:p="http://schemas.openxmlformats.org/presentationml/2006/main">
   <p:cSld>
     <p:spTree>
@@ -34943,7 +35705,7 @@
 </p:sld>
 </file>
 
-<file path=ppt/slides/slide32.xml><?xml version="1.0" encoding="utf-8"?>
+<file path=ppt/slides/slide33.xml><?xml version="1.0" encoding="utf-8"?>
 <p:sld xmlns:a="http://schemas.openxmlformats.org/drawingml/2006/main" xmlns:r="http://schemas.openxmlformats.org/officeDocument/2006/relationships" xmlns:p="http://schemas.openxmlformats.org/presentationml/2006/main">
   <p:cSld>
     <p:spTree>
@@ -45313,7 +46075,7 @@
         </p:nvGrpSpPr>
         <p:grpSpPr>
           <a:xfrm>
-            <a:off x="4860032" y="4057415"/>
+            <a:off x="3701252" y="3301781"/>
             <a:ext cx="1699345" cy="1615521"/>
             <a:chOff x="4860032" y="4057415"/>
             <a:chExt cx="1699345" cy="1615521"/>
@@ -45397,31 +46159,7 @@
                   </a:solidFill>
                   <a:latin typeface="Kristen ITC" panose="03050502040202030202" pitchFamily="66" charset="0"/>
                 </a:rPr>
-                <a:t>Inviting with </a:t>
-              </a:r>
-              <a:r>
-                <a:rPr lang="de-DE" sz="900" dirty="0" smtClean="0">
-                  <a:solidFill>
-                    <a:schemeClr val="tx1">
-                      <a:lumMod val="65000"/>
-                      <a:lumOff val="35000"/>
-                    </a:schemeClr>
-                  </a:solidFill>
-                  <a:latin typeface="Kristen ITC" panose="03050502040202030202" pitchFamily="66" charset="0"/>
-                </a:rPr>
-                <a:t>an email is very simple </a:t>
-              </a:r>
-              <a:r>
-                <a:rPr lang="de-DE" sz="900" dirty="0" smtClean="0">
-                  <a:solidFill>
-                    <a:schemeClr val="tx1">
-                      <a:lumMod val="65000"/>
-                      <a:lumOff val="35000"/>
-                    </a:schemeClr>
-                  </a:solidFill>
-                  <a:latin typeface="Kristen ITC" panose="03050502040202030202" pitchFamily="66" charset="0"/>
-                </a:rPr>
-                <a:t>and personal.</a:t>
+                <a:t>Inviting with an email is very simple and personal.</a:t>
               </a:r>
             </a:p>
           </p:txBody>
@@ -45749,6 +46487,587 @@
           <p:sp>
             <p:nvSpPr>
               <p:cNvPr id="38" name="Freihandform 37"/>
+              <p:cNvSpPr/>
+              <p:nvPr/>
+            </p:nvSpPr>
+            <p:spPr>
+              <a:xfrm rot="20854090">
+                <a:off x="3769796" y="4834797"/>
+                <a:ext cx="213173" cy="61708"/>
+              </a:xfrm>
+              <a:custGeom>
+                <a:avLst/>
+                <a:gdLst>
+                  <a:gd name="connsiteX0" fmla="*/ 213173 w 213173"/>
+                  <a:gd name="connsiteY0" fmla="*/ 0 h 61708"/>
+                  <a:gd name="connsiteX1" fmla="*/ 162685 w 213173"/>
+                  <a:gd name="connsiteY1" fmla="*/ 16830 h 61708"/>
+                  <a:gd name="connsiteX2" fmla="*/ 140246 w 213173"/>
+                  <a:gd name="connsiteY2" fmla="*/ 22440 h 61708"/>
+                  <a:gd name="connsiteX3" fmla="*/ 123416 w 213173"/>
+                  <a:gd name="connsiteY3" fmla="*/ 28049 h 61708"/>
+                  <a:gd name="connsiteX4" fmla="*/ 84148 w 213173"/>
+                  <a:gd name="connsiteY4" fmla="*/ 33659 h 61708"/>
+                  <a:gd name="connsiteX5" fmla="*/ 28049 w 213173"/>
+                  <a:gd name="connsiteY5" fmla="*/ 50489 h 61708"/>
+                  <a:gd name="connsiteX6" fmla="*/ 0 w 213173"/>
+                  <a:gd name="connsiteY6" fmla="*/ 61708 h 61708"/>
+                </a:gdLst>
+                <a:ahLst/>
+                <a:cxnLst>
+                  <a:cxn ang="0">
+                    <a:pos x="connsiteX0" y="connsiteY0"/>
+                  </a:cxn>
+                  <a:cxn ang="0">
+                    <a:pos x="connsiteX1" y="connsiteY1"/>
+                  </a:cxn>
+                  <a:cxn ang="0">
+                    <a:pos x="connsiteX2" y="connsiteY2"/>
+                  </a:cxn>
+                  <a:cxn ang="0">
+                    <a:pos x="connsiteX3" y="connsiteY3"/>
+                  </a:cxn>
+                  <a:cxn ang="0">
+                    <a:pos x="connsiteX4" y="connsiteY4"/>
+                  </a:cxn>
+                  <a:cxn ang="0">
+                    <a:pos x="connsiteX5" y="connsiteY5"/>
+                  </a:cxn>
+                  <a:cxn ang="0">
+                    <a:pos x="connsiteX6" y="connsiteY6"/>
+                  </a:cxn>
+                </a:cxnLst>
+                <a:rect l="l" t="t" r="r" b="b"/>
+                <a:pathLst>
+                  <a:path w="213173" h="61708">
+                    <a:moveTo>
+                      <a:pt x="213173" y="0"/>
+                    </a:moveTo>
+                    <a:cubicBezTo>
+                      <a:pt x="196344" y="5610"/>
+                      <a:pt x="179895" y="12527"/>
+                      <a:pt x="162685" y="16830"/>
+                    </a:cubicBezTo>
+                    <a:cubicBezTo>
+                      <a:pt x="155205" y="18700"/>
+                      <a:pt x="147659" y="20322"/>
+                      <a:pt x="140246" y="22440"/>
+                    </a:cubicBezTo>
+                    <a:cubicBezTo>
+                      <a:pt x="134560" y="24064"/>
+                      <a:pt x="129215" y="26889"/>
+                      <a:pt x="123416" y="28049"/>
+                    </a:cubicBezTo>
+                    <a:cubicBezTo>
+                      <a:pt x="110451" y="30642"/>
+                      <a:pt x="97157" y="31294"/>
+                      <a:pt x="84148" y="33659"/>
+                    </a:cubicBezTo>
+                    <a:cubicBezTo>
+                      <a:pt x="65493" y="37051"/>
+                      <a:pt x="45618" y="44633"/>
+                      <a:pt x="28049" y="50489"/>
+                    </a:cubicBezTo>
+                    <a:cubicBezTo>
+                      <a:pt x="7249" y="57422"/>
+                      <a:pt x="16512" y="53452"/>
+                      <a:pt x="0" y="61708"/>
+                    </a:cubicBezTo>
+                  </a:path>
+                </a:pathLst>
+              </a:custGeom>
+              <a:noFill/>
+              <a:ln w="12700">
+                <a:solidFill>
+                  <a:schemeClr val="tx1">
+                    <a:lumMod val="50000"/>
+                    <a:lumOff val="50000"/>
+                  </a:schemeClr>
+                </a:solidFill>
+              </a:ln>
+            </p:spPr>
+            <p:style>
+              <a:lnRef idx="2">
+                <a:schemeClr val="accent1">
+                  <a:shade val="50000"/>
+                </a:schemeClr>
+              </a:lnRef>
+              <a:fillRef idx="1">
+                <a:schemeClr val="accent1"/>
+              </a:fillRef>
+              <a:effectRef idx="0">
+                <a:schemeClr val="accent1"/>
+              </a:effectRef>
+              <a:fontRef idx="minor">
+                <a:schemeClr val="lt1"/>
+              </a:fontRef>
+            </p:style>
+            <p:txBody>
+              <a:bodyPr rtlCol="0" anchor="ctr"/>
+              <a:lstStyle/>
+              <a:p>
+                <a:pPr algn="ctr"/>
+                <a:endParaRPr lang="en-US" baseline="-25000"/>
+              </a:p>
+            </p:txBody>
+          </p:sp>
+        </p:grpSp>
+      </p:grpSp>
+      <p:grpSp>
+        <p:nvGrpSpPr>
+          <p:cNvPr id="6" name="Gruppieren 5"/>
+          <p:cNvGrpSpPr/>
+          <p:nvPr/>
+        </p:nvGrpSpPr>
+        <p:grpSpPr>
+          <a:xfrm>
+            <a:off x="5012432" y="4209815"/>
+            <a:ext cx="1699345" cy="1615521"/>
+            <a:chOff x="5012432" y="4209815"/>
+            <a:chExt cx="1699345" cy="1615521"/>
+          </a:xfrm>
+        </p:grpSpPr>
+        <p:pic>
+          <p:nvPicPr>
+            <p:cNvPr id="27" name="Picture 8" descr="C:\Users\MoritzTheile\Downloads\superstickies (2).png"/>
+            <p:cNvPicPr>
+              <a:picLocks noChangeAspect="1" noChangeArrowheads="1"/>
+            </p:cNvPicPr>
+            <p:nvPr/>
+          </p:nvPicPr>
+          <p:blipFill>
+            <a:blip r:embed="rId3">
+              <a:extLst>
+                <a:ext uri="{28A0092B-C50C-407E-A947-70E740481C1C}">
+                  <a14:useLocalDpi xmlns:a14="http://schemas.microsoft.com/office/drawing/2010/main" val="0"/>
+                </a:ext>
+              </a:extLst>
+            </a:blip>
+            <a:srcRect/>
+            <a:stretch>
+              <a:fillRect/>
+            </a:stretch>
+          </p:blipFill>
+          <p:spPr bwMode="auto">
+            <a:xfrm>
+              <a:off x="5012432" y="4209815"/>
+              <a:ext cx="1699345" cy="1615521"/>
+            </a:xfrm>
+            <a:prstGeom prst="rect">
+              <a:avLst/>
+            </a:prstGeom>
+            <a:noFill/>
+            <a:extLst>
+              <a:ext uri="{909E8E84-426E-40DD-AFC4-6F175D3DCCD1}">
+                <a14:hiddenFill xmlns:a14="http://schemas.microsoft.com/office/drawing/2010/main">
+                  <a:solidFill>
+                    <a:srgbClr val="FFFFFF"/>
+                  </a:solidFill>
+                </a14:hiddenFill>
+              </a:ext>
+            </a:extLst>
+          </p:spPr>
+        </p:pic>
+        <p:sp>
+          <p:nvSpPr>
+            <p:cNvPr id="28" name="Textfeld 27"/>
+            <p:cNvSpPr txBox="1"/>
+            <p:nvPr/>
+          </p:nvSpPr>
+          <p:spPr>
+            <a:xfrm rot="21347235">
+              <a:off x="5180039" y="4686423"/>
+              <a:ext cx="1435940" cy="923330"/>
+            </a:xfrm>
+            <a:prstGeom prst="rect">
+              <a:avLst/>
+            </a:prstGeom>
+            <a:noFill/>
+          </p:spPr>
+          <p:txBody>
+            <a:bodyPr wrap="square" rtlCol="0">
+              <a:spAutoFit/>
+            </a:bodyPr>
+            <a:lstStyle/>
+            <a:p>
+              <a:pPr>
+                <a:lnSpc>
+                  <a:spcPct val="150000"/>
+                </a:lnSpc>
+              </a:pPr>
+              <a:r>
+                <a:rPr lang="de-DE" sz="900" dirty="0" smtClean="0">
+                  <a:solidFill>
+                    <a:schemeClr val="tx1">
+                      <a:lumMod val="65000"/>
+                      <a:lumOff val="35000"/>
+                    </a:schemeClr>
+                  </a:solidFill>
+                  <a:latin typeface="Kristen ITC" panose="03050502040202030202" pitchFamily="66" charset="0"/>
+                </a:rPr>
+                <a:t>In </a:t>
+              </a:r>
+              <a:r>
+                <a:rPr lang="de-DE" sz="900" dirty="0" err="1" smtClean="0">
+                  <a:solidFill>
+                    <a:schemeClr val="tx1">
+                      <a:lumMod val="65000"/>
+                      <a:lumOff val="35000"/>
+                    </a:schemeClr>
+                  </a:solidFill>
+                  <a:latin typeface="Kristen ITC" panose="03050502040202030202" pitchFamily="66" charset="0"/>
+                </a:rPr>
+                <a:t>case</a:t>
+              </a:r>
+              <a:r>
+                <a:rPr lang="de-DE" sz="900" dirty="0" smtClean="0">
+                  <a:solidFill>
+                    <a:schemeClr val="tx1">
+                      <a:lumMod val="65000"/>
+                      <a:lumOff val="35000"/>
+                    </a:schemeClr>
+                  </a:solidFill>
+                  <a:latin typeface="Kristen ITC" panose="03050502040202030202" pitchFamily="66" charset="0"/>
+                </a:rPr>
+                <a:t> your email </a:t>
+              </a:r>
+              <a:r>
+                <a:rPr lang="de-DE" sz="900" dirty="0" err="1" smtClean="0">
+                  <a:solidFill>
+                    <a:schemeClr val="tx1">
+                      <a:lumMod val="65000"/>
+                      <a:lumOff val="35000"/>
+                    </a:schemeClr>
+                  </a:solidFill>
+                  <a:latin typeface="Kristen ITC" panose="03050502040202030202" pitchFamily="66" charset="0"/>
+                </a:rPr>
+                <a:t>or</a:t>
+              </a:r>
+              <a:r>
+                <a:rPr lang="de-DE" sz="900" dirty="0" smtClean="0">
+                  <a:solidFill>
+                    <a:schemeClr val="tx1">
+                      <a:lumMod val="65000"/>
+                      <a:lumOff val="35000"/>
+                    </a:schemeClr>
+                  </a:solidFill>
+                  <a:latin typeface="Kristen ITC" panose="03050502040202030202" pitchFamily="66" charset="0"/>
+                </a:rPr>
+                <a:t> WhatsApp didn</a:t>
+              </a:r>
+              <a:r>
+                <a:rPr lang="de-DE" sz="900" dirty="0" smtClean="0">
+                  <a:solidFill>
+                    <a:schemeClr val="tx1">
+                      <a:lumMod val="65000"/>
+                      <a:lumOff val="35000"/>
+                    </a:schemeClr>
+                  </a:solidFill>
+                  <a:latin typeface="Kristen ITC" panose="03050502040202030202" pitchFamily="66" charset="0"/>
+                </a:rPr>
+                <a:t>‘t open you can </a:t>
+              </a:r>
+              <a:r>
+                <a:rPr lang="de-DE" sz="900" dirty="0" err="1" smtClean="0">
+                  <a:solidFill>
+                    <a:schemeClr val="tx1">
+                      <a:lumMod val="65000"/>
+                      <a:lumOff val="35000"/>
+                    </a:schemeClr>
+                  </a:solidFill>
+                  <a:latin typeface="Kristen ITC" panose="03050502040202030202" pitchFamily="66" charset="0"/>
+                </a:rPr>
+                <a:t>copy</a:t>
+              </a:r>
+              <a:r>
+                <a:rPr lang="de-DE" sz="900" dirty="0" smtClean="0">
+                  <a:solidFill>
+                    <a:schemeClr val="tx1">
+                      <a:lumMod val="65000"/>
+                      <a:lumOff val="35000"/>
+                    </a:schemeClr>
+                  </a:solidFill>
+                  <a:latin typeface="Kristen ITC" panose="03050502040202030202" pitchFamily="66" charset="0"/>
+                </a:rPr>
+                <a:t> the link </a:t>
+              </a:r>
+              <a:r>
+                <a:rPr lang="de-DE" sz="900" dirty="0" err="1" smtClean="0">
+                  <a:solidFill>
+                    <a:schemeClr val="tx1">
+                      <a:lumMod val="65000"/>
+                      <a:lumOff val="35000"/>
+                    </a:schemeClr>
+                  </a:solidFill>
+                  <a:latin typeface="Kristen ITC" panose="03050502040202030202" pitchFamily="66" charset="0"/>
+                </a:rPr>
+                <a:t>manually</a:t>
+              </a:r>
+              <a:r>
+                <a:rPr lang="de-DE" sz="900" dirty="0">
+                  <a:solidFill>
+                    <a:schemeClr val="tx1">
+                      <a:lumMod val="65000"/>
+                      <a:lumOff val="35000"/>
+                    </a:schemeClr>
+                  </a:solidFill>
+                  <a:latin typeface="Kristen ITC" panose="03050502040202030202" pitchFamily="66" charset="0"/>
+                </a:rPr>
+                <a:t>.</a:t>
+              </a:r>
+              <a:endParaRPr lang="de-DE" sz="900" dirty="0" smtClean="0">
+                <a:solidFill>
+                  <a:schemeClr val="tx1">
+                    <a:lumMod val="65000"/>
+                    <a:lumOff val="35000"/>
+                  </a:schemeClr>
+                </a:solidFill>
+                <a:latin typeface="Kristen ITC" panose="03050502040202030202" pitchFamily="66" charset="0"/>
+              </a:endParaRPr>
+            </a:p>
+          </p:txBody>
+        </p:sp>
+        <p:grpSp>
+          <p:nvGrpSpPr>
+            <p:cNvPr id="39" name="Gruppieren 38"/>
+            <p:cNvGrpSpPr/>
+            <p:nvPr/>
+          </p:nvGrpSpPr>
+          <p:grpSpPr>
+            <a:xfrm rot="19770983">
+              <a:off x="5648785" y="4329128"/>
+              <a:ext cx="149269" cy="293188"/>
+              <a:chOff x="3741739" y="4807589"/>
+              <a:chExt cx="246842" cy="409540"/>
+            </a:xfrm>
+          </p:grpSpPr>
+          <p:sp>
+            <p:nvSpPr>
+              <p:cNvPr id="40" name="Freihandform 39"/>
+              <p:cNvSpPr/>
+              <p:nvPr/>
+            </p:nvSpPr>
+            <p:spPr>
+              <a:xfrm>
+                <a:off x="3741739" y="4807589"/>
+                <a:ext cx="246830" cy="409540"/>
+              </a:xfrm>
+              <a:custGeom>
+                <a:avLst/>
+                <a:gdLst>
+                  <a:gd name="connsiteX0" fmla="*/ 0 w 246832"/>
+                  <a:gd name="connsiteY0" fmla="*/ 409540 h 409540"/>
+                  <a:gd name="connsiteX1" fmla="*/ 5610 w 246832"/>
+                  <a:gd name="connsiteY1" fmla="*/ 381491 h 409540"/>
+                  <a:gd name="connsiteX2" fmla="*/ 39269 w 246832"/>
+                  <a:gd name="connsiteY2" fmla="*/ 325393 h 409540"/>
+                  <a:gd name="connsiteX3" fmla="*/ 67318 w 246832"/>
+                  <a:gd name="connsiteY3" fmla="*/ 274905 h 409540"/>
+                  <a:gd name="connsiteX4" fmla="*/ 100977 w 246832"/>
+                  <a:gd name="connsiteY4" fmla="*/ 224416 h 409540"/>
+                  <a:gd name="connsiteX5" fmla="*/ 129026 w 246832"/>
+                  <a:gd name="connsiteY5" fmla="*/ 173928 h 409540"/>
+                  <a:gd name="connsiteX6" fmla="*/ 190734 w 246832"/>
+                  <a:gd name="connsiteY6" fmla="*/ 84171 h 409540"/>
+                  <a:gd name="connsiteX7" fmla="*/ 230003 w 246832"/>
+                  <a:gd name="connsiteY7" fmla="*/ 22463 h 409540"/>
+                  <a:gd name="connsiteX8" fmla="*/ 246832 w 246832"/>
+                  <a:gd name="connsiteY8" fmla="*/ 24 h 409540"/>
+                </a:gdLst>
+                <a:ahLst/>
+                <a:cxnLst>
+                  <a:cxn ang="0">
+                    <a:pos x="connsiteX0" y="connsiteY0"/>
+                  </a:cxn>
+                  <a:cxn ang="0">
+                    <a:pos x="connsiteX1" y="connsiteY1"/>
+                  </a:cxn>
+                  <a:cxn ang="0">
+                    <a:pos x="connsiteX2" y="connsiteY2"/>
+                  </a:cxn>
+                  <a:cxn ang="0">
+                    <a:pos x="connsiteX3" y="connsiteY3"/>
+                  </a:cxn>
+                  <a:cxn ang="0">
+                    <a:pos x="connsiteX4" y="connsiteY4"/>
+                  </a:cxn>
+                  <a:cxn ang="0">
+                    <a:pos x="connsiteX5" y="connsiteY5"/>
+                  </a:cxn>
+                  <a:cxn ang="0">
+                    <a:pos x="connsiteX6" y="connsiteY6"/>
+                  </a:cxn>
+                  <a:cxn ang="0">
+                    <a:pos x="connsiteX7" y="connsiteY7"/>
+                  </a:cxn>
+                  <a:cxn ang="0">
+                    <a:pos x="connsiteX8" y="connsiteY8"/>
+                  </a:cxn>
+                </a:cxnLst>
+                <a:rect l="l" t="t" r="r" b="b"/>
+                <a:pathLst>
+                  <a:path w="246832" h="409540">
+                    <a:moveTo>
+                      <a:pt x="0" y="409540"/>
+                    </a:moveTo>
+                    <a:cubicBezTo>
+                      <a:pt x="1870" y="400190"/>
+                      <a:pt x="2595" y="390537"/>
+                      <a:pt x="5610" y="381491"/>
+                    </a:cubicBezTo>
+                    <a:cubicBezTo>
+                      <a:pt x="12021" y="362259"/>
+                      <a:pt x="29670" y="341392"/>
+                      <a:pt x="39269" y="325393"/>
+                    </a:cubicBezTo>
+                    <a:cubicBezTo>
+                      <a:pt x="49174" y="308884"/>
+                      <a:pt x="57279" y="291332"/>
+                      <a:pt x="67318" y="274905"/>
+                    </a:cubicBezTo>
+                    <a:cubicBezTo>
+                      <a:pt x="77865" y="257646"/>
+                      <a:pt x="90430" y="241675"/>
+                      <a:pt x="100977" y="224416"/>
+                    </a:cubicBezTo>
+                    <a:cubicBezTo>
+                      <a:pt x="111016" y="207989"/>
+                      <a:pt x="118567" y="190091"/>
+                      <a:pt x="129026" y="173928"/>
+                    </a:cubicBezTo>
+                    <a:cubicBezTo>
+                      <a:pt x="189636" y="80258"/>
+                      <a:pt x="137334" y="177621"/>
+                      <a:pt x="190734" y="84171"/>
+                    </a:cubicBezTo>
+                    <a:cubicBezTo>
+                      <a:pt x="266822" y="-48984"/>
+                      <a:pt x="148273" y="145057"/>
+                      <a:pt x="230003" y="22463"/>
+                    </a:cubicBezTo>
+                    <a:cubicBezTo>
+                      <a:pt x="246078" y="-1649"/>
+                      <a:pt x="231961" y="24"/>
+                      <a:pt x="246832" y="24"/>
+                    </a:cubicBezTo>
+                  </a:path>
+                </a:pathLst>
+              </a:custGeom>
+              <a:noFill/>
+              <a:ln w="12700">
+                <a:solidFill>
+                  <a:schemeClr val="tx1">
+                    <a:lumMod val="50000"/>
+                    <a:lumOff val="50000"/>
+                  </a:schemeClr>
+                </a:solidFill>
+              </a:ln>
+            </p:spPr>
+            <p:style>
+              <a:lnRef idx="2">
+                <a:schemeClr val="accent1">
+                  <a:shade val="50000"/>
+                </a:schemeClr>
+              </a:lnRef>
+              <a:fillRef idx="1">
+                <a:schemeClr val="accent1"/>
+              </a:fillRef>
+              <a:effectRef idx="0">
+                <a:schemeClr val="accent1"/>
+              </a:effectRef>
+              <a:fontRef idx="minor">
+                <a:schemeClr val="lt1"/>
+              </a:fontRef>
+            </p:style>
+            <p:txBody>
+              <a:bodyPr rtlCol="0" anchor="ctr"/>
+              <a:lstStyle/>
+              <a:p>
+                <a:pPr algn="ctr"/>
+                <a:endParaRPr lang="en-US" baseline="-25000"/>
+              </a:p>
+            </p:txBody>
+          </p:sp>
+          <p:sp>
+            <p:nvSpPr>
+              <p:cNvPr id="41" name="Freihandform 40"/>
+              <p:cNvSpPr/>
+              <p:nvPr/>
+            </p:nvSpPr>
+            <p:spPr>
+              <a:xfrm>
+                <a:off x="3982969" y="4807612"/>
+                <a:ext cx="5612" cy="207563"/>
+              </a:xfrm>
+              <a:custGeom>
+                <a:avLst/>
+                <a:gdLst>
+                  <a:gd name="connsiteX0" fmla="*/ 0 w 5612"/>
+                  <a:gd name="connsiteY0" fmla="*/ 0 h 207563"/>
+                  <a:gd name="connsiteX1" fmla="*/ 5610 w 5612"/>
+                  <a:gd name="connsiteY1" fmla="*/ 207563 h 207563"/>
+                </a:gdLst>
+                <a:ahLst/>
+                <a:cxnLst>
+                  <a:cxn ang="0">
+                    <a:pos x="connsiteX0" y="connsiteY0"/>
+                  </a:cxn>
+                  <a:cxn ang="0">
+                    <a:pos x="connsiteX1" y="connsiteY1"/>
+                  </a:cxn>
+                </a:cxnLst>
+                <a:rect l="l" t="t" r="r" b="b"/>
+                <a:pathLst>
+                  <a:path w="5612" h="207563">
+                    <a:moveTo>
+                      <a:pt x="0" y="0"/>
+                    </a:moveTo>
+                    <a:cubicBezTo>
+                      <a:pt x="5902" y="188859"/>
+                      <a:pt x="5610" y="119647"/>
+                      <a:pt x="5610" y="207563"/>
+                    </a:cubicBezTo>
+                  </a:path>
+                </a:pathLst>
+              </a:custGeom>
+              <a:noFill/>
+              <a:ln w="12700">
+                <a:solidFill>
+                  <a:schemeClr val="tx1">
+                    <a:lumMod val="50000"/>
+                    <a:lumOff val="50000"/>
+                  </a:schemeClr>
+                </a:solidFill>
+              </a:ln>
+            </p:spPr>
+            <p:style>
+              <a:lnRef idx="2">
+                <a:schemeClr val="accent1">
+                  <a:shade val="50000"/>
+                </a:schemeClr>
+              </a:lnRef>
+              <a:fillRef idx="1">
+                <a:schemeClr val="accent1"/>
+              </a:fillRef>
+              <a:effectRef idx="0">
+                <a:schemeClr val="accent1"/>
+              </a:effectRef>
+              <a:fontRef idx="minor">
+                <a:schemeClr val="lt1"/>
+              </a:fontRef>
+            </p:style>
+            <p:txBody>
+              <a:bodyPr rtlCol="0" anchor="ctr"/>
+              <a:lstStyle/>
+              <a:p>
+                <a:pPr algn="ctr"/>
+                <a:endParaRPr lang="en-US" baseline="-25000"/>
+              </a:p>
+            </p:txBody>
+          </p:sp>
+          <p:sp>
+            <p:nvSpPr>
+              <p:cNvPr id="46" name="Freihandform 45"/>
               <p:cNvSpPr/>
               <p:nvPr/>
             </p:nvSpPr>
